--- a/pres_soutenance_v4.pptx
+++ b/pres_soutenance_v4.pptx
@@ -5,7 +5,7 @@
     <p:sldMasterId id="2147483648" r:id="rId1"/>
   </p:sldMasterIdLst>
   <p:notesMasterIdLst>
-    <p:notesMasterId r:id="rId20"/>
+    <p:notesMasterId r:id="rId23"/>
   </p:notesMasterIdLst>
   <p:sldIdLst>
     <p:sldId id="256" r:id="rId2"/>
@@ -21,11 +21,14 @@
     <p:sldId id="307" r:id="rId12"/>
     <p:sldId id="298" r:id="rId13"/>
     <p:sldId id="301" r:id="rId14"/>
-    <p:sldId id="304" r:id="rId15"/>
-    <p:sldId id="305" r:id="rId16"/>
-    <p:sldId id="306" r:id="rId17"/>
-    <p:sldId id="302" r:id="rId18"/>
-    <p:sldId id="288" r:id="rId19"/>
+    <p:sldId id="310" r:id="rId15"/>
+    <p:sldId id="308" r:id="rId16"/>
+    <p:sldId id="311" r:id="rId17"/>
+    <p:sldId id="304" r:id="rId18"/>
+    <p:sldId id="306" r:id="rId19"/>
+    <p:sldId id="309" r:id="rId20"/>
+    <p:sldId id="302" r:id="rId21"/>
+    <p:sldId id="288" r:id="rId22"/>
   </p:sldIdLst>
   <p:sldSz cx="12192000" cy="6858000"/>
   <p:notesSz cx="6858000" cy="9144000"/>
@@ -904,7 +907,7 @@
     </p:spTree>
     <p:extLst>
       <p:ext uri="{BB962C8B-B14F-4D97-AF65-F5344CB8AC3E}">
-        <p14:creationId xmlns:p14="http://schemas.microsoft.com/office/powerpoint/2010/main" val="2723699697"/>
+        <p14:creationId xmlns:p14="http://schemas.microsoft.com/office/powerpoint/2010/main" val="1701375304"/>
       </p:ext>
     </p:extLst>
   </p:cSld>
@@ -988,7 +991,7 @@
     </p:spTree>
     <p:extLst>
       <p:ext uri="{BB962C8B-B14F-4D97-AF65-F5344CB8AC3E}">
-        <p14:creationId xmlns:p14="http://schemas.microsoft.com/office/powerpoint/2010/main" val="2349985754"/>
+        <p14:creationId xmlns:p14="http://schemas.microsoft.com/office/powerpoint/2010/main" val="2057100087"/>
       </p:ext>
     </p:extLst>
   </p:cSld>
@@ -1072,7 +1075,7 @@
     </p:spTree>
     <p:extLst>
       <p:ext uri="{BB962C8B-B14F-4D97-AF65-F5344CB8AC3E}">
-        <p14:creationId xmlns:p14="http://schemas.microsoft.com/office/powerpoint/2010/main" val="3866075171"/>
+        <p14:creationId xmlns:p14="http://schemas.microsoft.com/office/powerpoint/2010/main" val="1354464383"/>
       </p:ext>
     </p:extLst>
   </p:cSld>
@@ -1148,6 +1151,258 @@
             <a:fld id="{EDB37EFF-6C61-4937-B1C1-A794E64DAC0F}" type="slidenum">
               <a:rPr lang="en-GB" smtClean="0"/>
               <a:t>17</a:t>
+            </a:fld>
+            <a:endParaRPr lang="en-GB"/>
+          </a:p>
+        </p:txBody>
+      </p:sp>
+    </p:spTree>
+    <p:extLst>
+      <p:ext uri="{BB962C8B-B14F-4D97-AF65-F5344CB8AC3E}">
+        <p14:creationId xmlns:p14="http://schemas.microsoft.com/office/powerpoint/2010/main" val="2723699697"/>
+      </p:ext>
+    </p:extLst>
+  </p:cSld>
+  <p:clrMapOvr>
+    <a:masterClrMapping/>
+  </p:clrMapOvr>
+</p:notes>
+</file>
+
+<file path=ppt/notesSlides/notesSlide17.xml><?xml version="1.0" encoding="utf-8"?>
+<p:notes xmlns:a="http://schemas.openxmlformats.org/drawingml/2006/main" xmlns:r="http://schemas.openxmlformats.org/officeDocument/2006/relationships" xmlns:p="http://schemas.openxmlformats.org/presentationml/2006/main">
+  <p:cSld>
+    <p:spTree>
+      <p:nvGrpSpPr>
+        <p:cNvPr id="1" name=""/>
+        <p:cNvGrpSpPr/>
+        <p:nvPr/>
+      </p:nvGrpSpPr>
+      <p:grpSpPr>
+        <a:xfrm>
+          <a:off x="0" y="0"/>
+          <a:ext cx="0" cy="0"/>
+          <a:chOff x="0" y="0"/>
+          <a:chExt cx="0" cy="0"/>
+        </a:xfrm>
+      </p:grpSpPr>
+      <p:sp>
+        <p:nvSpPr>
+          <p:cNvPr id="2" name="Slide Image Placeholder 1"/>
+          <p:cNvSpPr>
+            <a:spLocks noGrp="1" noRot="1" noChangeAspect="1"/>
+          </p:cNvSpPr>
+          <p:nvPr>
+            <p:ph type="sldImg"/>
+          </p:nvPr>
+        </p:nvSpPr>
+        <p:spPr/>
+      </p:sp>
+      <p:sp>
+        <p:nvSpPr>
+          <p:cNvPr id="3" name="Notes Placeholder 2"/>
+          <p:cNvSpPr>
+            <a:spLocks noGrp="1"/>
+          </p:cNvSpPr>
+          <p:nvPr>
+            <p:ph type="body" idx="1"/>
+          </p:nvPr>
+        </p:nvSpPr>
+        <p:spPr/>
+        <p:txBody>
+          <a:bodyPr/>
+          <a:lstStyle/>
+          <a:p>
+            <a:endParaRPr lang="en-US" dirty="0"/>
+          </a:p>
+        </p:txBody>
+      </p:sp>
+      <p:sp>
+        <p:nvSpPr>
+          <p:cNvPr id="4" name="Slide Number Placeholder 3"/>
+          <p:cNvSpPr>
+            <a:spLocks noGrp="1"/>
+          </p:cNvSpPr>
+          <p:nvPr>
+            <p:ph type="sldNum" sz="quarter" idx="5"/>
+          </p:nvPr>
+        </p:nvSpPr>
+        <p:spPr/>
+        <p:txBody>
+          <a:bodyPr/>
+          <a:lstStyle/>
+          <a:p>
+            <a:fld id="{EDB37EFF-6C61-4937-B1C1-A794E64DAC0F}" type="slidenum">
+              <a:rPr lang="en-GB" smtClean="0"/>
+              <a:t>18</a:t>
+            </a:fld>
+            <a:endParaRPr lang="en-GB"/>
+          </a:p>
+        </p:txBody>
+      </p:sp>
+    </p:spTree>
+    <p:extLst>
+      <p:ext uri="{BB962C8B-B14F-4D97-AF65-F5344CB8AC3E}">
+        <p14:creationId xmlns:p14="http://schemas.microsoft.com/office/powerpoint/2010/main" val="3866075171"/>
+      </p:ext>
+    </p:extLst>
+  </p:cSld>
+  <p:clrMapOvr>
+    <a:masterClrMapping/>
+  </p:clrMapOvr>
+</p:notes>
+</file>
+
+<file path=ppt/notesSlides/notesSlide18.xml><?xml version="1.0" encoding="utf-8"?>
+<p:notes xmlns:a="http://schemas.openxmlformats.org/drawingml/2006/main" xmlns:r="http://schemas.openxmlformats.org/officeDocument/2006/relationships" xmlns:p="http://schemas.openxmlformats.org/presentationml/2006/main">
+  <p:cSld>
+    <p:spTree>
+      <p:nvGrpSpPr>
+        <p:cNvPr id="1" name=""/>
+        <p:cNvGrpSpPr/>
+        <p:nvPr/>
+      </p:nvGrpSpPr>
+      <p:grpSpPr>
+        <a:xfrm>
+          <a:off x="0" y="0"/>
+          <a:ext cx="0" cy="0"/>
+          <a:chOff x="0" y="0"/>
+          <a:chExt cx="0" cy="0"/>
+        </a:xfrm>
+      </p:grpSpPr>
+      <p:sp>
+        <p:nvSpPr>
+          <p:cNvPr id="2" name="Slide Image Placeholder 1"/>
+          <p:cNvSpPr>
+            <a:spLocks noGrp="1" noRot="1" noChangeAspect="1"/>
+          </p:cNvSpPr>
+          <p:nvPr>
+            <p:ph type="sldImg"/>
+          </p:nvPr>
+        </p:nvSpPr>
+        <p:spPr/>
+      </p:sp>
+      <p:sp>
+        <p:nvSpPr>
+          <p:cNvPr id="3" name="Notes Placeholder 2"/>
+          <p:cNvSpPr>
+            <a:spLocks noGrp="1"/>
+          </p:cNvSpPr>
+          <p:nvPr>
+            <p:ph type="body" idx="1"/>
+          </p:nvPr>
+        </p:nvSpPr>
+        <p:spPr/>
+        <p:txBody>
+          <a:bodyPr/>
+          <a:lstStyle/>
+          <a:p>
+            <a:endParaRPr lang="en-US" dirty="0"/>
+          </a:p>
+        </p:txBody>
+      </p:sp>
+      <p:sp>
+        <p:nvSpPr>
+          <p:cNvPr id="4" name="Slide Number Placeholder 3"/>
+          <p:cNvSpPr>
+            <a:spLocks noGrp="1"/>
+          </p:cNvSpPr>
+          <p:nvPr>
+            <p:ph type="sldNum" sz="quarter" idx="5"/>
+          </p:nvPr>
+        </p:nvSpPr>
+        <p:spPr/>
+        <p:txBody>
+          <a:bodyPr/>
+          <a:lstStyle/>
+          <a:p>
+            <a:fld id="{EDB37EFF-6C61-4937-B1C1-A794E64DAC0F}" type="slidenum">
+              <a:rPr lang="en-GB" smtClean="0"/>
+              <a:t>19</a:t>
+            </a:fld>
+            <a:endParaRPr lang="en-GB"/>
+          </a:p>
+        </p:txBody>
+      </p:sp>
+    </p:spTree>
+    <p:extLst>
+      <p:ext uri="{BB962C8B-B14F-4D97-AF65-F5344CB8AC3E}">
+        <p14:creationId xmlns:p14="http://schemas.microsoft.com/office/powerpoint/2010/main" val="3764118980"/>
+      </p:ext>
+    </p:extLst>
+  </p:cSld>
+  <p:clrMapOvr>
+    <a:masterClrMapping/>
+  </p:clrMapOvr>
+</p:notes>
+</file>
+
+<file path=ppt/notesSlides/notesSlide19.xml><?xml version="1.0" encoding="utf-8"?>
+<p:notes xmlns:a="http://schemas.openxmlformats.org/drawingml/2006/main" xmlns:r="http://schemas.openxmlformats.org/officeDocument/2006/relationships" xmlns:p="http://schemas.openxmlformats.org/presentationml/2006/main">
+  <p:cSld>
+    <p:spTree>
+      <p:nvGrpSpPr>
+        <p:cNvPr id="1" name=""/>
+        <p:cNvGrpSpPr/>
+        <p:nvPr/>
+      </p:nvGrpSpPr>
+      <p:grpSpPr>
+        <a:xfrm>
+          <a:off x="0" y="0"/>
+          <a:ext cx="0" cy="0"/>
+          <a:chOff x="0" y="0"/>
+          <a:chExt cx="0" cy="0"/>
+        </a:xfrm>
+      </p:grpSpPr>
+      <p:sp>
+        <p:nvSpPr>
+          <p:cNvPr id="2" name="Slide Image Placeholder 1"/>
+          <p:cNvSpPr>
+            <a:spLocks noGrp="1" noRot="1" noChangeAspect="1"/>
+          </p:cNvSpPr>
+          <p:nvPr>
+            <p:ph type="sldImg"/>
+          </p:nvPr>
+        </p:nvSpPr>
+        <p:spPr/>
+      </p:sp>
+      <p:sp>
+        <p:nvSpPr>
+          <p:cNvPr id="3" name="Notes Placeholder 2"/>
+          <p:cNvSpPr>
+            <a:spLocks noGrp="1"/>
+          </p:cNvSpPr>
+          <p:nvPr>
+            <p:ph type="body" idx="1"/>
+          </p:nvPr>
+        </p:nvSpPr>
+        <p:spPr/>
+        <p:txBody>
+          <a:bodyPr/>
+          <a:lstStyle/>
+          <a:p>
+            <a:endParaRPr lang="en-US" dirty="0"/>
+          </a:p>
+        </p:txBody>
+      </p:sp>
+      <p:sp>
+        <p:nvSpPr>
+          <p:cNvPr id="4" name="Slide Number Placeholder 3"/>
+          <p:cNvSpPr>
+            <a:spLocks noGrp="1"/>
+          </p:cNvSpPr>
+          <p:nvPr>
+            <p:ph type="sldNum" sz="quarter" idx="5"/>
+          </p:nvPr>
+        </p:nvSpPr>
+        <p:spPr/>
+        <p:txBody>
+          <a:bodyPr/>
+          <a:lstStyle/>
+          <a:p>
+            <a:fld id="{EDB37EFF-6C61-4937-B1C1-A794E64DAC0F}" type="slidenum">
+              <a:rPr lang="en-GB" smtClean="0"/>
+              <a:t>20</a:t>
             </a:fld>
             <a:endParaRPr lang="en-GB"/>
           </a:p>
@@ -6126,9 +6381,17 @@
                   <a:srgbClr val="7030A0"/>
                 </a:solidFill>
               </a:rPr>
-              <a:t>concentration massique de chlorophylle a</a:t>
-            </a:r>
-            <a:endParaRPr lang="fr-FR" dirty="0"/>
+              <a:t>concentration massique de chlorophylle </a:t>
+            </a:r>
+            <a:r>
+              <a:rPr lang="fr-FR" i="1" dirty="0">
+                <a:solidFill>
+                  <a:srgbClr val="7030A0"/>
+                </a:solidFill>
+              </a:rPr>
+              <a:t>a</a:t>
+            </a:r>
+            <a:endParaRPr lang="fr-FR" i="1" dirty="0"/>
           </a:p>
           <a:p>
             <a:pPr marL="742950" lvl="1" indent="-285750">
@@ -8330,7 +8593,7 @@
                   <a:rPr lang="fr-FR" sz="1200" b="1" smtClean="0">
                     <a:latin typeface="+mj-lt"/>
                   </a:rPr>
-                  <a:t>01/02/2022</a:t>
+                  <a:t>02/02/2022</a:t>
                 </a:fld>
                 <a:endParaRPr lang="en-GB" sz="1400" b="1" cap="small" dirty="0">
                   <a:latin typeface="+mj-lt"/>
@@ -8355,7 +8618,7 @@
         <p:spPr>
           <a:xfrm>
             <a:off x="331514" y="368212"/>
-            <a:ext cx="3676263" cy="523220"/>
+            <a:ext cx="6915483" cy="523220"/>
           </a:xfrm>
           <a:prstGeom prst="rect">
             <a:avLst/>
@@ -8363,7 +8626,7 @@
           <a:noFill/>
         </p:spPr>
         <p:txBody>
-          <a:bodyPr wrap="none" rtlCol="0">
+          <a:bodyPr wrap="square" rtlCol="0">
             <a:spAutoFit/>
           </a:bodyPr>
           <a:lstStyle/>
@@ -8372,7 +8635,7 @@
               <a:rPr lang="fr-FR" sz="2800" b="1" cap="small" dirty="0">
                 <a:latin typeface="+mj-lt"/>
               </a:rPr>
-              <a:t>Comparaison des colonies</a:t>
+              <a:t>Comparaison des colonies – Riou et Porquerolles</a:t>
             </a:r>
             <a:endParaRPr lang="en-GB" sz="2800" b="1" i="1" cap="small" dirty="0">
               <a:latin typeface="+mj-lt"/>
@@ -8724,7 +8987,7 @@
         <p:spPr>
           <a:xfrm>
             <a:off x="858624" y="1380778"/>
-            <a:ext cx="8388835" cy="5450851"/>
+            <a:ext cx="11422166" cy="1628587"/>
           </a:xfrm>
           <a:prstGeom prst="rect">
             <a:avLst/>
@@ -8746,76 +9009,8 @@
             </a:pPr>
             <a:r>
               <a:rPr lang="fr-FR" dirty="0"/>
-              <a:t>4 </a:t>
-            </a:r>
-            <a:r>
-              <a:rPr lang="fr-FR" b="1" dirty="0">
-                <a:solidFill>
-                  <a:srgbClr val="F8AC00"/>
-                </a:solidFill>
-              </a:rPr>
-              <a:t>modèles</a:t>
-            </a:r>
-            <a:r>
-              <a:rPr lang="fr-FR" dirty="0"/>
-              <a:t> </a:t>
-            </a:r>
-            <a:r>
-              <a:rPr lang="fr-FR" i="1" dirty="0" err="1"/>
-              <a:t>step</a:t>
-            </a:r>
-            <a:r>
-              <a:rPr lang="fr-FR" i="1" dirty="0"/>
-              <a:t> </a:t>
-            </a:r>
-            <a:r>
-              <a:rPr lang="fr-FR" i="1" dirty="0" err="1"/>
-              <a:t>selection</a:t>
-            </a:r>
-            <a:r>
-              <a:rPr lang="fr-FR" i="1" dirty="0"/>
-              <a:t> </a:t>
-            </a:r>
-            <a:r>
-              <a:rPr lang="fr-FR" dirty="0"/>
-              <a:t>associés aux colonies</a:t>
-            </a:r>
-          </a:p>
-          <a:p>
-            <a:pPr marL="285750" indent="-285750">
-              <a:lnSpc>
-                <a:spcPct val="150000"/>
-              </a:lnSpc>
-              <a:buFont typeface="Arial" panose="020B0604020202020204" pitchFamily="34" charset="0"/>
-              <a:buChar char="•"/>
-            </a:pPr>
-            <a:endParaRPr lang="fr-FR" dirty="0"/>
-          </a:p>
-          <a:p>
-            <a:pPr marL="285750" indent="-285750">
-              <a:lnSpc>
-                <a:spcPct val="150000"/>
-              </a:lnSpc>
-              <a:buFont typeface="Arial" panose="020B0604020202020204" pitchFamily="34" charset="0"/>
-              <a:buChar char="•"/>
-            </a:pPr>
-            <a:r>
-              <a:rPr lang="fr-FR" dirty="0"/>
-              <a:t>2 colonies dont la génération de pas hypothétiques est anormale : </a:t>
-            </a:r>
-            <a:r>
-              <a:rPr lang="fr-FR" dirty="0" err="1"/>
-              <a:t>Lavezzi</a:t>
-            </a:r>
-            <a:r>
-              <a:rPr lang="fr-FR" dirty="0"/>
-              <a:t> et </a:t>
-            </a:r>
-            <a:r>
-              <a:rPr lang="fr-FR" dirty="0" err="1"/>
-              <a:t>Gariglia</a:t>
-            </a:r>
-            <a:endParaRPr lang="fr-FR" dirty="0"/>
+              <a:t>Interprétation des coefficients des modèles pour la préférence d’habitat :</a:t>
+            </a:r>
           </a:p>
           <a:p>
             <a:pPr marL="742950" lvl="1" indent="-285750">
@@ -8827,13 +9022,8 @@
             </a:pPr>
             <a:r>
               <a:rPr lang="fr-FR" dirty="0"/>
-              <a:t>vols près de la côte Corse pour </a:t>
-            </a:r>
-            <a:r>
-              <a:rPr lang="fr-FR" dirty="0" err="1"/>
-              <a:t>Lavezzi</a:t>
-            </a:r>
-            <a:endParaRPr lang="fr-FR" dirty="0"/>
+              <a:t>Riou : bathymétrie plus faible, variations* de température plus faibles, anomalie du niveau de la mer plus faible </a:t>
+            </a:r>
           </a:p>
           <a:p>
             <a:pPr marL="742950" lvl="1" indent="-285750">
@@ -8845,56 +9035,15 @@
             </a:pPr>
             <a:r>
               <a:rPr lang="fr-FR" dirty="0"/>
-              <a:t>longueurs de pas excessivement grandes pour les deux colonies</a:t>
-            </a:r>
-          </a:p>
-          <a:p>
-            <a:pPr marL="742950" lvl="1" indent="-285750">
-              <a:lnSpc>
-                <a:spcPct val="150000"/>
-              </a:lnSpc>
-              <a:buFont typeface="Calibri" panose="020F0502020204030204" pitchFamily="34" charset="0"/>
-              <a:buChar char="-"/>
-            </a:pPr>
-            <a:endParaRPr lang="fr-FR" dirty="0"/>
-          </a:p>
-          <a:p>
-            <a:pPr marL="285750" indent="-285750">
-              <a:lnSpc>
-                <a:spcPct val="150000"/>
-              </a:lnSpc>
-              <a:buFont typeface="Arial" panose="020B0604020202020204" pitchFamily="34" charset="0"/>
-              <a:buChar char="•"/>
-            </a:pPr>
+              <a:t>Porquerolles : gradient de concentration mensuelle de chlorophylle </a:t>
+            </a:r>
+            <a:r>
+              <a:rPr lang="fr-FR" i="1" dirty="0"/>
+              <a:t>a </a:t>
+            </a:r>
             <a:r>
               <a:rPr lang="fr-FR" dirty="0"/>
-              <a:t>Analyse pour Riou et Porquerolles : les résultats sont très intéressants</a:t>
-            </a:r>
-          </a:p>
-          <a:p>
-            <a:pPr marL="742950" lvl="1" indent="-285750">
-              <a:lnSpc>
-                <a:spcPct val="150000"/>
-              </a:lnSpc>
-              <a:buFont typeface="Calibri" panose="020F0502020204030204" pitchFamily="34" charset="0"/>
-              <a:buChar char="-"/>
-            </a:pPr>
-            <a:r>
-              <a:rPr lang="fr-FR" dirty="0"/>
-              <a:t>bathymétrie (-) et anomalie du niveau de la mer (-) pour Riou</a:t>
-            </a:r>
-          </a:p>
-          <a:p>
-            <a:pPr marL="742950" lvl="1" indent="-285750">
-              <a:lnSpc>
-                <a:spcPct val="150000"/>
-              </a:lnSpc>
-              <a:buFont typeface="Calibri" panose="020F0502020204030204" pitchFamily="34" charset="0"/>
-              <a:buChar char="-"/>
-            </a:pPr>
-            <a:r>
-              <a:rPr lang="fr-FR" dirty="0"/>
-              <a:t>gradient de la bathymétrie (-) et vélocité du courant marin (-)</a:t>
+              <a:t>plus élevé</a:t>
             </a:r>
           </a:p>
           <a:p>
@@ -8903,55 +9052,83 @@
                 <a:spcPct val="150000"/>
               </a:lnSpc>
             </a:pPr>
-            <a:endParaRPr lang="fr-FR" dirty="0"/>
-          </a:p>
-          <a:p>
-            <a:pPr marL="285750" indent="-285750">
-              <a:lnSpc>
-                <a:spcPct val="150000"/>
-              </a:lnSpc>
-              <a:buFont typeface="Arial" panose="020B0604020202020204" pitchFamily="34" charset="0"/>
-              <a:buChar char="•"/>
-            </a:pPr>
-            <a:r>
-              <a:rPr lang="fr-FR" dirty="0"/>
-              <a:t>Forte </a:t>
-            </a:r>
-            <a:r>
-              <a:rPr lang="fr-FR" b="1" dirty="0">
-                <a:solidFill>
-                  <a:srgbClr val="F8AC00"/>
-                </a:solidFill>
-              </a:rPr>
-              <a:t>corrélation</a:t>
-            </a:r>
-            <a:r>
-              <a:rPr lang="fr-FR" dirty="0"/>
-              <a:t> entre la bathymétrie et son gradient </a:t>
-            </a:r>
-          </a:p>
-          <a:p>
-            <a:pPr marL="285750" indent="-285750">
-              <a:lnSpc>
-                <a:spcPct val="150000"/>
-              </a:lnSpc>
-              <a:buFont typeface="Arial" panose="020B0604020202020204" pitchFamily="34" charset="0"/>
-              <a:buChar char="•"/>
-            </a:pPr>
-            <a:endParaRPr lang="fr-FR" dirty="0"/>
-          </a:p>
-          <a:p>
-            <a:pPr marL="285750" indent="-285750">
-              <a:lnSpc>
-                <a:spcPct val="150000"/>
-              </a:lnSpc>
-              <a:buFont typeface="Arial" panose="020B0604020202020204" pitchFamily="34" charset="0"/>
-              <a:buChar char="•"/>
-            </a:pPr>
-            <a:endParaRPr lang="fr-FR" dirty="0"/>
+            <a:r>
+              <a:rPr lang="fr-FR" sz="1400" dirty="0"/>
+              <a:t>*gradient et variance mensuels</a:t>
+            </a:r>
           </a:p>
         </p:txBody>
       </p:sp>
+      <p:pic>
+        <p:nvPicPr>
+          <p:cNvPr id="3" name="Image 2">
+            <a:extLst>
+              <a:ext uri="{FF2B5EF4-FFF2-40B4-BE49-F238E27FC236}">
+                <a16:creationId xmlns:a16="http://schemas.microsoft.com/office/drawing/2014/main" id="{C19D1AF5-FD2C-4E80-84EB-9164C862EF3D}"/>
+              </a:ext>
+            </a:extLst>
+          </p:cNvPr>
+          <p:cNvPicPr>
+            <a:picLocks noChangeAspect="1"/>
+          </p:cNvPicPr>
+          <p:nvPr/>
+        </p:nvPicPr>
+        <p:blipFill rotWithShape="1">
+          <a:blip r:embed="rId4">
+            <a:extLst>
+              <a:ext uri="{28A0092B-C50C-407E-A947-70E740481C1C}">
+                <a14:useLocalDpi xmlns:a14="http://schemas.microsoft.com/office/drawing/2010/main" val="0"/>
+              </a:ext>
+            </a:extLst>
+          </a:blip>
+          <a:srcRect t="6269" b="6318"/>
+          <a:stretch/>
+        </p:blipFill>
+        <p:spPr>
+          <a:xfrm>
+            <a:off x="1714499" y="3188009"/>
+            <a:ext cx="3743325" cy="2974666"/>
+          </a:xfrm>
+          <a:prstGeom prst="rect">
+            <a:avLst/>
+          </a:prstGeom>
+        </p:spPr>
+      </p:pic>
+      <p:pic>
+        <p:nvPicPr>
+          <p:cNvPr id="14" name="Image 13">
+            <a:extLst>
+              <a:ext uri="{FF2B5EF4-FFF2-40B4-BE49-F238E27FC236}">
+                <a16:creationId xmlns:a16="http://schemas.microsoft.com/office/drawing/2014/main" id="{99B1F9C3-D53D-4DA1-8503-407D81C91646}"/>
+              </a:ext>
+            </a:extLst>
+          </p:cNvPr>
+          <p:cNvPicPr>
+            <a:picLocks noChangeAspect="1"/>
+          </p:cNvPicPr>
+          <p:nvPr/>
+        </p:nvPicPr>
+        <p:blipFill rotWithShape="1">
+          <a:blip r:embed="rId5">
+            <a:extLst>
+              <a:ext uri="{28A0092B-C50C-407E-A947-70E740481C1C}">
+                <a14:useLocalDpi xmlns:a14="http://schemas.microsoft.com/office/drawing/2010/main" val="0"/>
+              </a:ext>
+            </a:extLst>
+          </a:blip>
+          <a:srcRect t="9921" b="10401"/>
+          <a:stretch/>
+        </p:blipFill>
+        <p:spPr>
+          <a:xfrm>
+            <a:off x="6305549" y="3317419"/>
+            <a:ext cx="3895725" cy="2821857"/>
+          </a:xfrm>
+          <a:prstGeom prst="rect">
+            <a:avLst/>
+          </a:prstGeom>
+        </p:spPr>
+      </p:pic>
     </p:spTree>
     <p:extLst>
       <p:ext uri="{BB962C8B-B14F-4D97-AF65-F5344CB8AC3E}">
@@ -8966,6 +9143,2192 @@
 </file>
 
 <file path=ppt/slides/slide14.xml><?xml version="1.0" encoding="utf-8"?>
+<p:sld xmlns:a="http://schemas.openxmlformats.org/drawingml/2006/main" xmlns:r="http://schemas.openxmlformats.org/officeDocument/2006/relationships" xmlns:p="http://schemas.openxmlformats.org/presentationml/2006/main" show="0">
+  <p:cSld>
+    <p:spTree>
+      <p:nvGrpSpPr>
+        <p:cNvPr id="1" name=""/>
+        <p:cNvGrpSpPr/>
+        <p:nvPr/>
+      </p:nvGrpSpPr>
+      <p:grpSpPr>
+        <a:xfrm>
+          <a:off x="0" y="0"/>
+          <a:ext cx="0" cy="0"/>
+          <a:chOff x="0" y="0"/>
+          <a:chExt cx="0" cy="0"/>
+        </a:xfrm>
+      </p:grpSpPr>
+      <p:grpSp>
+        <p:nvGrpSpPr>
+          <p:cNvPr id="23" name="Groupe 22">
+            <a:extLst>
+              <a:ext uri="{FF2B5EF4-FFF2-40B4-BE49-F238E27FC236}">
+                <a16:creationId xmlns:a16="http://schemas.microsoft.com/office/drawing/2014/main" id="{5B5829C2-9C45-4072-B4FC-1CBC2407BC23}"/>
+              </a:ext>
+            </a:extLst>
+          </p:cNvPr>
+          <p:cNvGrpSpPr/>
+          <p:nvPr/>
+        </p:nvGrpSpPr>
+        <p:grpSpPr>
+          <a:xfrm>
+            <a:off x="0" y="6334779"/>
+            <a:ext cx="11949947" cy="523220"/>
+            <a:chOff x="0" y="6334779"/>
+            <a:chExt cx="11949947" cy="523220"/>
+          </a:xfrm>
+        </p:grpSpPr>
+        <p:pic>
+          <p:nvPicPr>
+            <p:cNvPr id="28" name="Image 27">
+              <a:extLst>
+                <a:ext uri="{FF2B5EF4-FFF2-40B4-BE49-F238E27FC236}">
+                  <a16:creationId xmlns:a16="http://schemas.microsoft.com/office/drawing/2014/main" id="{3C510C80-595E-40F7-AF5A-9D85C7E541ED}"/>
+                </a:ext>
+              </a:extLst>
+            </p:cNvPr>
+            <p:cNvPicPr>
+              <a:picLocks noChangeAspect="1"/>
+            </p:cNvPicPr>
+            <p:nvPr/>
+          </p:nvPicPr>
+          <p:blipFill>
+            <a:blip r:embed="rId3">
+              <a:extLst>
+                <a:ext uri="{28A0092B-C50C-407E-A947-70E740481C1C}">
+                  <a14:useLocalDpi xmlns:a14="http://schemas.microsoft.com/office/drawing/2010/main" val="0"/>
+                </a:ext>
+              </a:extLst>
+            </a:blip>
+            <a:stretch>
+              <a:fillRect/>
+            </a:stretch>
+          </p:blipFill>
+          <p:spPr>
+            <a:xfrm>
+              <a:off x="0" y="6334779"/>
+              <a:ext cx="1267173" cy="523220"/>
+            </a:xfrm>
+            <a:prstGeom prst="rect">
+              <a:avLst/>
+            </a:prstGeom>
+          </p:spPr>
+        </p:pic>
+        <p:grpSp>
+          <p:nvGrpSpPr>
+            <p:cNvPr id="29" name="Groupe 28">
+              <a:extLst>
+                <a:ext uri="{FF2B5EF4-FFF2-40B4-BE49-F238E27FC236}">
+                  <a16:creationId xmlns:a16="http://schemas.microsoft.com/office/drawing/2014/main" id="{2EDECFFF-7D80-4593-B7F6-584CBB38A73F}"/>
+                </a:ext>
+              </a:extLst>
+            </p:cNvPr>
+            <p:cNvGrpSpPr/>
+            <p:nvPr/>
+          </p:nvGrpSpPr>
+          <p:grpSpPr>
+            <a:xfrm>
+              <a:off x="5106953" y="6538771"/>
+              <a:ext cx="6842994" cy="276999"/>
+              <a:chOff x="5106953" y="6538771"/>
+              <a:chExt cx="6842994" cy="276999"/>
+            </a:xfrm>
+          </p:grpSpPr>
+          <p:sp>
+            <p:nvSpPr>
+              <p:cNvPr id="40" name="ZoneTexte 39">
+                <a:extLst>
+                  <a:ext uri="{FF2B5EF4-FFF2-40B4-BE49-F238E27FC236}">
+                    <a16:creationId xmlns:a16="http://schemas.microsoft.com/office/drawing/2014/main" id="{96D1E389-6FE7-49CE-B48B-33F1C659FF45}"/>
+                  </a:ext>
+                </a:extLst>
+              </p:cNvPr>
+              <p:cNvSpPr txBox="1"/>
+              <p:nvPr/>
+            </p:nvSpPr>
+            <p:spPr>
+              <a:xfrm>
+                <a:off x="5106953" y="6538771"/>
+                <a:ext cx="1747273" cy="276999"/>
+              </a:xfrm>
+              <a:prstGeom prst="rect">
+                <a:avLst/>
+              </a:prstGeom>
+              <a:noFill/>
+            </p:spPr>
+            <p:txBody>
+              <a:bodyPr wrap="none" rtlCol="0" anchor="ctr">
+                <a:spAutoFit/>
+              </a:bodyPr>
+              <a:lstStyle/>
+              <a:p>
+                <a:pPr algn="ctr"/>
+                <a:r>
+                  <a:rPr lang="fr-FR" sz="1200" b="1" dirty="0">
+                    <a:latin typeface="+mj-lt"/>
+                  </a:rPr>
+                  <a:t>Pierre</a:t>
+                </a:r>
+                <a:r>
+                  <a:rPr lang="fr-FR" sz="1200" b="1" cap="small" dirty="0">
+                    <a:latin typeface="+mj-lt"/>
+                  </a:rPr>
+                  <a:t> Cottais &amp; </a:t>
+                </a:r>
+                <a:r>
+                  <a:rPr lang="fr-FR" sz="1200" b="1" dirty="0">
+                    <a:latin typeface="+mj-lt"/>
+                  </a:rPr>
+                  <a:t>An</a:t>
+                </a:r>
+                <a:r>
+                  <a:rPr lang="fr-FR" sz="1200" b="1" cap="small" dirty="0">
+                    <a:latin typeface="+mj-lt"/>
+                  </a:rPr>
+                  <a:t> </a:t>
+                </a:r>
+                <a:r>
+                  <a:rPr lang="fr-FR" sz="1200" b="1" cap="small" dirty="0" err="1">
+                    <a:latin typeface="+mj-lt"/>
+                  </a:rPr>
+                  <a:t>Hoàng</a:t>
+                </a:r>
+                <a:endParaRPr lang="en-GB" sz="1200" b="1" cap="small" dirty="0">
+                  <a:latin typeface="+mj-lt"/>
+                </a:endParaRPr>
+              </a:p>
+            </p:txBody>
+          </p:sp>
+          <p:sp>
+            <p:nvSpPr>
+              <p:cNvPr id="41" name="ZoneTexte 40">
+                <a:extLst>
+                  <a:ext uri="{FF2B5EF4-FFF2-40B4-BE49-F238E27FC236}">
+                    <a16:creationId xmlns:a16="http://schemas.microsoft.com/office/drawing/2014/main" id="{0CA5EA86-FFEB-4C4F-AAA8-11FEA2C6931C}"/>
+                  </a:ext>
+                </a:extLst>
+              </p:cNvPr>
+              <p:cNvSpPr txBox="1"/>
+              <p:nvPr/>
+            </p:nvSpPr>
+            <p:spPr>
+              <a:xfrm>
+                <a:off x="11040724" y="6538771"/>
+                <a:ext cx="909223" cy="276999"/>
+              </a:xfrm>
+              <a:prstGeom prst="rect">
+                <a:avLst/>
+              </a:prstGeom>
+              <a:noFill/>
+            </p:spPr>
+            <p:txBody>
+              <a:bodyPr wrap="none" rtlCol="0" anchor="ctr">
+                <a:spAutoFit/>
+              </a:bodyPr>
+              <a:lstStyle/>
+              <a:p>
+                <a:pPr algn="ctr"/>
+                <a:fld id="{ACE4C2B0-06E8-4808-B875-82D4A0595E05}" type="datetime1">
+                  <a:rPr lang="fr-FR" sz="1200" b="1" smtClean="0">
+                    <a:latin typeface="+mj-lt"/>
+                  </a:rPr>
+                  <a:t>02/02/2022</a:t>
+                </a:fld>
+                <a:endParaRPr lang="en-GB" sz="1400" b="1" cap="small" dirty="0">
+                  <a:latin typeface="+mj-lt"/>
+                </a:endParaRPr>
+              </a:p>
+            </p:txBody>
+          </p:sp>
+        </p:grpSp>
+      </p:grpSp>
+      <p:sp>
+        <p:nvSpPr>
+          <p:cNvPr id="42" name="ZoneTexte 41">
+            <a:extLst>
+              <a:ext uri="{FF2B5EF4-FFF2-40B4-BE49-F238E27FC236}">
+                <a16:creationId xmlns:a16="http://schemas.microsoft.com/office/drawing/2014/main" id="{DAA0C8D7-C7EE-4A9C-B9AE-25C1F6628466}"/>
+              </a:ext>
+            </a:extLst>
+          </p:cNvPr>
+          <p:cNvSpPr txBox="1"/>
+          <p:nvPr/>
+        </p:nvSpPr>
+        <p:spPr>
+          <a:xfrm>
+            <a:off x="331514" y="368212"/>
+            <a:ext cx="6915483" cy="523220"/>
+          </a:xfrm>
+          <a:prstGeom prst="rect">
+            <a:avLst/>
+          </a:prstGeom>
+          <a:noFill/>
+        </p:spPr>
+        <p:txBody>
+          <a:bodyPr wrap="square" rtlCol="0">
+            <a:spAutoFit/>
+          </a:bodyPr>
+          <a:lstStyle/>
+          <a:p>
+            <a:r>
+              <a:rPr lang="fr-FR" sz="2800" b="1" cap="small" dirty="0">
+                <a:latin typeface="+mj-lt"/>
+              </a:rPr>
+              <a:t>Comparaison des colonies – Riou et Porquerolles</a:t>
+            </a:r>
+            <a:endParaRPr lang="en-GB" sz="2800" b="1" i="1" cap="small" dirty="0">
+              <a:latin typeface="+mj-lt"/>
+            </a:endParaRPr>
+          </a:p>
+        </p:txBody>
+      </p:sp>
+      <p:grpSp>
+        <p:nvGrpSpPr>
+          <p:cNvPr id="18" name="Groupe 17">
+            <a:extLst>
+              <a:ext uri="{FF2B5EF4-FFF2-40B4-BE49-F238E27FC236}">
+                <a16:creationId xmlns:a16="http://schemas.microsoft.com/office/drawing/2014/main" id="{326BBF75-5316-4B01-9428-A54DE2CD24E1}"/>
+              </a:ext>
+            </a:extLst>
+          </p:cNvPr>
+          <p:cNvGrpSpPr/>
+          <p:nvPr/>
+        </p:nvGrpSpPr>
+        <p:grpSpPr>
+          <a:xfrm>
+            <a:off x="11498080" y="106603"/>
+            <a:ext cx="677164" cy="523219"/>
+            <a:chOff x="11498080" y="602928"/>
+            <a:chExt cx="677164" cy="523219"/>
+          </a:xfrm>
+        </p:grpSpPr>
+        <p:sp>
+          <p:nvSpPr>
+            <p:cNvPr id="19" name="Graphique 6" descr="Colibri">
+              <a:extLst>
+                <a:ext uri="{FF2B5EF4-FFF2-40B4-BE49-F238E27FC236}">
+                  <a16:creationId xmlns:a16="http://schemas.microsoft.com/office/drawing/2014/main" id="{32893632-F9F9-42F8-9D6D-0DF7968070E6}"/>
+                </a:ext>
+              </a:extLst>
+            </p:cNvPr>
+            <p:cNvSpPr/>
+            <p:nvPr/>
+          </p:nvSpPr>
+          <p:spPr>
+            <a:xfrm>
+              <a:off x="11498080" y="602928"/>
+              <a:ext cx="677164" cy="523219"/>
+            </a:xfrm>
+            <a:custGeom>
+              <a:avLst/>
+              <a:gdLst>
+                <a:gd name="connsiteX0" fmla="*/ 590378 w 592049"/>
+                <a:gd name="connsiteY0" fmla="*/ 128536 h 457454"/>
+                <a:gd name="connsiteX1" fmla="*/ 476218 w 592049"/>
+                <a:gd name="connsiteY1" fmla="*/ 132108 h 457454"/>
+                <a:gd name="connsiteX2" fmla="*/ 422189 w 592049"/>
+                <a:gd name="connsiteY2" fmla="*/ 117224 h 457454"/>
+                <a:gd name="connsiteX3" fmla="*/ 329759 w 592049"/>
+                <a:gd name="connsiteY3" fmla="*/ 177355 h 457454"/>
+                <a:gd name="connsiteX4" fmla="*/ 198929 w 592049"/>
+                <a:gd name="connsiteY4" fmla="*/ 2394 h 457454"/>
+                <a:gd name="connsiteX5" fmla="*/ 183152 w 592049"/>
+                <a:gd name="connsiteY5" fmla="*/ 4306 h 457454"/>
+                <a:gd name="connsiteX6" fmla="*/ 180771 w 592049"/>
+                <a:gd name="connsiteY6" fmla="*/ 10729 h 457454"/>
+                <a:gd name="connsiteX7" fmla="*/ 191487 w 592049"/>
+                <a:gd name="connsiteY7" fmla="*/ 108442 h 457454"/>
+                <a:gd name="connsiteX8" fmla="*/ 299619 w 592049"/>
+                <a:gd name="connsiteY8" fmla="*/ 201690 h 457454"/>
+                <a:gd name="connsiteX9" fmla="*/ 287042 w 592049"/>
+                <a:gd name="connsiteY9" fmla="*/ 209877 h 457454"/>
+                <a:gd name="connsiteX10" fmla="*/ 44359 w 592049"/>
+                <a:gd name="connsiteY10" fmla="*/ 62897 h 457454"/>
+                <a:gd name="connsiteX11" fmla="*/ 31112 w 592049"/>
+                <a:gd name="connsiteY11" fmla="*/ 71677 h 457454"/>
+                <a:gd name="connsiteX12" fmla="*/ 31782 w 592049"/>
+                <a:gd name="connsiteY12" fmla="*/ 78302 h 457454"/>
+                <a:gd name="connsiteX13" fmla="*/ 185831 w 592049"/>
+                <a:gd name="connsiteY13" fmla="*/ 263161 h 457454"/>
+                <a:gd name="connsiteX14" fmla="*/ 1716 w 592049"/>
+                <a:gd name="connsiteY14" fmla="*/ 446383 h 457454"/>
+                <a:gd name="connsiteX15" fmla="*/ 2175 w 592049"/>
+                <a:gd name="connsiteY15" fmla="*/ 455738 h 457454"/>
+                <a:gd name="connsiteX16" fmla="*/ 9158 w 592049"/>
+                <a:gd name="connsiteY16" fmla="*/ 456951 h 457454"/>
+                <a:gd name="connsiteX17" fmla="*/ 229516 w 592049"/>
+                <a:gd name="connsiteY17" fmla="*/ 378065 h 457454"/>
+                <a:gd name="connsiteX18" fmla="*/ 479939 w 592049"/>
+                <a:gd name="connsiteY18" fmla="*/ 151903 h 457454"/>
+                <a:gd name="connsiteX19" fmla="*/ 590675 w 592049"/>
+                <a:gd name="connsiteY19" fmla="*/ 132182 h 457454"/>
+                <a:gd name="connsiteX20" fmla="*/ 591984 w 592049"/>
+                <a:gd name="connsiteY20" fmla="*/ 129900 h 457454"/>
+                <a:gd name="connsiteX21" fmla="*/ 590378 w 592049"/>
+                <a:gd name="connsiteY21" fmla="*/ 128536 h 457454"/>
+              </a:gdLst>
+              <a:ahLst/>
+              <a:cxnLst>
+                <a:cxn ang="0">
+                  <a:pos x="connsiteX0" y="connsiteY0"/>
+                </a:cxn>
+                <a:cxn ang="0">
+                  <a:pos x="connsiteX1" y="connsiteY1"/>
+                </a:cxn>
+                <a:cxn ang="0">
+                  <a:pos x="connsiteX2" y="connsiteY2"/>
+                </a:cxn>
+                <a:cxn ang="0">
+                  <a:pos x="connsiteX3" y="connsiteY3"/>
+                </a:cxn>
+                <a:cxn ang="0">
+                  <a:pos x="connsiteX4" y="connsiteY4"/>
+                </a:cxn>
+                <a:cxn ang="0">
+                  <a:pos x="connsiteX5" y="connsiteY5"/>
+                </a:cxn>
+                <a:cxn ang="0">
+                  <a:pos x="connsiteX6" y="connsiteY6"/>
+                </a:cxn>
+                <a:cxn ang="0">
+                  <a:pos x="connsiteX7" y="connsiteY7"/>
+                </a:cxn>
+                <a:cxn ang="0">
+                  <a:pos x="connsiteX8" y="connsiteY8"/>
+                </a:cxn>
+                <a:cxn ang="0">
+                  <a:pos x="connsiteX9" y="connsiteY9"/>
+                </a:cxn>
+                <a:cxn ang="0">
+                  <a:pos x="connsiteX10" y="connsiteY10"/>
+                </a:cxn>
+                <a:cxn ang="0">
+                  <a:pos x="connsiteX11" y="connsiteY11"/>
+                </a:cxn>
+                <a:cxn ang="0">
+                  <a:pos x="connsiteX12" y="connsiteY12"/>
+                </a:cxn>
+                <a:cxn ang="0">
+                  <a:pos x="connsiteX13" y="connsiteY13"/>
+                </a:cxn>
+                <a:cxn ang="0">
+                  <a:pos x="connsiteX14" y="connsiteY14"/>
+                </a:cxn>
+                <a:cxn ang="0">
+                  <a:pos x="connsiteX15" y="connsiteY15"/>
+                </a:cxn>
+                <a:cxn ang="0">
+                  <a:pos x="connsiteX16" y="connsiteY16"/>
+                </a:cxn>
+                <a:cxn ang="0">
+                  <a:pos x="connsiteX17" y="connsiteY17"/>
+                </a:cxn>
+                <a:cxn ang="0">
+                  <a:pos x="connsiteX18" y="connsiteY18"/>
+                </a:cxn>
+                <a:cxn ang="0">
+                  <a:pos x="connsiteX19" y="connsiteY19"/>
+                </a:cxn>
+                <a:cxn ang="0">
+                  <a:pos x="connsiteX20" y="connsiteY20"/>
+                </a:cxn>
+                <a:cxn ang="0">
+                  <a:pos x="connsiteX21" y="connsiteY21"/>
+                </a:cxn>
+              </a:cxnLst>
+              <a:rect l="l" t="t" r="r" b="b"/>
+              <a:pathLst>
+                <a:path w="592049" h="457454">
+                  <a:moveTo>
+                    <a:pt x="590378" y="128536"/>
+                  </a:moveTo>
+                  <a:lnTo>
+                    <a:pt x="476218" y="132108"/>
+                  </a:lnTo>
+                  <a:cubicBezTo>
+                    <a:pt x="467957" y="125559"/>
+                    <a:pt x="451138" y="116554"/>
+                    <a:pt x="422189" y="117224"/>
+                  </a:cubicBezTo>
+                  <a:cubicBezTo>
+                    <a:pt x="383416" y="118414"/>
+                    <a:pt x="365034" y="146024"/>
+                    <a:pt x="329759" y="177355"/>
+                  </a:cubicBezTo>
+                  <a:cubicBezTo>
+                    <a:pt x="300735" y="112089"/>
+                    <a:pt x="247004" y="40571"/>
+                    <a:pt x="198929" y="2394"/>
+                  </a:cubicBezTo>
+                  <a:cubicBezTo>
+                    <a:pt x="194045" y="-1435"/>
+                    <a:pt x="186981" y="-579"/>
+                    <a:pt x="183152" y="4306"/>
+                  </a:cubicBezTo>
+                  <a:cubicBezTo>
+                    <a:pt x="181709" y="6146"/>
+                    <a:pt x="180876" y="8392"/>
+                    <a:pt x="180771" y="10729"/>
+                  </a:cubicBezTo>
+                  <a:cubicBezTo>
+                    <a:pt x="180598" y="43602"/>
+                    <a:pt x="184193" y="76387"/>
+                    <a:pt x="191487" y="108442"/>
+                  </a:cubicBezTo>
+                  <a:cubicBezTo>
+                    <a:pt x="236139" y="135382"/>
+                    <a:pt x="276698" y="167978"/>
+                    <a:pt x="299619" y="201690"/>
+                  </a:cubicBezTo>
+                  <a:cubicBezTo>
+                    <a:pt x="295675" y="204444"/>
+                    <a:pt x="291433" y="207197"/>
+                    <a:pt x="287042" y="209877"/>
+                  </a:cubicBezTo>
+                  <a:cubicBezTo>
+                    <a:pt x="242911" y="146694"/>
+                    <a:pt x="125774" y="79791"/>
+                    <a:pt x="44359" y="62897"/>
+                  </a:cubicBezTo>
+                  <a:cubicBezTo>
+                    <a:pt x="38277" y="61664"/>
+                    <a:pt x="32346" y="65595"/>
+                    <a:pt x="31112" y="71677"/>
+                  </a:cubicBezTo>
+                  <a:cubicBezTo>
+                    <a:pt x="30661" y="73902"/>
+                    <a:pt x="30895" y="76212"/>
+                    <a:pt x="31782" y="78302"/>
+                  </a:cubicBezTo>
+                  <a:cubicBezTo>
+                    <a:pt x="54778" y="129503"/>
+                    <a:pt x="122574" y="215086"/>
+                    <a:pt x="185831" y="263161"/>
+                  </a:cubicBezTo>
+                  <a:lnTo>
+                    <a:pt x="1716" y="446383"/>
+                  </a:lnTo>
+                  <a:cubicBezTo>
+                    <a:pt x="-741" y="449093"/>
+                    <a:pt x="-535" y="453282"/>
+                    <a:pt x="2175" y="455738"/>
+                  </a:cubicBezTo>
+                  <a:cubicBezTo>
+                    <a:pt x="4073" y="457459"/>
+                    <a:pt x="6792" y="457931"/>
+                    <a:pt x="9158" y="456951"/>
+                  </a:cubicBezTo>
+                  <a:cubicBezTo>
+                    <a:pt x="61848" y="429118"/>
+                    <a:pt x="154649" y="385433"/>
+                    <a:pt x="229516" y="378065"/>
+                  </a:cubicBezTo>
+                  <a:cubicBezTo>
+                    <a:pt x="373369" y="363926"/>
+                    <a:pt x="452775" y="277152"/>
+                    <a:pt x="479939" y="151903"/>
+                  </a:cubicBezTo>
+                  <a:lnTo>
+                    <a:pt x="590675" y="132182"/>
+                  </a:lnTo>
+                  <a:cubicBezTo>
+                    <a:pt x="591667" y="131913"/>
+                    <a:pt x="592253" y="130892"/>
+                    <a:pt x="591984" y="129900"/>
+                  </a:cubicBezTo>
+                  <a:cubicBezTo>
+                    <a:pt x="591783" y="129156"/>
+                    <a:pt x="591144" y="128614"/>
+                    <a:pt x="590378" y="128536"/>
+                  </a:cubicBezTo>
+                  <a:close/>
+                </a:path>
+              </a:pathLst>
+            </a:custGeom>
+            <a:noFill/>
+            <a:ln w="6350" cap="flat">
+              <a:solidFill>
+                <a:srgbClr val="4D85AC">
+                  <a:alpha val="10000"/>
+                </a:srgbClr>
+              </a:solidFill>
+              <a:prstDash val="solid"/>
+              <a:miter/>
+            </a:ln>
+          </p:spPr>
+          <p:txBody>
+            <a:bodyPr rtlCol="0" anchor="ctr"/>
+            <a:lstStyle/>
+            <a:p>
+              <a:endParaRPr lang="en-GB"/>
+            </a:p>
+          </p:txBody>
+        </p:sp>
+        <p:sp>
+          <p:nvSpPr>
+            <p:cNvPr id="21" name="ZoneTexte 20">
+              <a:extLst>
+                <a:ext uri="{FF2B5EF4-FFF2-40B4-BE49-F238E27FC236}">
+                  <a16:creationId xmlns:a16="http://schemas.microsoft.com/office/drawing/2014/main" id="{5646EAD8-9F37-4056-8B3E-A6A3D7CF5F97}"/>
+                </a:ext>
+              </a:extLst>
+            </p:cNvPr>
+            <p:cNvSpPr txBox="1"/>
+            <p:nvPr/>
+          </p:nvSpPr>
+          <p:spPr>
+            <a:xfrm>
+              <a:off x="11661774" y="750000"/>
+              <a:ext cx="346919" cy="340002"/>
+            </a:xfrm>
+            <a:prstGeom prst="rect">
+              <a:avLst/>
+            </a:prstGeom>
+            <a:noFill/>
+          </p:spPr>
+          <p:txBody>
+            <a:bodyPr wrap="none" rtlCol="0" anchor="ctr">
+              <a:noAutofit/>
+            </a:bodyPr>
+            <a:lstStyle/>
+            <a:p>
+              <a:pPr algn="ctr"/>
+              <a:fld id="{DF35C7F4-FC31-4C7D-82F5-148820E01BCC}" type="slidenum">
+                <a:rPr lang="en-GB" sz="1600" b="1" smtClean="0">
+                  <a:solidFill>
+                    <a:srgbClr val="FEBE2F"/>
+                  </a:solidFill>
+                </a:rPr>
+                <a:pPr algn="ctr"/>
+                <a:t>14</a:t>
+              </a:fld>
+              <a:endParaRPr lang="en-GB" sz="1600" b="1" dirty="0">
+                <a:solidFill>
+                  <a:srgbClr val="FEBE2F"/>
+                </a:solidFill>
+              </a:endParaRPr>
+            </a:p>
+          </p:txBody>
+        </p:sp>
+      </p:grpSp>
+      <p:sp>
+        <p:nvSpPr>
+          <p:cNvPr id="15" name="ZoneTexte 14">
+            <a:extLst>
+              <a:ext uri="{FF2B5EF4-FFF2-40B4-BE49-F238E27FC236}">
+                <a16:creationId xmlns:a16="http://schemas.microsoft.com/office/drawing/2014/main" id="{CC88F02D-58AF-4EF1-9125-E3D1919051DB}"/>
+              </a:ext>
+            </a:extLst>
+          </p:cNvPr>
+          <p:cNvSpPr txBox="1"/>
+          <p:nvPr/>
+        </p:nvSpPr>
+        <p:spPr>
+          <a:xfrm>
+            <a:off x="858624" y="1380778"/>
+            <a:ext cx="11422166" cy="1628587"/>
+          </a:xfrm>
+          <a:prstGeom prst="rect">
+            <a:avLst/>
+          </a:prstGeom>
+          <a:noFill/>
+        </p:spPr>
+        <p:txBody>
+          <a:bodyPr wrap="none" rtlCol="0">
+            <a:spAutoFit/>
+          </a:bodyPr>
+          <a:lstStyle/>
+          <a:p>
+            <a:pPr marL="285750" indent="-285750">
+              <a:lnSpc>
+                <a:spcPct val="150000"/>
+              </a:lnSpc>
+              <a:buFont typeface="Arial" panose="020B0604020202020204" pitchFamily="34" charset="0"/>
+              <a:buChar char="•"/>
+            </a:pPr>
+            <a:r>
+              <a:rPr lang="fr-FR" dirty="0"/>
+              <a:t>Interprétation des coefficients des modèles pour la préférence d’habitat :</a:t>
+            </a:r>
+          </a:p>
+          <a:p>
+            <a:pPr marL="742950" lvl="1" indent="-285750">
+              <a:lnSpc>
+                <a:spcPct val="150000"/>
+              </a:lnSpc>
+              <a:buFont typeface="Calibri" panose="020F0502020204030204" pitchFamily="34" charset="0"/>
+              <a:buChar char="-"/>
+            </a:pPr>
+            <a:r>
+              <a:rPr lang="fr-FR" dirty="0"/>
+              <a:t>Riou : bathymétrie plus faible, variations* de température plus faibles, anomalie du niveau de la mer plus faible </a:t>
+            </a:r>
+          </a:p>
+          <a:p>
+            <a:pPr marL="742950" lvl="1" indent="-285750">
+              <a:lnSpc>
+                <a:spcPct val="150000"/>
+              </a:lnSpc>
+              <a:buFont typeface="Calibri" panose="020F0502020204030204" pitchFamily="34" charset="0"/>
+              <a:buChar char="-"/>
+            </a:pPr>
+            <a:r>
+              <a:rPr lang="fr-FR" dirty="0"/>
+              <a:t>Porquerolles : gradient de concentration mensuelle de chlorophylle </a:t>
+            </a:r>
+            <a:r>
+              <a:rPr lang="fr-FR" i="1" dirty="0"/>
+              <a:t>a </a:t>
+            </a:r>
+            <a:r>
+              <a:rPr lang="fr-FR" dirty="0"/>
+              <a:t>plus élevé</a:t>
+            </a:r>
+          </a:p>
+          <a:p>
+            <a:pPr>
+              <a:lnSpc>
+                <a:spcPct val="150000"/>
+              </a:lnSpc>
+            </a:pPr>
+            <a:r>
+              <a:rPr lang="fr-FR" sz="1400" dirty="0"/>
+              <a:t>*gradient et variance mensuels</a:t>
+            </a:r>
+          </a:p>
+        </p:txBody>
+      </p:sp>
+      <p:pic>
+        <p:nvPicPr>
+          <p:cNvPr id="4" name="Image 3">
+            <a:extLst>
+              <a:ext uri="{FF2B5EF4-FFF2-40B4-BE49-F238E27FC236}">
+                <a16:creationId xmlns:a16="http://schemas.microsoft.com/office/drawing/2014/main" id="{C90B7DE1-0943-4411-8B8A-724E54DE7EB2}"/>
+              </a:ext>
+            </a:extLst>
+          </p:cNvPr>
+          <p:cNvPicPr>
+            <a:picLocks noChangeAspect="1"/>
+          </p:cNvPicPr>
+          <p:nvPr/>
+        </p:nvPicPr>
+        <p:blipFill>
+          <a:blip r:embed="rId4">
+            <a:extLst>
+              <a:ext uri="{28A0092B-C50C-407E-A947-70E740481C1C}">
+                <a14:useLocalDpi xmlns:a14="http://schemas.microsoft.com/office/drawing/2010/main" val="0"/>
+              </a:ext>
+            </a:extLst>
+          </a:blip>
+          <a:stretch>
+            <a:fillRect/>
+          </a:stretch>
+        </p:blipFill>
+        <p:spPr>
+          <a:xfrm>
+            <a:off x="6516816" y="3290453"/>
+            <a:ext cx="4318243" cy="2855736"/>
+          </a:xfrm>
+          <a:prstGeom prst="rect">
+            <a:avLst/>
+          </a:prstGeom>
+        </p:spPr>
+      </p:pic>
+      <p:pic>
+        <p:nvPicPr>
+          <p:cNvPr id="6" name="Image 5">
+            <a:extLst>
+              <a:ext uri="{FF2B5EF4-FFF2-40B4-BE49-F238E27FC236}">
+                <a16:creationId xmlns:a16="http://schemas.microsoft.com/office/drawing/2014/main" id="{5478439D-1EEF-44EE-892C-593E4D00DD62}"/>
+              </a:ext>
+            </a:extLst>
+          </p:cNvPr>
+          <p:cNvPicPr>
+            <a:picLocks noChangeAspect="1"/>
+          </p:cNvPicPr>
+          <p:nvPr/>
+        </p:nvPicPr>
+        <p:blipFill>
+          <a:blip r:embed="rId5">
+            <a:extLst>
+              <a:ext uri="{28A0092B-C50C-407E-A947-70E740481C1C}">
+                <a14:useLocalDpi xmlns:a14="http://schemas.microsoft.com/office/drawing/2010/main" val="0"/>
+              </a:ext>
+            </a:extLst>
+          </a:blip>
+          <a:stretch>
+            <a:fillRect/>
+          </a:stretch>
+        </p:blipFill>
+        <p:spPr>
+          <a:xfrm>
+            <a:off x="1563628" y="3290453"/>
+            <a:ext cx="4532372" cy="2865381"/>
+          </a:xfrm>
+          <a:prstGeom prst="rect">
+            <a:avLst/>
+          </a:prstGeom>
+        </p:spPr>
+      </p:pic>
+    </p:spTree>
+    <p:extLst>
+      <p:ext uri="{BB962C8B-B14F-4D97-AF65-F5344CB8AC3E}">
+        <p14:creationId xmlns:p14="http://schemas.microsoft.com/office/powerpoint/2010/main" val="2648537728"/>
+      </p:ext>
+    </p:extLst>
+  </p:cSld>
+  <p:clrMapOvr>
+    <a:masterClrMapping/>
+  </p:clrMapOvr>
+</p:sld>
+</file>
+
+<file path=ppt/slides/slide15.xml><?xml version="1.0" encoding="utf-8"?>
+<p:sld xmlns:a="http://schemas.openxmlformats.org/drawingml/2006/main" xmlns:r="http://schemas.openxmlformats.org/officeDocument/2006/relationships" xmlns:p="http://schemas.openxmlformats.org/presentationml/2006/main">
+  <p:cSld>
+    <p:spTree>
+      <p:nvGrpSpPr>
+        <p:cNvPr id="1" name=""/>
+        <p:cNvGrpSpPr/>
+        <p:nvPr/>
+      </p:nvGrpSpPr>
+      <p:grpSpPr>
+        <a:xfrm>
+          <a:off x="0" y="0"/>
+          <a:ext cx="0" cy="0"/>
+          <a:chOff x="0" y="0"/>
+          <a:chExt cx="0" cy="0"/>
+        </a:xfrm>
+      </p:grpSpPr>
+      <p:grpSp>
+        <p:nvGrpSpPr>
+          <p:cNvPr id="23" name="Groupe 22">
+            <a:extLst>
+              <a:ext uri="{FF2B5EF4-FFF2-40B4-BE49-F238E27FC236}">
+                <a16:creationId xmlns:a16="http://schemas.microsoft.com/office/drawing/2014/main" id="{5B5829C2-9C45-4072-B4FC-1CBC2407BC23}"/>
+              </a:ext>
+            </a:extLst>
+          </p:cNvPr>
+          <p:cNvGrpSpPr/>
+          <p:nvPr/>
+        </p:nvGrpSpPr>
+        <p:grpSpPr>
+          <a:xfrm>
+            <a:off x="0" y="6334779"/>
+            <a:ext cx="11949947" cy="523220"/>
+            <a:chOff x="0" y="6334779"/>
+            <a:chExt cx="11949947" cy="523220"/>
+          </a:xfrm>
+        </p:grpSpPr>
+        <p:pic>
+          <p:nvPicPr>
+            <p:cNvPr id="28" name="Image 27">
+              <a:extLst>
+                <a:ext uri="{FF2B5EF4-FFF2-40B4-BE49-F238E27FC236}">
+                  <a16:creationId xmlns:a16="http://schemas.microsoft.com/office/drawing/2014/main" id="{3C510C80-595E-40F7-AF5A-9D85C7E541ED}"/>
+                </a:ext>
+              </a:extLst>
+            </p:cNvPr>
+            <p:cNvPicPr>
+              <a:picLocks noChangeAspect="1"/>
+            </p:cNvPicPr>
+            <p:nvPr/>
+          </p:nvPicPr>
+          <p:blipFill>
+            <a:blip r:embed="rId3">
+              <a:extLst>
+                <a:ext uri="{28A0092B-C50C-407E-A947-70E740481C1C}">
+                  <a14:useLocalDpi xmlns:a14="http://schemas.microsoft.com/office/drawing/2010/main" val="0"/>
+                </a:ext>
+              </a:extLst>
+            </a:blip>
+            <a:stretch>
+              <a:fillRect/>
+            </a:stretch>
+          </p:blipFill>
+          <p:spPr>
+            <a:xfrm>
+              <a:off x="0" y="6334779"/>
+              <a:ext cx="1267173" cy="523220"/>
+            </a:xfrm>
+            <a:prstGeom prst="rect">
+              <a:avLst/>
+            </a:prstGeom>
+          </p:spPr>
+        </p:pic>
+        <p:grpSp>
+          <p:nvGrpSpPr>
+            <p:cNvPr id="29" name="Groupe 28">
+              <a:extLst>
+                <a:ext uri="{FF2B5EF4-FFF2-40B4-BE49-F238E27FC236}">
+                  <a16:creationId xmlns:a16="http://schemas.microsoft.com/office/drawing/2014/main" id="{2EDECFFF-7D80-4593-B7F6-584CBB38A73F}"/>
+                </a:ext>
+              </a:extLst>
+            </p:cNvPr>
+            <p:cNvGrpSpPr/>
+            <p:nvPr/>
+          </p:nvGrpSpPr>
+          <p:grpSpPr>
+            <a:xfrm>
+              <a:off x="5106953" y="6538771"/>
+              <a:ext cx="6842994" cy="276999"/>
+              <a:chOff x="5106953" y="6538771"/>
+              <a:chExt cx="6842994" cy="276999"/>
+            </a:xfrm>
+          </p:grpSpPr>
+          <p:sp>
+            <p:nvSpPr>
+              <p:cNvPr id="40" name="ZoneTexte 39">
+                <a:extLst>
+                  <a:ext uri="{FF2B5EF4-FFF2-40B4-BE49-F238E27FC236}">
+                    <a16:creationId xmlns:a16="http://schemas.microsoft.com/office/drawing/2014/main" id="{96D1E389-6FE7-49CE-B48B-33F1C659FF45}"/>
+                  </a:ext>
+                </a:extLst>
+              </p:cNvPr>
+              <p:cNvSpPr txBox="1"/>
+              <p:nvPr/>
+            </p:nvSpPr>
+            <p:spPr>
+              <a:xfrm>
+                <a:off x="5106953" y="6538771"/>
+                <a:ext cx="1747273" cy="276999"/>
+              </a:xfrm>
+              <a:prstGeom prst="rect">
+                <a:avLst/>
+              </a:prstGeom>
+              <a:noFill/>
+            </p:spPr>
+            <p:txBody>
+              <a:bodyPr wrap="none" rtlCol="0" anchor="ctr">
+                <a:spAutoFit/>
+              </a:bodyPr>
+              <a:lstStyle/>
+              <a:p>
+                <a:pPr algn="ctr"/>
+                <a:r>
+                  <a:rPr lang="fr-FR" sz="1200" b="1" dirty="0">
+                    <a:latin typeface="+mj-lt"/>
+                  </a:rPr>
+                  <a:t>Pierre</a:t>
+                </a:r>
+                <a:r>
+                  <a:rPr lang="fr-FR" sz="1200" b="1" cap="small" dirty="0">
+                    <a:latin typeface="+mj-lt"/>
+                  </a:rPr>
+                  <a:t> Cottais &amp; </a:t>
+                </a:r>
+                <a:r>
+                  <a:rPr lang="fr-FR" sz="1200" b="1" dirty="0">
+                    <a:latin typeface="+mj-lt"/>
+                  </a:rPr>
+                  <a:t>An</a:t>
+                </a:r>
+                <a:r>
+                  <a:rPr lang="fr-FR" sz="1200" b="1" cap="small" dirty="0">
+                    <a:latin typeface="+mj-lt"/>
+                  </a:rPr>
+                  <a:t> </a:t>
+                </a:r>
+                <a:r>
+                  <a:rPr lang="fr-FR" sz="1200" b="1" cap="small" dirty="0" err="1">
+                    <a:latin typeface="+mj-lt"/>
+                  </a:rPr>
+                  <a:t>Hoàng</a:t>
+                </a:r>
+                <a:endParaRPr lang="en-GB" sz="1200" b="1" cap="small" dirty="0">
+                  <a:latin typeface="+mj-lt"/>
+                </a:endParaRPr>
+              </a:p>
+            </p:txBody>
+          </p:sp>
+          <p:sp>
+            <p:nvSpPr>
+              <p:cNvPr id="41" name="ZoneTexte 40">
+                <a:extLst>
+                  <a:ext uri="{FF2B5EF4-FFF2-40B4-BE49-F238E27FC236}">
+                    <a16:creationId xmlns:a16="http://schemas.microsoft.com/office/drawing/2014/main" id="{0CA5EA86-FFEB-4C4F-AAA8-11FEA2C6931C}"/>
+                  </a:ext>
+                </a:extLst>
+              </p:cNvPr>
+              <p:cNvSpPr txBox="1"/>
+              <p:nvPr/>
+            </p:nvSpPr>
+            <p:spPr>
+              <a:xfrm>
+                <a:off x="11040724" y="6538771"/>
+                <a:ext cx="909223" cy="276999"/>
+              </a:xfrm>
+              <a:prstGeom prst="rect">
+                <a:avLst/>
+              </a:prstGeom>
+              <a:noFill/>
+            </p:spPr>
+            <p:txBody>
+              <a:bodyPr wrap="none" rtlCol="0" anchor="ctr">
+                <a:spAutoFit/>
+              </a:bodyPr>
+              <a:lstStyle/>
+              <a:p>
+                <a:pPr algn="ctr"/>
+                <a:fld id="{ACE4C2B0-06E8-4808-B875-82D4A0595E05}" type="datetime1">
+                  <a:rPr lang="fr-FR" sz="1200" b="1" smtClean="0">
+                    <a:latin typeface="+mj-lt"/>
+                  </a:rPr>
+                  <a:t>02/02/2022</a:t>
+                </a:fld>
+                <a:endParaRPr lang="en-GB" sz="1400" b="1" cap="small" dirty="0">
+                  <a:latin typeface="+mj-lt"/>
+                </a:endParaRPr>
+              </a:p>
+            </p:txBody>
+          </p:sp>
+        </p:grpSp>
+      </p:grpSp>
+      <p:sp>
+        <p:nvSpPr>
+          <p:cNvPr id="42" name="ZoneTexte 41">
+            <a:extLst>
+              <a:ext uri="{FF2B5EF4-FFF2-40B4-BE49-F238E27FC236}">
+                <a16:creationId xmlns:a16="http://schemas.microsoft.com/office/drawing/2014/main" id="{DAA0C8D7-C7EE-4A9C-B9AE-25C1F6628466}"/>
+              </a:ext>
+            </a:extLst>
+          </p:cNvPr>
+          <p:cNvSpPr txBox="1"/>
+          <p:nvPr/>
+        </p:nvSpPr>
+        <p:spPr>
+          <a:xfrm>
+            <a:off x="331514" y="368212"/>
+            <a:ext cx="6481903" cy="523220"/>
+          </a:xfrm>
+          <a:prstGeom prst="rect">
+            <a:avLst/>
+          </a:prstGeom>
+          <a:noFill/>
+        </p:spPr>
+        <p:txBody>
+          <a:bodyPr wrap="none" rtlCol="0">
+            <a:spAutoFit/>
+          </a:bodyPr>
+          <a:lstStyle/>
+          <a:p>
+            <a:r>
+              <a:rPr lang="fr-FR" sz="2800" b="1" cap="small" dirty="0">
+                <a:latin typeface="+mj-lt"/>
+              </a:rPr>
+              <a:t>Comparaison des colonies – Lavezzi et Giraglia</a:t>
+            </a:r>
+            <a:endParaRPr lang="en-GB" sz="2800" b="1" i="1" cap="small" dirty="0">
+              <a:latin typeface="+mj-lt"/>
+            </a:endParaRPr>
+          </a:p>
+        </p:txBody>
+      </p:sp>
+      <p:grpSp>
+        <p:nvGrpSpPr>
+          <p:cNvPr id="18" name="Groupe 17">
+            <a:extLst>
+              <a:ext uri="{FF2B5EF4-FFF2-40B4-BE49-F238E27FC236}">
+                <a16:creationId xmlns:a16="http://schemas.microsoft.com/office/drawing/2014/main" id="{326BBF75-5316-4B01-9428-A54DE2CD24E1}"/>
+              </a:ext>
+            </a:extLst>
+          </p:cNvPr>
+          <p:cNvGrpSpPr/>
+          <p:nvPr/>
+        </p:nvGrpSpPr>
+        <p:grpSpPr>
+          <a:xfrm>
+            <a:off x="11498080" y="106603"/>
+            <a:ext cx="677164" cy="523219"/>
+            <a:chOff x="11498080" y="602928"/>
+            <a:chExt cx="677164" cy="523219"/>
+          </a:xfrm>
+        </p:grpSpPr>
+        <p:sp>
+          <p:nvSpPr>
+            <p:cNvPr id="19" name="Graphique 6" descr="Colibri">
+              <a:extLst>
+                <a:ext uri="{FF2B5EF4-FFF2-40B4-BE49-F238E27FC236}">
+                  <a16:creationId xmlns:a16="http://schemas.microsoft.com/office/drawing/2014/main" id="{32893632-F9F9-42F8-9D6D-0DF7968070E6}"/>
+                </a:ext>
+              </a:extLst>
+            </p:cNvPr>
+            <p:cNvSpPr/>
+            <p:nvPr/>
+          </p:nvSpPr>
+          <p:spPr>
+            <a:xfrm>
+              <a:off x="11498080" y="602928"/>
+              <a:ext cx="677164" cy="523219"/>
+            </a:xfrm>
+            <a:custGeom>
+              <a:avLst/>
+              <a:gdLst>
+                <a:gd name="connsiteX0" fmla="*/ 590378 w 592049"/>
+                <a:gd name="connsiteY0" fmla="*/ 128536 h 457454"/>
+                <a:gd name="connsiteX1" fmla="*/ 476218 w 592049"/>
+                <a:gd name="connsiteY1" fmla="*/ 132108 h 457454"/>
+                <a:gd name="connsiteX2" fmla="*/ 422189 w 592049"/>
+                <a:gd name="connsiteY2" fmla="*/ 117224 h 457454"/>
+                <a:gd name="connsiteX3" fmla="*/ 329759 w 592049"/>
+                <a:gd name="connsiteY3" fmla="*/ 177355 h 457454"/>
+                <a:gd name="connsiteX4" fmla="*/ 198929 w 592049"/>
+                <a:gd name="connsiteY4" fmla="*/ 2394 h 457454"/>
+                <a:gd name="connsiteX5" fmla="*/ 183152 w 592049"/>
+                <a:gd name="connsiteY5" fmla="*/ 4306 h 457454"/>
+                <a:gd name="connsiteX6" fmla="*/ 180771 w 592049"/>
+                <a:gd name="connsiteY6" fmla="*/ 10729 h 457454"/>
+                <a:gd name="connsiteX7" fmla="*/ 191487 w 592049"/>
+                <a:gd name="connsiteY7" fmla="*/ 108442 h 457454"/>
+                <a:gd name="connsiteX8" fmla="*/ 299619 w 592049"/>
+                <a:gd name="connsiteY8" fmla="*/ 201690 h 457454"/>
+                <a:gd name="connsiteX9" fmla="*/ 287042 w 592049"/>
+                <a:gd name="connsiteY9" fmla="*/ 209877 h 457454"/>
+                <a:gd name="connsiteX10" fmla="*/ 44359 w 592049"/>
+                <a:gd name="connsiteY10" fmla="*/ 62897 h 457454"/>
+                <a:gd name="connsiteX11" fmla="*/ 31112 w 592049"/>
+                <a:gd name="connsiteY11" fmla="*/ 71677 h 457454"/>
+                <a:gd name="connsiteX12" fmla="*/ 31782 w 592049"/>
+                <a:gd name="connsiteY12" fmla="*/ 78302 h 457454"/>
+                <a:gd name="connsiteX13" fmla="*/ 185831 w 592049"/>
+                <a:gd name="connsiteY13" fmla="*/ 263161 h 457454"/>
+                <a:gd name="connsiteX14" fmla="*/ 1716 w 592049"/>
+                <a:gd name="connsiteY14" fmla="*/ 446383 h 457454"/>
+                <a:gd name="connsiteX15" fmla="*/ 2175 w 592049"/>
+                <a:gd name="connsiteY15" fmla="*/ 455738 h 457454"/>
+                <a:gd name="connsiteX16" fmla="*/ 9158 w 592049"/>
+                <a:gd name="connsiteY16" fmla="*/ 456951 h 457454"/>
+                <a:gd name="connsiteX17" fmla="*/ 229516 w 592049"/>
+                <a:gd name="connsiteY17" fmla="*/ 378065 h 457454"/>
+                <a:gd name="connsiteX18" fmla="*/ 479939 w 592049"/>
+                <a:gd name="connsiteY18" fmla="*/ 151903 h 457454"/>
+                <a:gd name="connsiteX19" fmla="*/ 590675 w 592049"/>
+                <a:gd name="connsiteY19" fmla="*/ 132182 h 457454"/>
+                <a:gd name="connsiteX20" fmla="*/ 591984 w 592049"/>
+                <a:gd name="connsiteY20" fmla="*/ 129900 h 457454"/>
+                <a:gd name="connsiteX21" fmla="*/ 590378 w 592049"/>
+                <a:gd name="connsiteY21" fmla="*/ 128536 h 457454"/>
+              </a:gdLst>
+              <a:ahLst/>
+              <a:cxnLst>
+                <a:cxn ang="0">
+                  <a:pos x="connsiteX0" y="connsiteY0"/>
+                </a:cxn>
+                <a:cxn ang="0">
+                  <a:pos x="connsiteX1" y="connsiteY1"/>
+                </a:cxn>
+                <a:cxn ang="0">
+                  <a:pos x="connsiteX2" y="connsiteY2"/>
+                </a:cxn>
+                <a:cxn ang="0">
+                  <a:pos x="connsiteX3" y="connsiteY3"/>
+                </a:cxn>
+                <a:cxn ang="0">
+                  <a:pos x="connsiteX4" y="connsiteY4"/>
+                </a:cxn>
+                <a:cxn ang="0">
+                  <a:pos x="connsiteX5" y="connsiteY5"/>
+                </a:cxn>
+                <a:cxn ang="0">
+                  <a:pos x="connsiteX6" y="connsiteY6"/>
+                </a:cxn>
+                <a:cxn ang="0">
+                  <a:pos x="connsiteX7" y="connsiteY7"/>
+                </a:cxn>
+                <a:cxn ang="0">
+                  <a:pos x="connsiteX8" y="connsiteY8"/>
+                </a:cxn>
+                <a:cxn ang="0">
+                  <a:pos x="connsiteX9" y="connsiteY9"/>
+                </a:cxn>
+                <a:cxn ang="0">
+                  <a:pos x="connsiteX10" y="connsiteY10"/>
+                </a:cxn>
+                <a:cxn ang="0">
+                  <a:pos x="connsiteX11" y="connsiteY11"/>
+                </a:cxn>
+                <a:cxn ang="0">
+                  <a:pos x="connsiteX12" y="connsiteY12"/>
+                </a:cxn>
+                <a:cxn ang="0">
+                  <a:pos x="connsiteX13" y="connsiteY13"/>
+                </a:cxn>
+                <a:cxn ang="0">
+                  <a:pos x="connsiteX14" y="connsiteY14"/>
+                </a:cxn>
+                <a:cxn ang="0">
+                  <a:pos x="connsiteX15" y="connsiteY15"/>
+                </a:cxn>
+                <a:cxn ang="0">
+                  <a:pos x="connsiteX16" y="connsiteY16"/>
+                </a:cxn>
+                <a:cxn ang="0">
+                  <a:pos x="connsiteX17" y="connsiteY17"/>
+                </a:cxn>
+                <a:cxn ang="0">
+                  <a:pos x="connsiteX18" y="connsiteY18"/>
+                </a:cxn>
+                <a:cxn ang="0">
+                  <a:pos x="connsiteX19" y="connsiteY19"/>
+                </a:cxn>
+                <a:cxn ang="0">
+                  <a:pos x="connsiteX20" y="connsiteY20"/>
+                </a:cxn>
+                <a:cxn ang="0">
+                  <a:pos x="connsiteX21" y="connsiteY21"/>
+                </a:cxn>
+              </a:cxnLst>
+              <a:rect l="l" t="t" r="r" b="b"/>
+              <a:pathLst>
+                <a:path w="592049" h="457454">
+                  <a:moveTo>
+                    <a:pt x="590378" y="128536"/>
+                  </a:moveTo>
+                  <a:lnTo>
+                    <a:pt x="476218" y="132108"/>
+                  </a:lnTo>
+                  <a:cubicBezTo>
+                    <a:pt x="467957" y="125559"/>
+                    <a:pt x="451138" y="116554"/>
+                    <a:pt x="422189" y="117224"/>
+                  </a:cubicBezTo>
+                  <a:cubicBezTo>
+                    <a:pt x="383416" y="118414"/>
+                    <a:pt x="365034" y="146024"/>
+                    <a:pt x="329759" y="177355"/>
+                  </a:cubicBezTo>
+                  <a:cubicBezTo>
+                    <a:pt x="300735" y="112089"/>
+                    <a:pt x="247004" y="40571"/>
+                    <a:pt x="198929" y="2394"/>
+                  </a:cubicBezTo>
+                  <a:cubicBezTo>
+                    <a:pt x="194045" y="-1435"/>
+                    <a:pt x="186981" y="-579"/>
+                    <a:pt x="183152" y="4306"/>
+                  </a:cubicBezTo>
+                  <a:cubicBezTo>
+                    <a:pt x="181709" y="6146"/>
+                    <a:pt x="180876" y="8392"/>
+                    <a:pt x="180771" y="10729"/>
+                  </a:cubicBezTo>
+                  <a:cubicBezTo>
+                    <a:pt x="180598" y="43602"/>
+                    <a:pt x="184193" y="76387"/>
+                    <a:pt x="191487" y="108442"/>
+                  </a:cubicBezTo>
+                  <a:cubicBezTo>
+                    <a:pt x="236139" y="135382"/>
+                    <a:pt x="276698" y="167978"/>
+                    <a:pt x="299619" y="201690"/>
+                  </a:cubicBezTo>
+                  <a:cubicBezTo>
+                    <a:pt x="295675" y="204444"/>
+                    <a:pt x="291433" y="207197"/>
+                    <a:pt x="287042" y="209877"/>
+                  </a:cubicBezTo>
+                  <a:cubicBezTo>
+                    <a:pt x="242911" y="146694"/>
+                    <a:pt x="125774" y="79791"/>
+                    <a:pt x="44359" y="62897"/>
+                  </a:cubicBezTo>
+                  <a:cubicBezTo>
+                    <a:pt x="38277" y="61664"/>
+                    <a:pt x="32346" y="65595"/>
+                    <a:pt x="31112" y="71677"/>
+                  </a:cubicBezTo>
+                  <a:cubicBezTo>
+                    <a:pt x="30661" y="73902"/>
+                    <a:pt x="30895" y="76212"/>
+                    <a:pt x="31782" y="78302"/>
+                  </a:cubicBezTo>
+                  <a:cubicBezTo>
+                    <a:pt x="54778" y="129503"/>
+                    <a:pt x="122574" y="215086"/>
+                    <a:pt x="185831" y="263161"/>
+                  </a:cubicBezTo>
+                  <a:lnTo>
+                    <a:pt x="1716" y="446383"/>
+                  </a:lnTo>
+                  <a:cubicBezTo>
+                    <a:pt x="-741" y="449093"/>
+                    <a:pt x="-535" y="453282"/>
+                    <a:pt x="2175" y="455738"/>
+                  </a:cubicBezTo>
+                  <a:cubicBezTo>
+                    <a:pt x="4073" y="457459"/>
+                    <a:pt x="6792" y="457931"/>
+                    <a:pt x="9158" y="456951"/>
+                  </a:cubicBezTo>
+                  <a:cubicBezTo>
+                    <a:pt x="61848" y="429118"/>
+                    <a:pt x="154649" y="385433"/>
+                    <a:pt x="229516" y="378065"/>
+                  </a:cubicBezTo>
+                  <a:cubicBezTo>
+                    <a:pt x="373369" y="363926"/>
+                    <a:pt x="452775" y="277152"/>
+                    <a:pt x="479939" y="151903"/>
+                  </a:cubicBezTo>
+                  <a:lnTo>
+                    <a:pt x="590675" y="132182"/>
+                  </a:lnTo>
+                  <a:cubicBezTo>
+                    <a:pt x="591667" y="131913"/>
+                    <a:pt x="592253" y="130892"/>
+                    <a:pt x="591984" y="129900"/>
+                  </a:cubicBezTo>
+                  <a:cubicBezTo>
+                    <a:pt x="591783" y="129156"/>
+                    <a:pt x="591144" y="128614"/>
+                    <a:pt x="590378" y="128536"/>
+                  </a:cubicBezTo>
+                  <a:close/>
+                </a:path>
+              </a:pathLst>
+            </a:custGeom>
+            <a:noFill/>
+            <a:ln w="6350" cap="flat">
+              <a:solidFill>
+                <a:srgbClr val="4D85AC">
+                  <a:alpha val="10000"/>
+                </a:srgbClr>
+              </a:solidFill>
+              <a:prstDash val="solid"/>
+              <a:miter/>
+            </a:ln>
+          </p:spPr>
+          <p:txBody>
+            <a:bodyPr rtlCol="0" anchor="ctr"/>
+            <a:lstStyle/>
+            <a:p>
+              <a:endParaRPr lang="en-GB"/>
+            </a:p>
+          </p:txBody>
+        </p:sp>
+        <p:sp>
+          <p:nvSpPr>
+            <p:cNvPr id="21" name="ZoneTexte 20">
+              <a:extLst>
+                <a:ext uri="{FF2B5EF4-FFF2-40B4-BE49-F238E27FC236}">
+                  <a16:creationId xmlns:a16="http://schemas.microsoft.com/office/drawing/2014/main" id="{5646EAD8-9F37-4056-8B3E-A6A3D7CF5F97}"/>
+                </a:ext>
+              </a:extLst>
+            </p:cNvPr>
+            <p:cNvSpPr txBox="1"/>
+            <p:nvPr/>
+          </p:nvSpPr>
+          <p:spPr>
+            <a:xfrm>
+              <a:off x="11661774" y="750000"/>
+              <a:ext cx="346919" cy="340002"/>
+            </a:xfrm>
+            <a:prstGeom prst="rect">
+              <a:avLst/>
+            </a:prstGeom>
+            <a:noFill/>
+          </p:spPr>
+          <p:txBody>
+            <a:bodyPr wrap="none" rtlCol="0" anchor="ctr">
+              <a:noAutofit/>
+            </a:bodyPr>
+            <a:lstStyle/>
+            <a:p>
+              <a:pPr algn="ctr"/>
+              <a:fld id="{DF35C7F4-FC31-4C7D-82F5-148820E01BCC}" type="slidenum">
+                <a:rPr lang="en-GB" sz="1600" b="1" smtClean="0">
+                  <a:solidFill>
+                    <a:srgbClr val="FEBE2F"/>
+                  </a:solidFill>
+                </a:rPr>
+                <a:pPr algn="ctr"/>
+                <a:t>15</a:t>
+              </a:fld>
+              <a:endParaRPr lang="en-GB" sz="1600" b="1" dirty="0">
+                <a:solidFill>
+                  <a:srgbClr val="FEBE2F"/>
+                </a:solidFill>
+              </a:endParaRPr>
+            </a:p>
+          </p:txBody>
+        </p:sp>
+      </p:grpSp>
+      <p:sp>
+        <p:nvSpPr>
+          <p:cNvPr id="12" name="ZoneTexte 11">
+            <a:extLst>
+              <a:ext uri="{FF2B5EF4-FFF2-40B4-BE49-F238E27FC236}">
+                <a16:creationId xmlns:a16="http://schemas.microsoft.com/office/drawing/2014/main" id="{63602A99-47A0-4C9E-9F0A-E16071F8E7AF}"/>
+              </a:ext>
+            </a:extLst>
+          </p:cNvPr>
+          <p:cNvSpPr txBox="1"/>
+          <p:nvPr/>
+        </p:nvSpPr>
+        <p:spPr>
+          <a:xfrm>
+            <a:off x="858624" y="1380778"/>
+            <a:ext cx="10408362" cy="1295868"/>
+          </a:xfrm>
+          <a:prstGeom prst="rect">
+            <a:avLst/>
+          </a:prstGeom>
+          <a:noFill/>
+        </p:spPr>
+        <p:txBody>
+          <a:bodyPr wrap="none" rtlCol="0">
+            <a:spAutoFit/>
+          </a:bodyPr>
+          <a:lstStyle/>
+          <a:p>
+            <a:pPr marL="285750" indent="-285750">
+              <a:lnSpc>
+                <a:spcPct val="150000"/>
+              </a:lnSpc>
+              <a:buFont typeface="Arial" panose="020B0604020202020204" pitchFamily="34" charset="0"/>
+              <a:buChar char="•"/>
+            </a:pPr>
+            <a:r>
+              <a:rPr lang="fr-FR" dirty="0"/>
+              <a:t>Estimations des coefficients aberrantes des attributs de mouvements pour les colonies Lavezzi et Giraglia :</a:t>
+            </a:r>
+          </a:p>
+          <a:p>
+            <a:pPr marL="742950" lvl="1" indent="-285750">
+              <a:lnSpc>
+                <a:spcPct val="150000"/>
+              </a:lnSpc>
+              <a:buFont typeface="Calibri" panose="020F0502020204030204" pitchFamily="34" charset="0"/>
+              <a:buChar char="-"/>
+            </a:pPr>
+            <a:r>
+              <a:rPr lang="fr-FR" dirty="0"/>
+              <a:t>beaucoup de pas très proches des côtes (données océanographiques manquantes)</a:t>
+            </a:r>
+          </a:p>
+          <a:p>
+            <a:pPr marL="742950" lvl="1" indent="-285750">
+              <a:lnSpc>
+                <a:spcPct val="150000"/>
+              </a:lnSpc>
+              <a:buFont typeface="Calibri" panose="020F0502020204030204" pitchFamily="34" charset="0"/>
+              <a:buChar char="-"/>
+            </a:pPr>
+            <a:r>
+              <a:rPr lang="fr-FR" dirty="0"/>
+              <a:t>vols très courts (15 % font moins de 10 pas pour Lavezzi et 27 % pour Giraglia)</a:t>
+            </a:r>
+          </a:p>
+        </p:txBody>
+      </p:sp>
+      <p:pic>
+        <p:nvPicPr>
+          <p:cNvPr id="3" name="Image 2">
+            <a:extLst>
+              <a:ext uri="{FF2B5EF4-FFF2-40B4-BE49-F238E27FC236}">
+                <a16:creationId xmlns:a16="http://schemas.microsoft.com/office/drawing/2014/main" id="{2FDC8E7D-0C7B-4031-A364-0ED9448EB7B6}"/>
+              </a:ext>
+            </a:extLst>
+          </p:cNvPr>
+          <p:cNvPicPr>
+            <a:picLocks noChangeAspect="1"/>
+          </p:cNvPicPr>
+          <p:nvPr/>
+        </p:nvPicPr>
+        <p:blipFill>
+          <a:blip r:embed="rId4">
+            <a:extLst>
+              <a:ext uri="{28A0092B-C50C-407E-A947-70E740481C1C}">
+                <a14:useLocalDpi xmlns:a14="http://schemas.microsoft.com/office/drawing/2010/main" val="0"/>
+              </a:ext>
+            </a:extLst>
+          </a:blip>
+          <a:stretch>
+            <a:fillRect/>
+          </a:stretch>
+        </p:blipFill>
+        <p:spPr>
+          <a:xfrm>
+            <a:off x="6314722" y="3052691"/>
+            <a:ext cx="3407736" cy="3097942"/>
+          </a:xfrm>
+          <a:prstGeom prst="rect">
+            <a:avLst/>
+          </a:prstGeom>
+        </p:spPr>
+      </p:pic>
+      <p:pic>
+        <p:nvPicPr>
+          <p:cNvPr id="5" name="Image 4">
+            <a:extLst>
+              <a:ext uri="{FF2B5EF4-FFF2-40B4-BE49-F238E27FC236}">
+                <a16:creationId xmlns:a16="http://schemas.microsoft.com/office/drawing/2014/main" id="{0820C27C-495A-41F1-A501-094DF3FCD4C1}"/>
+              </a:ext>
+            </a:extLst>
+          </p:cNvPr>
+          <p:cNvPicPr>
+            <a:picLocks noChangeAspect="1"/>
+          </p:cNvPicPr>
+          <p:nvPr/>
+        </p:nvPicPr>
+        <p:blipFill>
+          <a:blip r:embed="rId5">
+            <a:extLst>
+              <a:ext uri="{28A0092B-C50C-407E-A947-70E740481C1C}">
+                <a14:useLocalDpi xmlns:a14="http://schemas.microsoft.com/office/drawing/2010/main" val="0"/>
+              </a:ext>
+            </a:extLst>
+          </a:blip>
+          <a:stretch>
+            <a:fillRect/>
+          </a:stretch>
+        </p:blipFill>
+        <p:spPr>
+          <a:xfrm>
+            <a:off x="2244225" y="2895600"/>
+            <a:ext cx="3633056" cy="3302778"/>
+          </a:xfrm>
+          <a:prstGeom prst="rect">
+            <a:avLst/>
+          </a:prstGeom>
+        </p:spPr>
+      </p:pic>
+    </p:spTree>
+    <p:extLst>
+      <p:ext uri="{BB962C8B-B14F-4D97-AF65-F5344CB8AC3E}">
+        <p14:creationId xmlns:p14="http://schemas.microsoft.com/office/powerpoint/2010/main" val="3359830270"/>
+      </p:ext>
+    </p:extLst>
+  </p:cSld>
+  <p:clrMapOvr>
+    <a:masterClrMapping/>
+  </p:clrMapOvr>
+</p:sld>
+</file>
+
+<file path=ppt/slides/slide16.xml><?xml version="1.0" encoding="utf-8"?>
+<p:sld xmlns:a="http://schemas.openxmlformats.org/drawingml/2006/main" xmlns:r="http://schemas.openxmlformats.org/officeDocument/2006/relationships" xmlns:p="http://schemas.openxmlformats.org/presentationml/2006/main" show="0">
+  <p:cSld>
+    <p:spTree>
+      <p:nvGrpSpPr>
+        <p:cNvPr id="1" name=""/>
+        <p:cNvGrpSpPr/>
+        <p:nvPr/>
+      </p:nvGrpSpPr>
+      <p:grpSpPr>
+        <a:xfrm>
+          <a:off x="0" y="0"/>
+          <a:ext cx="0" cy="0"/>
+          <a:chOff x="0" y="0"/>
+          <a:chExt cx="0" cy="0"/>
+        </a:xfrm>
+      </p:grpSpPr>
+      <p:grpSp>
+        <p:nvGrpSpPr>
+          <p:cNvPr id="23" name="Groupe 22">
+            <a:extLst>
+              <a:ext uri="{FF2B5EF4-FFF2-40B4-BE49-F238E27FC236}">
+                <a16:creationId xmlns:a16="http://schemas.microsoft.com/office/drawing/2014/main" id="{5B5829C2-9C45-4072-B4FC-1CBC2407BC23}"/>
+              </a:ext>
+            </a:extLst>
+          </p:cNvPr>
+          <p:cNvGrpSpPr/>
+          <p:nvPr/>
+        </p:nvGrpSpPr>
+        <p:grpSpPr>
+          <a:xfrm>
+            <a:off x="0" y="6334779"/>
+            <a:ext cx="11949947" cy="523220"/>
+            <a:chOff x="0" y="6334779"/>
+            <a:chExt cx="11949947" cy="523220"/>
+          </a:xfrm>
+        </p:grpSpPr>
+        <p:pic>
+          <p:nvPicPr>
+            <p:cNvPr id="28" name="Image 27">
+              <a:extLst>
+                <a:ext uri="{FF2B5EF4-FFF2-40B4-BE49-F238E27FC236}">
+                  <a16:creationId xmlns:a16="http://schemas.microsoft.com/office/drawing/2014/main" id="{3C510C80-595E-40F7-AF5A-9D85C7E541ED}"/>
+                </a:ext>
+              </a:extLst>
+            </p:cNvPr>
+            <p:cNvPicPr>
+              <a:picLocks noChangeAspect="1"/>
+            </p:cNvPicPr>
+            <p:nvPr/>
+          </p:nvPicPr>
+          <p:blipFill>
+            <a:blip r:embed="rId3">
+              <a:extLst>
+                <a:ext uri="{28A0092B-C50C-407E-A947-70E740481C1C}">
+                  <a14:useLocalDpi xmlns:a14="http://schemas.microsoft.com/office/drawing/2010/main" val="0"/>
+                </a:ext>
+              </a:extLst>
+            </a:blip>
+            <a:stretch>
+              <a:fillRect/>
+            </a:stretch>
+          </p:blipFill>
+          <p:spPr>
+            <a:xfrm>
+              <a:off x="0" y="6334779"/>
+              <a:ext cx="1267173" cy="523220"/>
+            </a:xfrm>
+            <a:prstGeom prst="rect">
+              <a:avLst/>
+            </a:prstGeom>
+          </p:spPr>
+        </p:pic>
+        <p:grpSp>
+          <p:nvGrpSpPr>
+            <p:cNvPr id="29" name="Groupe 28">
+              <a:extLst>
+                <a:ext uri="{FF2B5EF4-FFF2-40B4-BE49-F238E27FC236}">
+                  <a16:creationId xmlns:a16="http://schemas.microsoft.com/office/drawing/2014/main" id="{2EDECFFF-7D80-4593-B7F6-584CBB38A73F}"/>
+                </a:ext>
+              </a:extLst>
+            </p:cNvPr>
+            <p:cNvGrpSpPr/>
+            <p:nvPr/>
+          </p:nvGrpSpPr>
+          <p:grpSpPr>
+            <a:xfrm>
+              <a:off x="5106953" y="6538771"/>
+              <a:ext cx="6842994" cy="276999"/>
+              <a:chOff x="5106953" y="6538771"/>
+              <a:chExt cx="6842994" cy="276999"/>
+            </a:xfrm>
+          </p:grpSpPr>
+          <p:sp>
+            <p:nvSpPr>
+              <p:cNvPr id="40" name="ZoneTexte 39">
+                <a:extLst>
+                  <a:ext uri="{FF2B5EF4-FFF2-40B4-BE49-F238E27FC236}">
+                    <a16:creationId xmlns:a16="http://schemas.microsoft.com/office/drawing/2014/main" id="{96D1E389-6FE7-49CE-B48B-33F1C659FF45}"/>
+                  </a:ext>
+                </a:extLst>
+              </p:cNvPr>
+              <p:cNvSpPr txBox="1"/>
+              <p:nvPr/>
+            </p:nvSpPr>
+            <p:spPr>
+              <a:xfrm>
+                <a:off x="5106953" y="6538771"/>
+                <a:ext cx="1747273" cy="276999"/>
+              </a:xfrm>
+              <a:prstGeom prst="rect">
+                <a:avLst/>
+              </a:prstGeom>
+              <a:noFill/>
+            </p:spPr>
+            <p:txBody>
+              <a:bodyPr wrap="none" rtlCol="0" anchor="ctr">
+                <a:spAutoFit/>
+              </a:bodyPr>
+              <a:lstStyle/>
+              <a:p>
+                <a:pPr algn="ctr"/>
+                <a:r>
+                  <a:rPr lang="fr-FR" sz="1200" b="1" dirty="0">
+                    <a:latin typeface="+mj-lt"/>
+                  </a:rPr>
+                  <a:t>Pierre</a:t>
+                </a:r>
+                <a:r>
+                  <a:rPr lang="fr-FR" sz="1200" b="1" cap="small" dirty="0">
+                    <a:latin typeface="+mj-lt"/>
+                  </a:rPr>
+                  <a:t> Cottais &amp; </a:t>
+                </a:r>
+                <a:r>
+                  <a:rPr lang="fr-FR" sz="1200" b="1" dirty="0">
+                    <a:latin typeface="+mj-lt"/>
+                  </a:rPr>
+                  <a:t>An</a:t>
+                </a:r>
+                <a:r>
+                  <a:rPr lang="fr-FR" sz="1200" b="1" cap="small" dirty="0">
+                    <a:latin typeface="+mj-lt"/>
+                  </a:rPr>
+                  <a:t> </a:t>
+                </a:r>
+                <a:r>
+                  <a:rPr lang="fr-FR" sz="1200" b="1" cap="small" dirty="0" err="1">
+                    <a:latin typeface="+mj-lt"/>
+                  </a:rPr>
+                  <a:t>Hoàng</a:t>
+                </a:r>
+                <a:endParaRPr lang="en-GB" sz="1200" b="1" cap="small" dirty="0">
+                  <a:latin typeface="+mj-lt"/>
+                </a:endParaRPr>
+              </a:p>
+            </p:txBody>
+          </p:sp>
+          <p:sp>
+            <p:nvSpPr>
+              <p:cNvPr id="41" name="ZoneTexte 40">
+                <a:extLst>
+                  <a:ext uri="{FF2B5EF4-FFF2-40B4-BE49-F238E27FC236}">
+                    <a16:creationId xmlns:a16="http://schemas.microsoft.com/office/drawing/2014/main" id="{0CA5EA86-FFEB-4C4F-AAA8-11FEA2C6931C}"/>
+                  </a:ext>
+                </a:extLst>
+              </p:cNvPr>
+              <p:cNvSpPr txBox="1"/>
+              <p:nvPr/>
+            </p:nvSpPr>
+            <p:spPr>
+              <a:xfrm>
+                <a:off x="11040724" y="6538771"/>
+                <a:ext cx="909223" cy="276999"/>
+              </a:xfrm>
+              <a:prstGeom prst="rect">
+                <a:avLst/>
+              </a:prstGeom>
+              <a:noFill/>
+            </p:spPr>
+            <p:txBody>
+              <a:bodyPr wrap="none" rtlCol="0" anchor="ctr">
+                <a:spAutoFit/>
+              </a:bodyPr>
+              <a:lstStyle/>
+              <a:p>
+                <a:pPr algn="ctr"/>
+                <a:fld id="{ACE4C2B0-06E8-4808-B875-82D4A0595E05}" type="datetime1">
+                  <a:rPr lang="fr-FR" sz="1200" b="1" smtClean="0">
+                    <a:latin typeface="+mj-lt"/>
+                  </a:rPr>
+                  <a:t>02/02/2022</a:t>
+                </a:fld>
+                <a:endParaRPr lang="en-GB" sz="1400" b="1" cap="small" dirty="0">
+                  <a:latin typeface="+mj-lt"/>
+                </a:endParaRPr>
+              </a:p>
+            </p:txBody>
+          </p:sp>
+        </p:grpSp>
+      </p:grpSp>
+      <p:sp>
+        <p:nvSpPr>
+          <p:cNvPr id="42" name="ZoneTexte 41">
+            <a:extLst>
+              <a:ext uri="{FF2B5EF4-FFF2-40B4-BE49-F238E27FC236}">
+                <a16:creationId xmlns:a16="http://schemas.microsoft.com/office/drawing/2014/main" id="{DAA0C8D7-C7EE-4A9C-B9AE-25C1F6628466}"/>
+              </a:ext>
+            </a:extLst>
+          </p:cNvPr>
+          <p:cNvSpPr txBox="1"/>
+          <p:nvPr/>
+        </p:nvSpPr>
+        <p:spPr>
+          <a:xfrm>
+            <a:off x="331514" y="368212"/>
+            <a:ext cx="6481903" cy="523220"/>
+          </a:xfrm>
+          <a:prstGeom prst="rect">
+            <a:avLst/>
+          </a:prstGeom>
+          <a:noFill/>
+        </p:spPr>
+        <p:txBody>
+          <a:bodyPr wrap="none" rtlCol="0">
+            <a:spAutoFit/>
+          </a:bodyPr>
+          <a:lstStyle/>
+          <a:p>
+            <a:r>
+              <a:rPr lang="fr-FR" sz="2800" b="1" cap="small" dirty="0">
+                <a:latin typeface="+mj-lt"/>
+              </a:rPr>
+              <a:t>Comparaison des colonies – Lavezzi et Giraglia</a:t>
+            </a:r>
+            <a:endParaRPr lang="en-GB" sz="2800" b="1" i="1" cap="small" dirty="0">
+              <a:latin typeface="+mj-lt"/>
+            </a:endParaRPr>
+          </a:p>
+        </p:txBody>
+      </p:sp>
+      <p:grpSp>
+        <p:nvGrpSpPr>
+          <p:cNvPr id="18" name="Groupe 17">
+            <a:extLst>
+              <a:ext uri="{FF2B5EF4-FFF2-40B4-BE49-F238E27FC236}">
+                <a16:creationId xmlns:a16="http://schemas.microsoft.com/office/drawing/2014/main" id="{326BBF75-5316-4B01-9428-A54DE2CD24E1}"/>
+              </a:ext>
+            </a:extLst>
+          </p:cNvPr>
+          <p:cNvGrpSpPr/>
+          <p:nvPr/>
+        </p:nvGrpSpPr>
+        <p:grpSpPr>
+          <a:xfrm>
+            <a:off x="11498080" y="106603"/>
+            <a:ext cx="677164" cy="523219"/>
+            <a:chOff x="11498080" y="602928"/>
+            <a:chExt cx="677164" cy="523219"/>
+          </a:xfrm>
+        </p:grpSpPr>
+        <p:sp>
+          <p:nvSpPr>
+            <p:cNvPr id="19" name="Graphique 6" descr="Colibri">
+              <a:extLst>
+                <a:ext uri="{FF2B5EF4-FFF2-40B4-BE49-F238E27FC236}">
+                  <a16:creationId xmlns:a16="http://schemas.microsoft.com/office/drawing/2014/main" id="{32893632-F9F9-42F8-9D6D-0DF7968070E6}"/>
+                </a:ext>
+              </a:extLst>
+            </p:cNvPr>
+            <p:cNvSpPr/>
+            <p:nvPr/>
+          </p:nvSpPr>
+          <p:spPr>
+            <a:xfrm>
+              <a:off x="11498080" y="602928"/>
+              <a:ext cx="677164" cy="523219"/>
+            </a:xfrm>
+            <a:custGeom>
+              <a:avLst/>
+              <a:gdLst>
+                <a:gd name="connsiteX0" fmla="*/ 590378 w 592049"/>
+                <a:gd name="connsiteY0" fmla="*/ 128536 h 457454"/>
+                <a:gd name="connsiteX1" fmla="*/ 476218 w 592049"/>
+                <a:gd name="connsiteY1" fmla="*/ 132108 h 457454"/>
+                <a:gd name="connsiteX2" fmla="*/ 422189 w 592049"/>
+                <a:gd name="connsiteY2" fmla="*/ 117224 h 457454"/>
+                <a:gd name="connsiteX3" fmla="*/ 329759 w 592049"/>
+                <a:gd name="connsiteY3" fmla="*/ 177355 h 457454"/>
+                <a:gd name="connsiteX4" fmla="*/ 198929 w 592049"/>
+                <a:gd name="connsiteY4" fmla="*/ 2394 h 457454"/>
+                <a:gd name="connsiteX5" fmla="*/ 183152 w 592049"/>
+                <a:gd name="connsiteY5" fmla="*/ 4306 h 457454"/>
+                <a:gd name="connsiteX6" fmla="*/ 180771 w 592049"/>
+                <a:gd name="connsiteY6" fmla="*/ 10729 h 457454"/>
+                <a:gd name="connsiteX7" fmla="*/ 191487 w 592049"/>
+                <a:gd name="connsiteY7" fmla="*/ 108442 h 457454"/>
+                <a:gd name="connsiteX8" fmla="*/ 299619 w 592049"/>
+                <a:gd name="connsiteY8" fmla="*/ 201690 h 457454"/>
+                <a:gd name="connsiteX9" fmla="*/ 287042 w 592049"/>
+                <a:gd name="connsiteY9" fmla="*/ 209877 h 457454"/>
+                <a:gd name="connsiteX10" fmla="*/ 44359 w 592049"/>
+                <a:gd name="connsiteY10" fmla="*/ 62897 h 457454"/>
+                <a:gd name="connsiteX11" fmla="*/ 31112 w 592049"/>
+                <a:gd name="connsiteY11" fmla="*/ 71677 h 457454"/>
+                <a:gd name="connsiteX12" fmla="*/ 31782 w 592049"/>
+                <a:gd name="connsiteY12" fmla="*/ 78302 h 457454"/>
+                <a:gd name="connsiteX13" fmla="*/ 185831 w 592049"/>
+                <a:gd name="connsiteY13" fmla="*/ 263161 h 457454"/>
+                <a:gd name="connsiteX14" fmla="*/ 1716 w 592049"/>
+                <a:gd name="connsiteY14" fmla="*/ 446383 h 457454"/>
+                <a:gd name="connsiteX15" fmla="*/ 2175 w 592049"/>
+                <a:gd name="connsiteY15" fmla="*/ 455738 h 457454"/>
+                <a:gd name="connsiteX16" fmla="*/ 9158 w 592049"/>
+                <a:gd name="connsiteY16" fmla="*/ 456951 h 457454"/>
+                <a:gd name="connsiteX17" fmla="*/ 229516 w 592049"/>
+                <a:gd name="connsiteY17" fmla="*/ 378065 h 457454"/>
+                <a:gd name="connsiteX18" fmla="*/ 479939 w 592049"/>
+                <a:gd name="connsiteY18" fmla="*/ 151903 h 457454"/>
+                <a:gd name="connsiteX19" fmla="*/ 590675 w 592049"/>
+                <a:gd name="connsiteY19" fmla="*/ 132182 h 457454"/>
+                <a:gd name="connsiteX20" fmla="*/ 591984 w 592049"/>
+                <a:gd name="connsiteY20" fmla="*/ 129900 h 457454"/>
+                <a:gd name="connsiteX21" fmla="*/ 590378 w 592049"/>
+                <a:gd name="connsiteY21" fmla="*/ 128536 h 457454"/>
+              </a:gdLst>
+              <a:ahLst/>
+              <a:cxnLst>
+                <a:cxn ang="0">
+                  <a:pos x="connsiteX0" y="connsiteY0"/>
+                </a:cxn>
+                <a:cxn ang="0">
+                  <a:pos x="connsiteX1" y="connsiteY1"/>
+                </a:cxn>
+                <a:cxn ang="0">
+                  <a:pos x="connsiteX2" y="connsiteY2"/>
+                </a:cxn>
+                <a:cxn ang="0">
+                  <a:pos x="connsiteX3" y="connsiteY3"/>
+                </a:cxn>
+                <a:cxn ang="0">
+                  <a:pos x="connsiteX4" y="connsiteY4"/>
+                </a:cxn>
+                <a:cxn ang="0">
+                  <a:pos x="connsiteX5" y="connsiteY5"/>
+                </a:cxn>
+                <a:cxn ang="0">
+                  <a:pos x="connsiteX6" y="connsiteY6"/>
+                </a:cxn>
+                <a:cxn ang="0">
+                  <a:pos x="connsiteX7" y="connsiteY7"/>
+                </a:cxn>
+                <a:cxn ang="0">
+                  <a:pos x="connsiteX8" y="connsiteY8"/>
+                </a:cxn>
+                <a:cxn ang="0">
+                  <a:pos x="connsiteX9" y="connsiteY9"/>
+                </a:cxn>
+                <a:cxn ang="0">
+                  <a:pos x="connsiteX10" y="connsiteY10"/>
+                </a:cxn>
+                <a:cxn ang="0">
+                  <a:pos x="connsiteX11" y="connsiteY11"/>
+                </a:cxn>
+                <a:cxn ang="0">
+                  <a:pos x="connsiteX12" y="connsiteY12"/>
+                </a:cxn>
+                <a:cxn ang="0">
+                  <a:pos x="connsiteX13" y="connsiteY13"/>
+                </a:cxn>
+                <a:cxn ang="0">
+                  <a:pos x="connsiteX14" y="connsiteY14"/>
+                </a:cxn>
+                <a:cxn ang="0">
+                  <a:pos x="connsiteX15" y="connsiteY15"/>
+                </a:cxn>
+                <a:cxn ang="0">
+                  <a:pos x="connsiteX16" y="connsiteY16"/>
+                </a:cxn>
+                <a:cxn ang="0">
+                  <a:pos x="connsiteX17" y="connsiteY17"/>
+                </a:cxn>
+                <a:cxn ang="0">
+                  <a:pos x="connsiteX18" y="connsiteY18"/>
+                </a:cxn>
+                <a:cxn ang="0">
+                  <a:pos x="connsiteX19" y="connsiteY19"/>
+                </a:cxn>
+                <a:cxn ang="0">
+                  <a:pos x="connsiteX20" y="connsiteY20"/>
+                </a:cxn>
+                <a:cxn ang="0">
+                  <a:pos x="connsiteX21" y="connsiteY21"/>
+                </a:cxn>
+              </a:cxnLst>
+              <a:rect l="l" t="t" r="r" b="b"/>
+              <a:pathLst>
+                <a:path w="592049" h="457454">
+                  <a:moveTo>
+                    <a:pt x="590378" y="128536"/>
+                  </a:moveTo>
+                  <a:lnTo>
+                    <a:pt x="476218" y="132108"/>
+                  </a:lnTo>
+                  <a:cubicBezTo>
+                    <a:pt x="467957" y="125559"/>
+                    <a:pt x="451138" y="116554"/>
+                    <a:pt x="422189" y="117224"/>
+                  </a:cubicBezTo>
+                  <a:cubicBezTo>
+                    <a:pt x="383416" y="118414"/>
+                    <a:pt x="365034" y="146024"/>
+                    <a:pt x="329759" y="177355"/>
+                  </a:cubicBezTo>
+                  <a:cubicBezTo>
+                    <a:pt x="300735" y="112089"/>
+                    <a:pt x="247004" y="40571"/>
+                    <a:pt x="198929" y="2394"/>
+                  </a:cubicBezTo>
+                  <a:cubicBezTo>
+                    <a:pt x="194045" y="-1435"/>
+                    <a:pt x="186981" y="-579"/>
+                    <a:pt x="183152" y="4306"/>
+                  </a:cubicBezTo>
+                  <a:cubicBezTo>
+                    <a:pt x="181709" y="6146"/>
+                    <a:pt x="180876" y="8392"/>
+                    <a:pt x="180771" y="10729"/>
+                  </a:cubicBezTo>
+                  <a:cubicBezTo>
+                    <a:pt x="180598" y="43602"/>
+                    <a:pt x="184193" y="76387"/>
+                    <a:pt x="191487" y="108442"/>
+                  </a:cubicBezTo>
+                  <a:cubicBezTo>
+                    <a:pt x="236139" y="135382"/>
+                    <a:pt x="276698" y="167978"/>
+                    <a:pt x="299619" y="201690"/>
+                  </a:cubicBezTo>
+                  <a:cubicBezTo>
+                    <a:pt x="295675" y="204444"/>
+                    <a:pt x="291433" y="207197"/>
+                    <a:pt x="287042" y="209877"/>
+                  </a:cubicBezTo>
+                  <a:cubicBezTo>
+                    <a:pt x="242911" y="146694"/>
+                    <a:pt x="125774" y="79791"/>
+                    <a:pt x="44359" y="62897"/>
+                  </a:cubicBezTo>
+                  <a:cubicBezTo>
+                    <a:pt x="38277" y="61664"/>
+                    <a:pt x="32346" y="65595"/>
+                    <a:pt x="31112" y="71677"/>
+                  </a:cubicBezTo>
+                  <a:cubicBezTo>
+                    <a:pt x="30661" y="73902"/>
+                    <a:pt x="30895" y="76212"/>
+                    <a:pt x="31782" y="78302"/>
+                  </a:cubicBezTo>
+                  <a:cubicBezTo>
+                    <a:pt x="54778" y="129503"/>
+                    <a:pt x="122574" y="215086"/>
+                    <a:pt x="185831" y="263161"/>
+                  </a:cubicBezTo>
+                  <a:lnTo>
+                    <a:pt x="1716" y="446383"/>
+                  </a:lnTo>
+                  <a:cubicBezTo>
+                    <a:pt x="-741" y="449093"/>
+                    <a:pt x="-535" y="453282"/>
+                    <a:pt x="2175" y="455738"/>
+                  </a:cubicBezTo>
+                  <a:cubicBezTo>
+                    <a:pt x="4073" y="457459"/>
+                    <a:pt x="6792" y="457931"/>
+                    <a:pt x="9158" y="456951"/>
+                  </a:cubicBezTo>
+                  <a:cubicBezTo>
+                    <a:pt x="61848" y="429118"/>
+                    <a:pt x="154649" y="385433"/>
+                    <a:pt x="229516" y="378065"/>
+                  </a:cubicBezTo>
+                  <a:cubicBezTo>
+                    <a:pt x="373369" y="363926"/>
+                    <a:pt x="452775" y="277152"/>
+                    <a:pt x="479939" y="151903"/>
+                  </a:cubicBezTo>
+                  <a:lnTo>
+                    <a:pt x="590675" y="132182"/>
+                  </a:lnTo>
+                  <a:cubicBezTo>
+                    <a:pt x="591667" y="131913"/>
+                    <a:pt x="592253" y="130892"/>
+                    <a:pt x="591984" y="129900"/>
+                  </a:cubicBezTo>
+                  <a:cubicBezTo>
+                    <a:pt x="591783" y="129156"/>
+                    <a:pt x="591144" y="128614"/>
+                    <a:pt x="590378" y="128536"/>
+                  </a:cubicBezTo>
+                  <a:close/>
+                </a:path>
+              </a:pathLst>
+            </a:custGeom>
+            <a:noFill/>
+            <a:ln w="6350" cap="flat">
+              <a:solidFill>
+                <a:srgbClr val="4D85AC">
+                  <a:alpha val="10000"/>
+                </a:srgbClr>
+              </a:solidFill>
+              <a:prstDash val="solid"/>
+              <a:miter/>
+            </a:ln>
+          </p:spPr>
+          <p:txBody>
+            <a:bodyPr rtlCol="0" anchor="ctr"/>
+            <a:lstStyle/>
+            <a:p>
+              <a:endParaRPr lang="en-GB"/>
+            </a:p>
+          </p:txBody>
+        </p:sp>
+        <p:sp>
+          <p:nvSpPr>
+            <p:cNvPr id="21" name="ZoneTexte 20">
+              <a:extLst>
+                <a:ext uri="{FF2B5EF4-FFF2-40B4-BE49-F238E27FC236}">
+                  <a16:creationId xmlns:a16="http://schemas.microsoft.com/office/drawing/2014/main" id="{5646EAD8-9F37-4056-8B3E-A6A3D7CF5F97}"/>
+                </a:ext>
+              </a:extLst>
+            </p:cNvPr>
+            <p:cNvSpPr txBox="1"/>
+            <p:nvPr/>
+          </p:nvSpPr>
+          <p:spPr>
+            <a:xfrm>
+              <a:off x="11661774" y="750000"/>
+              <a:ext cx="346919" cy="340002"/>
+            </a:xfrm>
+            <a:prstGeom prst="rect">
+              <a:avLst/>
+            </a:prstGeom>
+            <a:noFill/>
+          </p:spPr>
+          <p:txBody>
+            <a:bodyPr wrap="none" rtlCol="0" anchor="ctr">
+              <a:noAutofit/>
+            </a:bodyPr>
+            <a:lstStyle/>
+            <a:p>
+              <a:pPr algn="ctr"/>
+              <a:fld id="{DF35C7F4-FC31-4C7D-82F5-148820E01BCC}" type="slidenum">
+                <a:rPr lang="en-GB" sz="1600" b="1" smtClean="0">
+                  <a:solidFill>
+                    <a:srgbClr val="FEBE2F"/>
+                  </a:solidFill>
+                </a:rPr>
+                <a:pPr algn="ctr"/>
+                <a:t>16</a:t>
+              </a:fld>
+              <a:endParaRPr lang="en-GB" sz="1600" b="1" dirty="0">
+                <a:solidFill>
+                  <a:srgbClr val="FEBE2F"/>
+                </a:solidFill>
+              </a:endParaRPr>
+            </a:p>
+          </p:txBody>
+        </p:sp>
+      </p:grpSp>
+      <p:sp>
+        <p:nvSpPr>
+          <p:cNvPr id="12" name="ZoneTexte 11">
+            <a:extLst>
+              <a:ext uri="{FF2B5EF4-FFF2-40B4-BE49-F238E27FC236}">
+                <a16:creationId xmlns:a16="http://schemas.microsoft.com/office/drawing/2014/main" id="{63602A99-47A0-4C9E-9F0A-E16071F8E7AF}"/>
+              </a:ext>
+            </a:extLst>
+          </p:cNvPr>
+          <p:cNvSpPr txBox="1"/>
+          <p:nvPr/>
+        </p:nvSpPr>
+        <p:spPr>
+          <a:xfrm>
+            <a:off x="858624" y="1380778"/>
+            <a:ext cx="10408362" cy="1295868"/>
+          </a:xfrm>
+          <a:prstGeom prst="rect">
+            <a:avLst/>
+          </a:prstGeom>
+          <a:noFill/>
+        </p:spPr>
+        <p:txBody>
+          <a:bodyPr wrap="none" rtlCol="0">
+            <a:spAutoFit/>
+          </a:bodyPr>
+          <a:lstStyle/>
+          <a:p>
+            <a:pPr marL="285750" indent="-285750">
+              <a:lnSpc>
+                <a:spcPct val="150000"/>
+              </a:lnSpc>
+              <a:buFont typeface="Arial" panose="020B0604020202020204" pitchFamily="34" charset="0"/>
+              <a:buChar char="•"/>
+            </a:pPr>
+            <a:r>
+              <a:rPr lang="fr-FR" dirty="0"/>
+              <a:t>Estimations des coefficients aberrantes des attributs de mouvements pour les colonies Lavezzi et Giraglia :</a:t>
+            </a:r>
+          </a:p>
+          <a:p>
+            <a:pPr marL="742950" lvl="1" indent="-285750">
+              <a:lnSpc>
+                <a:spcPct val="150000"/>
+              </a:lnSpc>
+              <a:buFont typeface="Calibri" panose="020F0502020204030204" pitchFamily="34" charset="0"/>
+              <a:buChar char="-"/>
+            </a:pPr>
+            <a:r>
+              <a:rPr lang="fr-FR" dirty="0"/>
+              <a:t>beaucoup de pas très proches des côtes (données océanographiques manquantes)</a:t>
+            </a:r>
+          </a:p>
+          <a:p>
+            <a:pPr marL="742950" lvl="1" indent="-285750">
+              <a:lnSpc>
+                <a:spcPct val="150000"/>
+              </a:lnSpc>
+              <a:buFont typeface="Calibri" panose="020F0502020204030204" pitchFamily="34" charset="0"/>
+              <a:buChar char="-"/>
+            </a:pPr>
+            <a:r>
+              <a:rPr lang="fr-FR" dirty="0"/>
+              <a:t>vols très courts (15 % font moins de 10 pas pour Lavezzi et 27 % pour Giraglia)</a:t>
+            </a:r>
+          </a:p>
+        </p:txBody>
+      </p:sp>
+      <p:pic>
+        <p:nvPicPr>
+          <p:cNvPr id="14" name="Image 13">
+            <a:extLst>
+              <a:ext uri="{FF2B5EF4-FFF2-40B4-BE49-F238E27FC236}">
+                <a16:creationId xmlns:a16="http://schemas.microsoft.com/office/drawing/2014/main" id="{40E9AAC1-F2B1-48E6-8001-87E30F48FDFF}"/>
+              </a:ext>
+            </a:extLst>
+          </p:cNvPr>
+          <p:cNvPicPr>
+            <a:picLocks noChangeAspect="1"/>
+          </p:cNvPicPr>
+          <p:nvPr/>
+        </p:nvPicPr>
+        <p:blipFill>
+          <a:blip r:embed="rId4">
+            <a:extLst>
+              <a:ext uri="{28A0092B-C50C-407E-A947-70E740481C1C}">
+                <a14:useLocalDpi xmlns:a14="http://schemas.microsoft.com/office/drawing/2010/main" val="0"/>
+              </a:ext>
+            </a:extLst>
+          </a:blip>
+          <a:srcRect/>
+          <a:stretch/>
+        </p:blipFill>
+        <p:spPr>
+          <a:xfrm>
+            <a:off x="6516846" y="3290452"/>
+            <a:ext cx="4523878" cy="2865381"/>
+          </a:xfrm>
+          <a:prstGeom prst="rect">
+            <a:avLst/>
+          </a:prstGeom>
+        </p:spPr>
+      </p:pic>
+      <p:pic>
+        <p:nvPicPr>
+          <p:cNvPr id="15" name="Image 14">
+            <a:extLst>
+              <a:ext uri="{FF2B5EF4-FFF2-40B4-BE49-F238E27FC236}">
+                <a16:creationId xmlns:a16="http://schemas.microsoft.com/office/drawing/2014/main" id="{58F2545F-67A1-4B79-8E46-944C6D4D1101}"/>
+              </a:ext>
+            </a:extLst>
+          </p:cNvPr>
+          <p:cNvPicPr>
+            <a:picLocks noChangeAspect="1"/>
+          </p:cNvPicPr>
+          <p:nvPr/>
+        </p:nvPicPr>
+        <p:blipFill>
+          <a:blip r:embed="rId5">
+            <a:extLst>
+              <a:ext uri="{28A0092B-C50C-407E-A947-70E740481C1C}">
+                <a14:useLocalDpi xmlns:a14="http://schemas.microsoft.com/office/drawing/2010/main" val="0"/>
+              </a:ext>
+            </a:extLst>
+          </a:blip>
+          <a:srcRect/>
+          <a:stretch/>
+        </p:blipFill>
+        <p:spPr>
+          <a:xfrm>
+            <a:off x="1570720" y="3290453"/>
+            <a:ext cx="4518188" cy="2865381"/>
+          </a:xfrm>
+          <a:prstGeom prst="rect">
+            <a:avLst/>
+          </a:prstGeom>
+        </p:spPr>
+      </p:pic>
+    </p:spTree>
+    <p:extLst>
+      <p:ext uri="{BB962C8B-B14F-4D97-AF65-F5344CB8AC3E}">
+        <p14:creationId xmlns:p14="http://schemas.microsoft.com/office/powerpoint/2010/main" val="2086408900"/>
+      </p:ext>
+    </p:extLst>
+  </p:cSld>
+  <p:clrMapOvr>
+    <a:masterClrMapping/>
+  </p:clrMapOvr>
+</p:sld>
+</file>
+
+<file path=ppt/slides/slide17.xml><?xml version="1.0" encoding="utf-8"?>
 <p:sld xmlns:a="http://schemas.openxmlformats.org/drawingml/2006/main" xmlns:r="http://schemas.openxmlformats.org/officeDocument/2006/relationships" xmlns:p="http://schemas.openxmlformats.org/presentationml/2006/main">
   <p:cSld>
     <p:spTree>
@@ -9524,7 +11887,7 @@
                   </a:solidFill>
                 </a:rPr>
                 <a:pPr algn="ctr"/>
-                <a:t>14</a:t>
+                <a:t>17</a:t>
               </a:fld>
               <a:endParaRPr lang="en-GB" sz="1600" b="1" dirty="0">
                 <a:solidFill>
@@ -9633,7 +11996,7 @@
 </p:sld>
 </file>
 
-<file path=ppt/slides/slide15.xml><?xml version="1.0" encoding="utf-8"?>
+<file path=ppt/slides/slide18.xml><?xml version="1.0" encoding="utf-8"?>
 <p:sld xmlns:a="http://schemas.openxmlformats.org/drawingml/2006/main" xmlns:r="http://schemas.openxmlformats.org/officeDocument/2006/relationships" xmlns:p="http://schemas.openxmlformats.org/presentationml/2006/main">
   <p:cSld>
     <p:spTree>
@@ -9824,7 +12187,7 @@
                   <a:rPr lang="fr-FR" sz="1200" b="1" smtClean="0">
                     <a:latin typeface="+mj-lt"/>
                   </a:rPr>
-                  <a:t>01/02/2022</a:t>
+                  <a:t>02/02/2022</a:t>
                 </a:fld>
                 <a:endParaRPr lang="en-GB" sz="1400" b="1" cap="small" dirty="0">
                   <a:latin typeface="+mj-lt"/>
@@ -9849,7 +12212,7 @@
         <p:spPr>
           <a:xfrm>
             <a:off x="331514" y="368212"/>
-            <a:ext cx="1106778" cy="523220"/>
+            <a:ext cx="1738425" cy="523220"/>
           </a:xfrm>
           <a:prstGeom prst="rect">
             <a:avLst/>
@@ -9866,7 +12229,7 @@
               <a:rPr lang="fr-FR" sz="2800" b="1" cap="small" dirty="0">
                 <a:latin typeface="+mj-lt"/>
               </a:rPr>
-              <a:t>Limites</a:t>
+              <a:t>Conclusion</a:t>
             </a:r>
             <a:endParaRPr lang="en-GB" sz="2800" b="1" i="1" cap="small" dirty="0">
               <a:latin typeface="+mj-lt"/>
@@ -10192,7 +12555,7 @@
                   </a:solidFill>
                 </a:rPr>
                 <a:pPr algn="ctr"/>
-                <a:t>15</a:t>
+                <a:t>18</a:t>
               </a:fld>
               <a:endParaRPr lang="en-GB" sz="1600" b="1" dirty="0">
                 <a:solidFill>
@@ -10218,7 +12581,7 @@
         <p:spPr>
           <a:xfrm>
             <a:off x="858624" y="1380778"/>
-            <a:ext cx="9384492" cy="2126864"/>
+            <a:ext cx="473206" cy="464871"/>
           </a:xfrm>
           <a:prstGeom prst="rect">
             <a:avLst/>
@@ -10238,60 +12601,220 @@
               <a:buFont typeface="Arial" panose="020B0604020202020204" pitchFamily="34" charset="0"/>
               <a:buChar char="•"/>
             </a:pPr>
-            <a:r>
-              <a:rPr lang="fr-FR" dirty="0"/>
-              <a:t>Remise en cause de l’hypothèse d’indépendance entre l’angle de rotation et les pas précédents</a:t>
-            </a:r>
-          </a:p>
-          <a:p>
-            <a:pPr marL="285750" indent="-285750">
+            <a:endParaRPr lang="fr-FR" dirty="0"/>
+          </a:p>
+        </p:txBody>
+      </p:sp>
+      <p:sp>
+        <p:nvSpPr>
+          <p:cNvPr id="12" name="ZoneTexte 11">
+            <a:extLst>
+              <a:ext uri="{FF2B5EF4-FFF2-40B4-BE49-F238E27FC236}">
+                <a16:creationId xmlns:a16="http://schemas.microsoft.com/office/drawing/2014/main" id="{E4B7875A-7145-4CFC-881E-EE109F3F00A1}"/>
+              </a:ext>
+            </a:extLst>
+          </p:cNvPr>
+          <p:cNvSpPr txBox="1"/>
+          <p:nvPr/>
+        </p:nvSpPr>
+        <p:spPr>
+          <a:xfrm>
+            <a:off x="858624" y="1380778"/>
+            <a:ext cx="5724580" cy="2126864"/>
+          </a:xfrm>
+          <a:prstGeom prst="rect">
+            <a:avLst/>
+          </a:prstGeom>
+          <a:noFill/>
+        </p:spPr>
+        <p:txBody>
+          <a:bodyPr wrap="none" rtlCol="0">
+            <a:spAutoFit/>
+          </a:bodyPr>
+          <a:lstStyle/>
+          <a:p>
+            <a:pPr marL="285750" marR="0" lvl="0" indent="-285750" algn="l" defTabSz="914400" rtl="0" eaLnBrk="1" fontAlgn="auto" latinLnBrk="0" hangingPunct="1">
               <a:lnSpc>
                 <a:spcPct val="150000"/>
               </a:lnSpc>
+              <a:spcBef>
+                <a:spcPts val="0"/>
+              </a:spcBef>
+              <a:spcAft>
+                <a:spcPts val="0"/>
+              </a:spcAft>
+              <a:buClrTx/>
+              <a:buSzTx/>
               <a:buFont typeface="Arial" panose="020B0604020202020204" pitchFamily="34" charset="0"/>
               <a:buChar char="•"/>
+              <a:tabLst/>
+              <a:defRPr/>
             </a:pPr>
-            <a:endParaRPr lang="fr-FR" dirty="0"/>
-          </a:p>
-          <a:p>
-            <a:pPr marL="285750" indent="-285750">
+            <a:r>
+              <a:rPr kumimoji="0" lang="fr-FR" sz="1800" b="0" i="0" u="none" strike="noStrike" kern="1200" cap="none" spc="0" normalizeH="0" baseline="0" noProof="0" dirty="0">
+                <a:ln>
+                  <a:noFill/>
+                </a:ln>
+                <a:solidFill>
+                  <a:prstClr val="black"/>
+                </a:solidFill>
+                <a:effectLst/>
+                <a:uLnTx/>
+                <a:uFillTx/>
+                <a:latin typeface="Calibri" panose="020F0502020204030204"/>
+                <a:ea typeface="+mn-ea"/>
+                <a:cs typeface="+mn-cs"/>
+              </a:rPr>
+              <a:t>Instabilité des résultats selon les colonies :</a:t>
+            </a:r>
+          </a:p>
+          <a:p>
+            <a:pPr marL="742950" lvl="1" indent="-285750">
               <a:lnSpc>
                 <a:spcPct val="150000"/>
               </a:lnSpc>
-              <a:buFont typeface="Arial" panose="020B0604020202020204" pitchFamily="34" charset="0"/>
-              <a:buChar char="•"/>
+              <a:buFont typeface="Calibri" panose="020F0502020204030204" pitchFamily="34" charset="0"/>
+              <a:buChar char="-"/>
+              <a:defRPr/>
             </a:pPr>
             <a:r>
-              <a:rPr lang="fr-FR" dirty="0"/>
-              <a:t>__</a:t>
-            </a:r>
-          </a:p>
-          <a:p>
-            <a:pPr marL="285750" indent="-285750">
+              <a:rPr kumimoji="0" lang="fr-FR" b="0" i="0" u="none" strike="noStrike" kern="1200" cap="none" spc="0" normalizeH="0" baseline="0" noProof="0" dirty="0">
+                <a:ln>
+                  <a:noFill/>
+                </a:ln>
+                <a:solidFill>
+                  <a:prstClr val="black"/>
+                </a:solidFill>
+                <a:effectLst/>
+                <a:uLnTx/>
+                <a:uFillTx/>
+                <a:latin typeface="Calibri" panose="020F0502020204030204"/>
+                <a:ea typeface="+mn-ea"/>
+                <a:cs typeface="+mn-cs"/>
+              </a:rPr>
+              <a:t>proximité </a:t>
+            </a:r>
+            <a:r>
+              <a:rPr lang="fr-FR" dirty="0">
+                <a:solidFill>
+                  <a:prstClr val="black"/>
+                </a:solidFill>
+                <a:latin typeface="Calibri" panose="020F0502020204030204"/>
+              </a:rPr>
+              <a:t>aux côtes</a:t>
+            </a:r>
+          </a:p>
+          <a:p>
+            <a:pPr marL="742950" lvl="1" indent="-285750">
               <a:lnSpc>
                 <a:spcPct val="150000"/>
               </a:lnSpc>
-              <a:buFont typeface="Arial" panose="020B0604020202020204" pitchFamily="34" charset="0"/>
-              <a:buChar char="•"/>
+              <a:buFont typeface="Calibri" panose="020F0502020204030204" pitchFamily="34" charset="0"/>
+              <a:buChar char="-"/>
+              <a:defRPr/>
             </a:pPr>
-            <a:endParaRPr lang="fr-FR" dirty="0"/>
-          </a:p>
-          <a:p>
-            <a:pPr marL="285750" indent="-285750">
+            <a:r>
+              <a:rPr kumimoji="0" lang="fr-FR" b="0" i="0" u="none" strike="noStrike" kern="1200" cap="none" spc="0" normalizeH="0" baseline="0" noProof="0" dirty="0">
+                <a:ln>
+                  <a:noFill/>
+                </a:ln>
+                <a:solidFill>
+                  <a:prstClr val="black"/>
+                </a:solidFill>
+                <a:effectLst/>
+                <a:uLnTx/>
+                <a:uFillTx/>
+                <a:latin typeface="Calibri" panose="020F0502020204030204"/>
+                <a:ea typeface="+mn-ea"/>
+                <a:cs typeface="+mn-cs"/>
+              </a:rPr>
+              <a:t>comp</a:t>
+            </a:r>
+            <a:r>
+              <a:rPr lang="fr-FR" dirty="0" err="1">
+                <a:solidFill>
+                  <a:prstClr val="black"/>
+                </a:solidFill>
+                <a:latin typeface="Calibri" panose="020F0502020204030204"/>
+              </a:rPr>
+              <a:t>ortements</a:t>
+            </a:r>
+            <a:r>
+              <a:rPr lang="fr-FR" dirty="0">
+                <a:solidFill>
+                  <a:prstClr val="black"/>
+                </a:solidFill>
+                <a:latin typeface="Calibri" panose="020F0502020204030204"/>
+              </a:rPr>
+              <a:t> de déplacement</a:t>
+            </a:r>
+          </a:p>
+          <a:p>
+            <a:pPr marL="742950" lvl="1" indent="-285750">
               <a:lnSpc>
                 <a:spcPct val="150000"/>
               </a:lnSpc>
+              <a:buFont typeface="Calibri" panose="020F0502020204030204" pitchFamily="34" charset="0"/>
+              <a:buChar char="-"/>
+              <a:defRPr/>
+            </a:pPr>
+            <a:endParaRPr kumimoji="0" lang="fr-FR" b="0" i="0" u="none" strike="noStrike" kern="1200" cap="none" spc="0" normalizeH="0" baseline="0" noProof="0" dirty="0">
+              <a:ln>
+                <a:noFill/>
+              </a:ln>
+              <a:solidFill>
+                <a:prstClr val="black"/>
+              </a:solidFill>
+              <a:effectLst/>
+              <a:uLnTx/>
+              <a:uFillTx/>
+              <a:latin typeface="Calibri" panose="020F0502020204030204"/>
+              <a:ea typeface="+mn-ea"/>
+              <a:cs typeface="+mn-cs"/>
+            </a:endParaRPr>
+          </a:p>
+          <a:p>
+            <a:pPr marL="285750" marR="0" lvl="0" indent="-285750" algn="l" defTabSz="914400" rtl="0" eaLnBrk="1" fontAlgn="auto" latinLnBrk="0" hangingPunct="1">
+              <a:lnSpc>
+                <a:spcPct val="150000"/>
+              </a:lnSpc>
+              <a:spcBef>
+                <a:spcPts val="0"/>
+              </a:spcBef>
+              <a:spcAft>
+                <a:spcPts val="0"/>
+              </a:spcAft>
+              <a:buClrTx/>
+              <a:buSzTx/>
               <a:buFont typeface="Arial" panose="020B0604020202020204" pitchFamily="34" charset="0"/>
               <a:buChar char="•"/>
+              <a:tabLst/>
+              <a:defRPr/>
             </a:pPr>
-            <a:endParaRPr lang="fr-FR" dirty="0"/>
+            <a:r>
+              <a:rPr kumimoji="0" lang="fr-FR" sz="1800" b="0" i="0" u="none" strike="noStrike" kern="1200" cap="none" spc="0" normalizeH="0" baseline="0" noProof="0" dirty="0">
+                <a:ln>
+                  <a:noFill/>
+                </a:ln>
+                <a:solidFill>
+                  <a:prstClr val="black"/>
+                </a:solidFill>
+                <a:effectLst/>
+                <a:uLnTx/>
+                <a:uFillTx/>
+                <a:latin typeface="Calibri" panose="020F0502020204030204"/>
+                <a:ea typeface="+mn-ea"/>
+                <a:cs typeface="+mn-cs"/>
+              </a:rPr>
+              <a:t>[faire le lien avec les résultats de Clara P. et Matthieu A.]</a:t>
+            </a:r>
           </a:p>
         </p:txBody>
       </p:sp>
     </p:spTree>
     <p:extLst>
       <p:ext uri="{BB962C8B-B14F-4D97-AF65-F5344CB8AC3E}">
-        <p14:creationId xmlns:p14="http://schemas.microsoft.com/office/powerpoint/2010/main" val="4040942796"/>
+        <p14:creationId xmlns:p14="http://schemas.microsoft.com/office/powerpoint/2010/main" val="401385458"/>
       </p:ext>
     </p:extLst>
   </p:cSld>
@@ -10301,7 +12824,7 @@
 </p:sld>
 </file>
 
-<file path=ppt/slides/slide16.xml><?xml version="1.0" encoding="utf-8"?>
+<file path=ppt/slides/slide19.xml><?xml version="1.0" encoding="utf-8"?>
 <p:sld xmlns:a="http://schemas.openxmlformats.org/drawingml/2006/main" xmlns:r="http://schemas.openxmlformats.org/officeDocument/2006/relationships" xmlns:p="http://schemas.openxmlformats.org/presentationml/2006/main">
   <p:cSld>
     <p:spTree>
@@ -10492,7 +13015,7 @@
                   <a:rPr lang="fr-FR" sz="1200" b="1" smtClean="0">
                     <a:latin typeface="+mj-lt"/>
                   </a:rPr>
-                  <a:t>01/02/2022</a:t>
+                  <a:t>02/02/2022</a:t>
                 </a:fld>
                 <a:endParaRPr lang="en-GB" sz="1400" b="1" cap="small" dirty="0">
                   <a:latin typeface="+mj-lt"/>
@@ -10517,7 +13040,7 @@
         <p:spPr>
           <a:xfrm>
             <a:off x="331514" y="368212"/>
-            <a:ext cx="2654445" cy="523220"/>
+            <a:ext cx="3091359" cy="523220"/>
           </a:xfrm>
           <a:prstGeom prst="rect">
             <a:avLst/>
@@ -10534,7 +13057,7 @@
               <a:rPr lang="fr-FR" sz="2800" b="1" cap="small" dirty="0">
                 <a:latin typeface="+mj-lt"/>
               </a:rPr>
-              <a:t>Recommandations</a:t>
+              <a:t>Pistes d’amélioration</a:t>
             </a:r>
             <a:endParaRPr lang="en-GB" sz="2800" b="1" i="1" cap="small" dirty="0">
               <a:latin typeface="+mj-lt"/>
@@ -10860,7 +13383,7 @@
                   </a:solidFill>
                 </a:rPr>
                 <a:pPr algn="ctr"/>
-                <a:t>16</a:t>
+                <a:t>19</a:t>
               </a:fld>
               <a:endParaRPr lang="en-GB" sz="1600" b="1" dirty="0">
                 <a:solidFill>
@@ -10873,10 +13396,10 @@
       </p:grpSp>
       <p:sp>
         <p:nvSpPr>
-          <p:cNvPr id="15" name="ZoneTexte 14">
+          <p:cNvPr id="12" name="ZoneTexte 11">
             <a:extLst>
               <a:ext uri="{FF2B5EF4-FFF2-40B4-BE49-F238E27FC236}">
-                <a16:creationId xmlns:a16="http://schemas.microsoft.com/office/drawing/2014/main" id="{CC88F02D-58AF-4EF1-9125-E3D1919051DB}"/>
+                <a16:creationId xmlns:a16="http://schemas.microsoft.com/office/drawing/2014/main" id="{21E7758E-EC3F-4161-981A-3818329E9E51}"/>
               </a:ext>
             </a:extLst>
           </p:cNvPr>
@@ -10886,7 +13409,7 @@
         <p:spPr>
           <a:xfrm>
             <a:off x="858624" y="1380778"/>
-            <a:ext cx="6864187" cy="2126864"/>
+            <a:ext cx="9384492" cy="2957861"/>
           </a:xfrm>
           <a:prstGeom prst="rect">
             <a:avLst/>
@@ -10899,67 +13422,268 @@
           </a:bodyPr>
           <a:lstStyle/>
           <a:p>
-            <a:pPr marL="285750" indent="-285750">
+            <a:pPr marL="285750" marR="0" lvl="0" indent="-285750" algn="l" defTabSz="914400" rtl="0" eaLnBrk="1" fontAlgn="auto" latinLnBrk="0" hangingPunct="1">
               <a:lnSpc>
                 <a:spcPct val="150000"/>
               </a:lnSpc>
+              <a:spcBef>
+                <a:spcPts val="0"/>
+              </a:spcBef>
+              <a:spcAft>
+                <a:spcPts val="0"/>
+              </a:spcAft>
+              <a:buClrTx/>
+              <a:buSzTx/>
               <a:buFont typeface="Arial" panose="020B0604020202020204" pitchFamily="34" charset="0"/>
               <a:buChar char="•"/>
+              <a:tabLst/>
+              <a:defRPr/>
             </a:pPr>
             <a:r>
-              <a:rPr lang="fr-FR" dirty="0"/>
-              <a:t>Comparaison de l’efficacité de la méthode sur les différentes années</a:t>
-            </a:r>
-          </a:p>
-          <a:p>
-            <a:pPr marL="285750" indent="-285750">
+              <a:rPr lang="fr-FR" dirty="0">
+                <a:solidFill>
+                  <a:prstClr val="black"/>
+                </a:solidFill>
+                <a:latin typeface="Calibri" panose="020F0502020204030204"/>
+              </a:rPr>
+              <a:t>Sélection de variables (</a:t>
+            </a:r>
+            <a:r>
+              <a:rPr lang="fr-FR" i="1" dirty="0" err="1">
+                <a:solidFill>
+                  <a:prstClr val="black"/>
+                </a:solidFill>
+                <a:latin typeface="Calibri" panose="020F0502020204030204"/>
+              </a:rPr>
+              <a:t>stepwise</a:t>
+            </a:r>
+            <a:r>
+              <a:rPr lang="fr-FR" i="1" dirty="0">
+                <a:solidFill>
+                  <a:prstClr val="black"/>
+                </a:solidFill>
+                <a:latin typeface="Calibri" panose="020F0502020204030204"/>
+              </a:rPr>
+              <a:t>?</a:t>
+            </a:r>
+            <a:r>
+              <a:rPr lang="fr-FR" dirty="0">
+                <a:solidFill>
+                  <a:prstClr val="black"/>
+                </a:solidFill>
+                <a:latin typeface="Calibri" panose="020F0502020204030204"/>
+              </a:rPr>
+              <a:t>)</a:t>
+            </a:r>
+            <a:endParaRPr kumimoji="0" lang="fr-FR" sz="1800" b="0" u="none" strike="noStrike" kern="1200" cap="none" spc="0" normalizeH="0" baseline="0" noProof="0" dirty="0">
+              <a:ln>
+                <a:noFill/>
+              </a:ln>
+              <a:solidFill>
+                <a:prstClr val="black"/>
+              </a:solidFill>
+              <a:effectLst/>
+              <a:uLnTx/>
+              <a:uFillTx/>
+              <a:latin typeface="Calibri" panose="020F0502020204030204"/>
+              <a:ea typeface="+mn-ea"/>
+              <a:cs typeface="+mn-cs"/>
+            </a:endParaRPr>
+          </a:p>
+          <a:p>
+            <a:pPr marL="285750" marR="0" lvl="0" indent="-285750" algn="l" defTabSz="914400" rtl="0" eaLnBrk="1" fontAlgn="auto" latinLnBrk="0" hangingPunct="1">
               <a:lnSpc>
                 <a:spcPct val="150000"/>
               </a:lnSpc>
+              <a:spcBef>
+                <a:spcPts val="0"/>
+              </a:spcBef>
+              <a:spcAft>
+                <a:spcPts val="0"/>
+              </a:spcAft>
+              <a:buClrTx/>
+              <a:buSzTx/>
               <a:buFont typeface="Arial" panose="020B0604020202020204" pitchFamily="34" charset="0"/>
               <a:buChar char="•"/>
+              <a:tabLst/>
+              <a:defRPr/>
             </a:pPr>
-            <a:endParaRPr lang="fr-FR" dirty="0"/>
-          </a:p>
-          <a:p>
-            <a:pPr marL="285750" indent="-285750">
+            <a:endParaRPr lang="fr-FR" dirty="0">
+              <a:solidFill>
+                <a:prstClr val="black"/>
+              </a:solidFill>
+              <a:latin typeface="Calibri" panose="020F0502020204030204"/>
+            </a:endParaRPr>
+          </a:p>
+          <a:p>
+            <a:pPr marL="285750" marR="0" lvl="0" indent="-285750" algn="l" defTabSz="914400" rtl="0" eaLnBrk="1" fontAlgn="auto" latinLnBrk="0" hangingPunct="1">
               <a:lnSpc>
                 <a:spcPct val="150000"/>
               </a:lnSpc>
+              <a:spcBef>
+                <a:spcPts val="0"/>
+              </a:spcBef>
+              <a:spcAft>
+                <a:spcPts val="0"/>
+              </a:spcAft>
+              <a:buClrTx/>
+              <a:buSzTx/>
               <a:buFont typeface="Arial" panose="020B0604020202020204" pitchFamily="34" charset="0"/>
               <a:buChar char="•"/>
+              <a:tabLst/>
+              <a:defRPr/>
             </a:pPr>
             <a:r>
-              <a:rPr lang="fr-FR" dirty="0"/>
-              <a:t>__</a:t>
-            </a:r>
-          </a:p>
-          <a:p>
-            <a:pPr marL="285750" indent="-285750">
+              <a:rPr kumimoji="0" lang="fr-FR" sz="1800" b="0" i="0" u="none" strike="noStrike" kern="1200" cap="none" spc="0" normalizeH="0" baseline="0" noProof="0" dirty="0">
+                <a:ln>
+                  <a:noFill/>
+                </a:ln>
+                <a:solidFill>
+                  <a:prstClr val="black"/>
+                </a:solidFill>
+                <a:effectLst/>
+                <a:uLnTx/>
+                <a:uFillTx/>
+                <a:latin typeface="Calibri" panose="020F0502020204030204"/>
+                <a:ea typeface="+mn-ea"/>
+                <a:cs typeface="+mn-cs"/>
+              </a:rPr>
+              <a:t>Remise en cause de l’hypothèse d’indépendance entre l’angle de rotation et les pas précédents</a:t>
+            </a:r>
+          </a:p>
+          <a:p>
+            <a:pPr marL="285750" marR="0" lvl="0" indent="-285750" algn="l" defTabSz="914400" rtl="0" eaLnBrk="1" fontAlgn="auto" latinLnBrk="0" hangingPunct="1">
               <a:lnSpc>
                 <a:spcPct val="150000"/>
               </a:lnSpc>
+              <a:spcBef>
+                <a:spcPts val="0"/>
+              </a:spcBef>
+              <a:spcAft>
+                <a:spcPts val="0"/>
+              </a:spcAft>
+              <a:buClrTx/>
+              <a:buSzTx/>
               <a:buFont typeface="Arial" panose="020B0604020202020204" pitchFamily="34" charset="0"/>
               <a:buChar char="•"/>
+              <a:tabLst/>
+              <a:defRPr/>
             </a:pPr>
-            <a:endParaRPr lang="fr-FR" dirty="0"/>
-          </a:p>
-          <a:p>
-            <a:pPr marL="285750" indent="-285750">
+            <a:endParaRPr kumimoji="0" lang="fr-FR" sz="1800" b="0" i="0" u="none" strike="noStrike" kern="1200" cap="none" spc="0" normalizeH="0" baseline="0" noProof="0" dirty="0">
+              <a:ln>
+                <a:noFill/>
+              </a:ln>
+              <a:solidFill>
+                <a:prstClr val="black"/>
+              </a:solidFill>
+              <a:effectLst/>
+              <a:uLnTx/>
+              <a:uFillTx/>
+              <a:latin typeface="Calibri" panose="020F0502020204030204"/>
+              <a:ea typeface="+mn-ea"/>
+              <a:cs typeface="+mn-cs"/>
+            </a:endParaRPr>
+          </a:p>
+          <a:p>
+            <a:pPr marL="285750" marR="0" lvl="0" indent="-285750" algn="l" defTabSz="914400" rtl="0" eaLnBrk="1" fontAlgn="auto" latinLnBrk="0" hangingPunct="1">
               <a:lnSpc>
                 <a:spcPct val="150000"/>
               </a:lnSpc>
+              <a:spcBef>
+                <a:spcPts val="0"/>
+              </a:spcBef>
+              <a:spcAft>
+                <a:spcPts val="0"/>
+              </a:spcAft>
+              <a:buClrTx/>
+              <a:buSzTx/>
               <a:buFont typeface="Arial" panose="020B0604020202020204" pitchFamily="34" charset="0"/>
               <a:buChar char="•"/>
+              <a:tabLst/>
+              <a:defRPr/>
             </a:pPr>
-            <a:endParaRPr lang="fr-FR" dirty="0"/>
+            <a:r>
+              <a:rPr kumimoji="0" lang="fr-FR" sz="1800" b="0" i="0" u="none" strike="noStrike" kern="1200" cap="none" spc="0" normalizeH="0" baseline="0" noProof="0" dirty="0">
+                <a:ln>
+                  <a:noFill/>
+                </a:ln>
+                <a:solidFill>
+                  <a:prstClr val="black"/>
+                </a:solidFill>
+                <a:effectLst/>
+                <a:uLnTx/>
+                <a:uFillTx/>
+                <a:latin typeface="Calibri" panose="020F0502020204030204"/>
+                <a:ea typeface="+mn-ea"/>
+                <a:cs typeface="+mn-cs"/>
+              </a:rPr>
+              <a:t>Comparaison de l’efficacité de la méthode en séparant les différentes années</a:t>
+            </a:r>
+          </a:p>
+          <a:p>
+            <a:pPr marL="285750" marR="0" lvl="0" indent="-285750" algn="l" defTabSz="914400" rtl="0" eaLnBrk="1" fontAlgn="auto" latinLnBrk="0" hangingPunct="1">
+              <a:lnSpc>
+                <a:spcPct val="150000"/>
+              </a:lnSpc>
+              <a:spcBef>
+                <a:spcPts val="0"/>
+              </a:spcBef>
+              <a:spcAft>
+                <a:spcPts val="0"/>
+              </a:spcAft>
+              <a:buClrTx/>
+              <a:buSzTx/>
+              <a:buFont typeface="Arial" panose="020B0604020202020204" pitchFamily="34" charset="0"/>
+              <a:buChar char="•"/>
+              <a:tabLst/>
+              <a:defRPr/>
+            </a:pPr>
+            <a:endParaRPr lang="fr-FR" dirty="0">
+              <a:solidFill>
+                <a:prstClr val="black"/>
+              </a:solidFill>
+              <a:latin typeface="Calibri" panose="020F0502020204030204"/>
+            </a:endParaRPr>
+          </a:p>
+          <a:p>
+            <a:pPr marL="285750" marR="0" lvl="0" indent="-285750" algn="l" defTabSz="914400" rtl="0" eaLnBrk="1" fontAlgn="auto" latinLnBrk="0" hangingPunct="1">
+              <a:lnSpc>
+                <a:spcPct val="150000"/>
+              </a:lnSpc>
+              <a:spcBef>
+                <a:spcPts val="0"/>
+              </a:spcBef>
+              <a:spcAft>
+                <a:spcPts val="0"/>
+              </a:spcAft>
+              <a:buClrTx/>
+              <a:buSzTx/>
+              <a:buFont typeface="Arial" panose="020B0604020202020204" pitchFamily="34" charset="0"/>
+              <a:buChar char="•"/>
+              <a:tabLst/>
+              <a:defRPr/>
+            </a:pPr>
+            <a:endParaRPr kumimoji="0" lang="fr-FR" sz="1800" b="0" i="0" u="none" strike="noStrike" kern="1200" cap="none" spc="0" normalizeH="0" baseline="0" noProof="0" dirty="0">
+              <a:ln>
+                <a:noFill/>
+              </a:ln>
+              <a:solidFill>
+                <a:prstClr val="black"/>
+              </a:solidFill>
+              <a:effectLst/>
+              <a:uLnTx/>
+              <a:uFillTx/>
+              <a:latin typeface="Calibri" panose="020F0502020204030204"/>
+              <a:ea typeface="+mn-ea"/>
+              <a:cs typeface="+mn-cs"/>
+            </a:endParaRPr>
           </a:p>
         </p:txBody>
       </p:sp>
     </p:spTree>
     <p:extLst>
       <p:ext uri="{BB962C8B-B14F-4D97-AF65-F5344CB8AC3E}">
-        <p14:creationId xmlns:p14="http://schemas.microsoft.com/office/powerpoint/2010/main" val="401385458"/>
+        <p14:creationId xmlns:p14="http://schemas.microsoft.com/office/powerpoint/2010/main" val="756618651"/>
       </p:ext>
     </p:extLst>
   </p:cSld>
@@ -10969,7 +13693,416 @@
 </p:sld>
 </file>
 
-<file path=ppt/slides/slide17.xml><?xml version="1.0" encoding="utf-8"?>
+<file path=ppt/slides/slide2.xml><?xml version="1.0" encoding="utf-8"?>
+<p:sld xmlns:a="http://schemas.openxmlformats.org/drawingml/2006/main" xmlns:r="http://schemas.openxmlformats.org/officeDocument/2006/relationships" xmlns:p="http://schemas.openxmlformats.org/presentationml/2006/main">
+  <p:cSld>
+    <p:spTree>
+      <p:nvGrpSpPr>
+        <p:cNvPr id="1" name=""/>
+        <p:cNvGrpSpPr/>
+        <p:nvPr/>
+      </p:nvGrpSpPr>
+      <p:grpSpPr>
+        <a:xfrm>
+          <a:off x="0" y="0"/>
+          <a:ext cx="0" cy="0"/>
+          <a:chOff x="0" y="0"/>
+          <a:chExt cx="0" cy="0"/>
+        </a:xfrm>
+      </p:grpSpPr>
+      <p:sp>
+        <p:nvSpPr>
+          <p:cNvPr id="5" name="ZoneTexte 4">
+            <a:extLst>
+              <a:ext uri="{FF2B5EF4-FFF2-40B4-BE49-F238E27FC236}">
+                <a16:creationId xmlns:a16="http://schemas.microsoft.com/office/drawing/2014/main" id="{E4960135-09E6-427A-A334-83730021D6FC}"/>
+              </a:ext>
+            </a:extLst>
+          </p:cNvPr>
+          <p:cNvSpPr txBox="1"/>
+          <p:nvPr/>
+        </p:nvSpPr>
+        <p:spPr>
+          <a:xfrm>
+            <a:off x="331514" y="368212"/>
+            <a:ext cx="1519968" cy="523220"/>
+          </a:xfrm>
+          <a:prstGeom prst="rect">
+            <a:avLst/>
+          </a:prstGeom>
+          <a:noFill/>
+        </p:spPr>
+        <p:txBody>
+          <a:bodyPr wrap="none" rtlCol="0">
+            <a:spAutoFit/>
+          </a:bodyPr>
+          <a:lstStyle/>
+          <a:p>
+            <a:r>
+              <a:rPr lang="fr-FR" sz="2800" b="1" cap="small" dirty="0">
+                <a:latin typeface="+mj-lt"/>
+              </a:rPr>
+              <a:t>Sommaire</a:t>
+            </a:r>
+            <a:endParaRPr lang="en-GB" sz="2800" b="1" cap="small" dirty="0">
+              <a:latin typeface="+mj-lt"/>
+            </a:endParaRPr>
+          </a:p>
+        </p:txBody>
+      </p:sp>
+      <p:grpSp>
+        <p:nvGrpSpPr>
+          <p:cNvPr id="8" name="Groupe 7">
+            <a:extLst>
+              <a:ext uri="{FF2B5EF4-FFF2-40B4-BE49-F238E27FC236}">
+                <a16:creationId xmlns:a16="http://schemas.microsoft.com/office/drawing/2014/main" id="{3C66298B-4436-40D4-AC65-3A9D74C72330}"/>
+              </a:ext>
+            </a:extLst>
+          </p:cNvPr>
+          <p:cNvGrpSpPr/>
+          <p:nvPr/>
+        </p:nvGrpSpPr>
+        <p:grpSpPr>
+          <a:xfrm>
+            <a:off x="0" y="6334779"/>
+            <a:ext cx="11949947" cy="523220"/>
+            <a:chOff x="0" y="6334779"/>
+            <a:chExt cx="11949947" cy="523220"/>
+          </a:xfrm>
+        </p:grpSpPr>
+        <p:pic>
+          <p:nvPicPr>
+            <p:cNvPr id="9" name="Image 8">
+              <a:extLst>
+                <a:ext uri="{FF2B5EF4-FFF2-40B4-BE49-F238E27FC236}">
+                  <a16:creationId xmlns:a16="http://schemas.microsoft.com/office/drawing/2014/main" id="{F0EAFB87-A990-4FAC-BB1F-C04080C94C57}"/>
+                </a:ext>
+              </a:extLst>
+            </p:cNvPr>
+            <p:cNvPicPr>
+              <a:picLocks noChangeAspect="1"/>
+            </p:cNvPicPr>
+            <p:nvPr/>
+          </p:nvPicPr>
+          <p:blipFill>
+            <a:blip r:embed="rId3">
+              <a:extLst>
+                <a:ext uri="{28A0092B-C50C-407E-A947-70E740481C1C}">
+                  <a14:useLocalDpi xmlns:a14="http://schemas.microsoft.com/office/drawing/2010/main" val="0"/>
+                </a:ext>
+              </a:extLst>
+            </a:blip>
+            <a:stretch>
+              <a:fillRect/>
+            </a:stretch>
+          </p:blipFill>
+          <p:spPr>
+            <a:xfrm>
+              <a:off x="0" y="6334779"/>
+              <a:ext cx="1267173" cy="523220"/>
+            </a:xfrm>
+            <a:prstGeom prst="rect">
+              <a:avLst/>
+            </a:prstGeom>
+          </p:spPr>
+        </p:pic>
+        <p:grpSp>
+          <p:nvGrpSpPr>
+            <p:cNvPr id="10" name="Groupe 9">
+              <a:extLst>
+                <a:ext uri="{FF2B5EF4-FFF2-40B4-BE49-F238E27FC236}">
+                  <a16:creationId xmlns:a16="http://schemas.microsoft.com/office/drawing/2014/main" id="{C7F0026C-B94D-4A04-B56A-CF8190E3C883}"/>
+                </a:ext>
+              </a:extLst>
+            </p:cNvPr>
+            <p:cNvGrpSpPr/>
+            <p:nvPr/>
+          </p:nvGrpSpPr>
+          <p:grpSpPr>
+            <a:xfrm>
+              <a:off x="5106953" y="6538771"/>
+              <a:ext cx="6842994" cy="276999"/>
+              <a:chOff x="5106953" y="6538771"/>
+              <a:chExt cx="6842994" cy="276999"/>
+            </a:xfrm>
+          </p:grpSpPr>
+          <p:sp>
+            <p:nvSpPr>
+              <p:cNvPr id="11" name="ZoneTexte 10">
+                <a:extLst>
+                  <a:ext uri="{FF2B5EF4-FFF2-40B4-BE49-F238E27FC236}">
+                    <a16:creationId xmlns:a16="http://schemas.microsoft.com/office/drawing/2014/main" id="{5B029113-D496-4A2E-BC9A-1F6F76F75C2A}"/>
+                  </a:ext>
+                </a:extLst>
+              </p:cNvPr>
+              <p:cNvSpPr txBox="1"/>
+              <p:nvPr/>
+            </p:nvSpPr>
+            <p:spPr>
+              <a:xfrm>
+                <a:off x="5106953" y="6538771"/>
+                <a:ext cx="1747273" cy="276999"/>
+              </a:xfrm>
+              <a:prstGeom prst="rect">
+                <a:avLst/>
+              </a:prstGeom>
+              <a:noFill/>
+            </p:spPr>
+            <p:txBody>
+              <a:bodyPr wrap="none" rtlCol="0" anchor="ctr">
+                <a:spAutoFit/>
+              </a:bodyPr>
+              <a:lstStyle/>
+              <a:p>
+                <a:pPr algn="ctr"/>
+                <a:r>
+                  <a:rPr lang="fr-FR" sz="1200" b="1" dirty="0">
+                    <a:latin typeface="+mj-lt"/>
+                  </a:rPr>
+                  <a:t>Pierre</a:t>
+                </a:r>
+                <a:r>
+                  <a:rPr lang="fr-FR" sz="1200" b="1" cap="small" dirty="0">
+                    <a:latin typeface="+mj-lt"/>
+                  </a:rPr>
+                  <a:t> Cottais &amp; </a:t>
+                </a:r>
+                <a:r>
+                  <a:rPr lang="fr-FR" sz="1200" b="1" dirty="0">
+                    <a:latin typeface="+mj-lt"/>
+                  </a:rPr>
+                  <a:t>An</a:t>
+                </a:r>
+                <a:r>
+                  <a:rPr lang="fr-FR" sz="1200" b="1" cap="small" dirty="0">
+                    <a:latin typeface="+mj-lt"/>
+                  </a:rPr>
+                  <a:t> </a:t>
+                </a:r>
+                <a:r>
+                  <a:rPr lang="fr-FR" sz="1200" b="1" cap="small" dirty="0" err="1">
+                    <a:latin typeface="+mj-lt"/>
+                  </a:rPr>
+                  <a:t>Hoàng</a:t>
+                </a:r>
+                <a:endParaRPr lang="en-GB" sz="1200" b="1" cap="small" dirty="0">
+                  <a:latin typeface="+mj-lt"/>
+                </a:endParaRPr>
+              </a:p>
+            </p:txBody>
+          </p:sp>
+          <p:sp>
+            <p:nvSpPr>
+              <p:cNvPr id="12" name="ZoneTexte 11">
+                <a:extLst>
+                  <a:ext uri="{FF2B5EF4-FFF2-40B4-BE49-F238E27FC236}">
+                    <a16:creationId xmlns:a16="http://schemas.microsoft.com/office/drawing/2014/main" id="{B6E3F6AE-A1F7-4E4A-9005-FFBC9B3D5875}"/>
+                  </a:ext>
+                </a:extLst>
+              </p:cNvPr>
+              <p:cNvSpPr txBox="1"/>
+              <p:nvPr/>
+            </p:nvSpPr>
+            <p:spPr>
+              <a:xfrm>
+                <a:off x="11040724" y="6538771"/>
+                <a:ext cx="909223" cy="276999"/>
+              </a:xfrm>
+              <a:prstGeom prst="rect">
+                <a:avLst/>
+              </a:prstGeom>
+              <a:noFill/>
+            </p:spPr>
+            <p:txBody>
+              <a:bodyPr wrap="none" rtlCol="0" anchor="ctr">
+                <a:spAutoFit/>
+              </a:bodyPr>
+              <a:lstStyle/>
+              <a:p>
+                <a:pPr algn="ctr"/>
+                <a:fld id="{ACE4C2B0-06E8-4808-B875-82D4A0595E05}" type="datetime1">
+                  <a:rPr lang="fr-FR" sz="1200" b="1" smtClean="0">
+                    <a:latin typeface="+mj-lt"/>
+                  </a:rPr>
+                  <a:t>01/02/2022</a:t>
+                </a:fld>
+                <a:endParaRPr lang="en-GB" sz="1400" b="1" cap="small" dirty="0">
+                  <a:latin typeface="+mj-lt"/>
+                </a:endParaRPr>
+              </a:p>
+            </p:txBody>
+          </p:sp>
+        </p:grpSp>
+      </p:grpSp>
+      <p:sp>
+        <p:nvSpPr>
+          <p:cNvPr id="13" name="ZoneTexte 12">
+            <a:extLst>
+              <a:ext uri="{FF2B5EF4-FFF2-40B4-BE49-F238E27FC236}">
+                <a16:creationId xmlns:a16="http://schemas.microsoft.com/office/drawing/2014/main" id="{5C28FE57-A815-4462-A5B9-8C3944D7129B}"/>
+              </a:ext>
+            </a:extLst>
+          </p:cNvPr>
+          <p:cNvSpPr txBox="1"/>
+          <p:nvPr/>
+        </p:nvSpPr>
+        <p:spPr>
+          <a:xfrm>
+            <a:off x="858624" y="1380778"/>
+            <a:ext cx="4991751" cy="3788858"/>
+          </a:xfrm>
+          <a:prstGeom prst="rect">
+            <a:avLst/>
+          </a:prstGeom>
+          <a:noFill/>
+        </p:spPr>
+        <p:txBody>
+          <a:bodyPr wrap="none" rtlCol="0">
+            <a:spAutoFit/>
+          </a:bodyPr>
+          <a:lstStyle/>
+          <a:p>
+            <a:pPr marL="285750" indent="-285750">
+              <a:lnSpc>
+                <a:spcPct val="150000"/>
+              </a:lnSpc>
+              <a:buFont typeface="Arial" panose="020B0604020202020204" pitchFamily="34" charset="0"/>
+              <a:buChar char="•"/>
+            </a:pPr>
+            <a:r>
+              <a:rPr lang="fr-FR" dirty="0"/>
+              <a:t>Introduction au concept de préférence d’habitat</a:t>
+            </a:r>
+          </a:p>
+          <a:p>
+            <a:pPr marL="285750" indent="-285750">
+              <a:lnSpc>
+                <a:spcPct val="150000"/>
+              </a:lnSpc>
+              <a:buFont typeface="Arial" panose="020B0604020202020204" pitchFamily="34" charset="0"/>
+              <a:buChar char="•"/>
+            </a:pPr>
+            <a:endParaRPr lang="fr-FR" dirty="0"/>
+          </a:p>
+          <a:p>
+            <a:pPr marL="285750" indent="-285750">
+              <a:lnSpc>
+                <a:spcPct val="150000"/>
+              </a:lnSpc>
+              <a:buFont typeface="Arial" panose="020B0604020202020204" pitchFamily="34" charset="0"/>
+              <a:buChar char="•"/>
+            </a:pPr>
+            <a:r>
+              <a:rPr lang="fr-FR" dirty="0"/>
+              <a:t>Données de mouvement et de paysage</a:t>
+            </a:r>
+          </a:p>
+          <a:p>
+            <a:pPr marL="285750" indent="-285750">
+              <a:lnSpc>
+                <a:spcPct val="150000"/>
+              </a:lnSpc>
+              <a:buFont typeface="Arial" panose="020B0604020202020204" pitchFamily="34" charset="0"/>
+              <a:buChar char="•"/>
+            </a:pPr>
+            <a:endParaRPr lang="fr-FR" dirty="0"/>
+          </a:p>
+          <a:p>
+            <a:pPr marL="285750" indent="-285750">
+              <a:lnSpc>
+                <a:spcPct val="150000"/>
+              </a:lnSpc>
+              <a:buFont typeface="Arial" panose="020B0604020202020204" pitchFamily="34" charset="0"/>
+              <a:buChar char="•"/>
+            </a:pPr>
+            <a:r>
+              <a:rPr lang="fr-FR" dirty="0"/>
+              <a:t>Analyse par </a:t>
+            </a:r>
+            <a:r>
+              <a:rPr lang="fr-FR" i="1" dirty="0" err="1"/>
+              <a:t>integrated</a:t>
+            </a:r>
+            <a:r>
+              <a:rPr lang="fr-FR" i="1" dirty="0"/>
+              <a:t> </a:t>
+            </a:r>
+            <a:r>
+              <a:rPr lang="fr-FR" i="1" dirty="0" err="1"/>
+              <a:t>step</a:t>
+            </a:r>
+            <a:r>
+              <a:rPr lang="fr-FR" i="1" dirty="0"/>
+              <a:t> </a:t>
+            </a:r>
+            <a:r>
+              <a:rPr lang="fr-FR" i="1" dirty="0" err="1"/>
+              <a:t>selection</a:t>
+            </a:r>
+            <a:endParaRPr lang="fr-FR" dirty="0"/>
+          </a:p>
+          <a:p>
+            <a:pPr marL="285750" indent="-285750">
+              <a:lnSpc>
+                <a:spcPct val="150000"/>
+              </a:lnSpc>
+              <a:buFont typeface="Arial" panose="020B0604020202020204" pitchFamily="34" charset="0"/>
+              <a:buChar char="•"/>
+            </a:pPr>
+            <a:endParaRPr lang="fr-FR" dirty="0"/>
+          </a:p>
+          <a:p>
+            <a:pPr marL="285750" indent="-285750">
+              <a:lnSpc>
+                <a:spcPct val="150000"/>
+              </a:lnSpc>
+              <a:buFont typeface="Arial" panose="020B0604020202020204" pitchFamily="34" charset="0"/>
+              <a:buChar char="•"/>
+            </a:pPr>
+            <a:r>
+              <a:rPr lang="fr-FR" dirty="0"/>
+              <a:t>Habitats préférés des Puffins</a:t>
+            </a:r>
+          </a:p>
+          <a:p>
+            <a:pPr marL="285750" indent="-285750">
+              <a:lnSpc>
+                <a:spcPct val="150000"/>
+              </a:lnSpc>
+              <a:buFont typeface="Arial" panose="020B0604020202020204" pitchFamily="34" charset="0"/>
+              <a:buChar char="•"/>
+            </a:pPr>
+            <a:endParaRPr lang="fr-FR" dirty="0"/>
+          </a:p>
+          <a:p>
+            <a:pPr marL="285750" indent="-285750">
+              <a:lnSpc>
+                <a:spcPct val="150000"/>
+              </a:lnSpc>
+              <a:buFont typeface="Arial" panose="020B0604020202020204" pitchFamily="34" charset="0"/>
+              <a:buChar char="•"/>
+            </a:pPr>
+            <a:r>
+              <a:rPr lang="fr-FR" dirty="0"/>
+              <a:t>Limites et recommandations</a:t>
+            </a:r>
+          </a:p>
+        </p:txBody>
+      </p:sp>
+    </p:spTree>
+    <p:extLst>
+      <p:ext uri="{BB962C8B-B14F-4D97-AF65-F5344CB8AC3E}">
+        <p14:creationId xmlns:p14="http://schemas.microsoft.com/office/powerpoint/2010/main" val="2720154590"/>
+      </p:ext>
+    </p:extLst>
+  </p:cSld>
+  <p:clrMapOvr>
+    <a:masterClrMapping/>
+  </p:clrMapOvr>
+</p:sld>
+</file>
+
+<file path=ppt/slides/slide20.xml><?xml version="1.0" encoding="utf-8"?>
 <p:sld xmlns:a="http://schemas.openxmlformats.org/drawingml/2006/main" xmlns:r="http://schemas.openxmlformats.org/officeDocument/2006/relationships" xmlns:p="http://schemas.openxmlformats.org/presentationml/2006/main">
   <p:cSld>
     <p:spTree>
@@ -11528,7 +14661,7 @@
                   </a:solidFill>
                 </a:rPr>
                 <a:pPr algn="ctr"/>
-                <a:t>17</a:t>
+                <a:t>20</a:t>
               </a:fld>
               <a:endParaRPr lang="en-GB" sz="1600" b="1" dirty="0">
                 <a:solidFill>
@@ -11861,7 +14994,7 @@
 </p:sld>
 </file>
 
-<file path=ppt/slides/slide18.xml><?xml version="1.0" encoding="utf-8"?>
+<file path=ppt/slides/slide21.xml><?xml version="1.0" encoding="utf-8"?>
 <p:sld xmlns:a="http://schemas.openxmlformats.org/drawingml/2006/main" xmlns:r="http://schemas.openxmlformats.org/officeDocument/2006/relationships" xmlns:p="http://schemas.openxmlformats.org/presentationml/2006/main">
   <p:cSld>
     <p:spTree>
@@ -12080,415 +15213,6 @@
     <p:extLst>
       <p:ext uri="{BB962C8B-B14F-4D97-AF65-F5344CB8AC3E}">
         <p14:creationId xmlns:p14="http://schemas.microsoft.com/office/powerpoint/2010/main" val="984703153"/>
-      </p:ext>
-    </p:extLst>
-  </p:cSld>
-  <p:clrMapOvr>
-    <a:masterClrMapping/>
-  </p:clrMapOvr>
-</p:sld>
-</file>
-
-<file path=ppt/slides/slide2.xml><?xml version="1.0" encoding="utf-8"?>
-<p:sld xmlns:a="http://schemas.openxmlformats.org/drawingml/2006/main" xmlns:r="http://schemas.openxmlformats.org/officeDocument/2006/relationships" xmlns:p="http://schemas.openxmlformats.org/presentationml/2006/main">
-  <p:cSld>
-    <p:spTree>
-      <p:nvGrpSpPr>
-        <p:cNvPr id="1" name=""/>
-        <p:cNvGrpSpPr/>
-        <p:nvPr/>
-      </p:nvGrpSpPr>
-      <p:grpSpPr>
-        <a:xfrm>
-          <a:off x="0" y="0"/>
-          <a:ext cx="0" cy="0"/>
-          <a:chOff x="0" y="0"/>
-          <a:chExt cx="0" cy="0"/>
-        </a:xfrm>
-      </p:grpSpPr>
-      <p:sp>
-        <p:nvSpPr>
-          <p:cNvPr id="5" name="ZoneTexte 4">
-            <a:extLst>
-              <a:ext uri="{FF2B5EF4-FFF2-40B4-BE49-F238E27FC236}">
-                <a16:creationId xmlns:a16="http://schemas.microsoft.com/office/drawing/2014/main" id="{E4960135-09E6-427A-A334-83730021D6FC}"/>
-              </a:ext>
-            </a:extLst>
-          </p:cNvPr>
-          <p:cNvSpPr txBox="1"/>
-          <p:nvPr/>
-        </p:nvSpPr>
-        <p:spPr>
-          <a:xfrm>
-            <a:off x="331514" y="368212"/>
-            <a:ext cx="1519968" cy="523220"/>
-          </a:xfrm>
-          <a:prstGeom prst="rect">
-            <a:avLst/>
-          </a:prstGeom>
-          <a:noFill/>
-        </p:spPr>
-        <p:txBody>
-          <a:bodyPr wrap="none" rtlCol="0">
-            <a:spAutoFit/>
-          </a:bodyPr>
-          <a:lstStyle/>
-          <a:p>
-            <a:r>
-              <a:rPr lang="fr-FR" sz="2800" b="1" cap="small" dirty="0">
-                <a:latin typeface="+mj-lt"/>
-              </a:rPr>
-              <a:t>Sommaire</a:t>
-            </a:r>
-            <a:endParaRPr lang="en-GB" sz="2800" b="1" cap="small" dirty="0">
-              <a:latin typeface="+mj-lt"/>
-            </a:endParaRPr>
-          </a:p>
-        </p:txBody>
-      </p:sp>
-      <p:grpSp>
-        <p:nvGrpSpPr>
-          <p:cNvPr id="8" name="Groupe 7">
-            <a:extLst>
-              <a:ext uri="{FF2B5EF4-FFF2-40B4-BE49-F238E27FC236}">
-                <a16:creationId xmlns:a16="http://schemas.microsoft.com/office/drawing/2014/main" id="{3C66298B-4436-40D4-AC65-3A9D74C72330}"/>
-              </a:ext>
-            </a:extLst>
-          </p:cNvPr>
-          <p:cNvGrpSpPr/>
-          <p:nvPr/>
-        </p:nvGrpSpPr>
-        <p:grpSpPr>
-          <a:xfrm>
-            <a:off x="0" y="6334779"/>
-            <a:ext cx="11949947" cy="523220"/>
-            <a:chOff x="0" y="6334779"/>
-            <a:chExt cx="11949947" cy="523220"/>
-          </a:xfrm>
-        </p:grpSpPr>
-        <p:pic>
-          <p:nvPicPr>
-            <p:cNvPr id="9" name="Image 8">
-              <a:extLst>
-                <a:ext uri="{FF2B5EF4-FFF2-40B4-BE49-F238E27FC236}">
-                  <a16:creationId xmlns:a16="http://schemas.microsoft.com/office/drawing/2014/main" id="{F0EAFB87-A990-4FAC-BB1F-C04080C94C57}"/>
-                </a:ext>
-              </a:extLst>
-            </p:cNvPr>
-            <p:cNvPicPr>
-              <a:picLocks noChangeAspect="1"/>
-            </p:cNvPicPr>
-            <p:nvPr/>
-          </p:nvPicPr>
-          <p:blipFill>
-            <a:blip r:embed="rId3">
-              <a:extLst>
-                <a:ext uri="{28A0092B-C50C-407E-A947-70E740481C1C}">
-                  <a14:useLocalDpi xmlns:a14="http://schemas.microsoft.com/office/drawing/2010/main" val="0"/>
-                </a:ext>
-              </a:extLst>
-            </a:blip>
-            <a:stretch>
-              <a:fillRect/>
-            </a:stretch>
-          </p:blipFill>
-          <p:spPr>
-            <a:xfrm>
-              <a:off x="0" y="6334779"/>
-              <a:ext cx="1267173" cy="523220"/>
-            </a:xfrm>
-            <a:prstGeom prst="rect">
-              <a:avLst/>
-            </a:prstGeom>
-          </p:spPr>
-        </p:pic>
-        <p:grpSp>
-          <p:nvGrpSpPr>
-            <p:cNvPr id="10" name="Groupe 9">
-              <a:extLst>
-                <a:ext uri="{FF2B5EF4-FFF2-40B4-BE49-F238E27FC236}">
-                  <a16:creationId xmlns:a16="http://schemas.microsoft.com/office/drawing/2014/main" id="{C7F0026C-B94D-4A04-B56A-CF8190E3C883}"/>
-                </a:ext>
-              </a:extLst>
-            </p:cNvPr>
-            <p:cNvGrpSpPr/>
-            <p:nvPr/>
-          </p:nvGrpSpPr>
-          <p:grpSpPr>
-            <a:xfrm>
-              <a:off x="5106953" y="6538771"/>
-              <a:ext cx="6842994" cy="276999"/>
-              <a:chOff x="5106953" y="6538771"/>
-              <a:chExt cx="6842994" cy="276999"/>
-            </a:xfrm>
-          </p:grpSpPr>
-          <p:sp>
-            <p:nvSpPr>
-              <p:cNvPr id="11" name="ZoneTexte 10">
-                <a:extLst>
-                  <a:ext uri="{FF2B5EF4-FFF2-40B4-BE49-F238E27FC236}">
-                    <a16:creationId xmlns:a16="http://schemas.microsoft.com/office/drawing/2014/main" id="{5B029113-D496-4A2E-BC9A-1F6F76F75C2A}"/>
-                  </a:ext>
-                </a:extLst>
-              </p:cNvPr>
-              <p:cNvSpPr txBox="1"/>
-              <p:nvPr/>
-            </p:nvSpPr>
-            <p:spPr>
-              <a:xfrm>
-                <a:off x="5106953" y="6538771"/>
-                <a:ext cx="1747273" cy="276999"/>
-              </a:xfrm>
-              <a:prstGeom prst="rect">
-                <a:avLst/>
-              </a:prstGeom>
-              <a:noFill/>
-            </p:spPr>
-            <p:txBody>
-              <a:bodyPr wrap="none" rtlCol="0" anchor="ctr">
-                <a:spAutoFit/>
-              </a:bodyPr>
-              <a:lstStyle/>
-              <a:p>
-                <a:pPr algn="ctr"/>
-                <a:r>
-                  <a:rPr lang="fr-FR" sz="1200" b="1" dirty="0">
-                    <a:latin typeface="+mj-lt"/>
-                  </a:rPr>
-                  <a:t>Pierre</a:t>
-                </a:r>
-                <a:r>
-                  <a:rPr lang="fr-FR" sz="1200" b="1" cap="small" dirty="0">
-                    <a:latin typeface="+mj-lt"/>
-                  </a:rPr>
-                  <a:t> Cottais &amp; </a:t>
-                </a:r>
-                <a:r>
-                  <a:rPr lang="fr-FR" sz="1200" b="1" dirty="0">
-                    <a:latin typeface="+mj-lt"/>
-                  </a:rPr>
-                  <a:t>An</a:t>
-                </a:r>
-                <a:r>
-                  <a:rPr lang="fr-FR" sz="1200" b="1" cap="small" dirty="0">
-                    <a:latin typeface="+mj-lt"/>
-                  </a:rPr>
-                  <a:t> </a:t>
-                </a:r>
-                <a:r>
-                  <a:rPr lang="fr-FR" sz="1200" b="1" cap="small" dirty="0" err="1">
-                    <a:latin typeface="+mj-lt"/>
-                  </a:rPr>
-                  <a:t>Hoàng</a:t>
-                </a:r>
-                <a:endParaRPr lang="en-GB" sz="1200" b="1" cap="small" dirty="0">
-                  <a:latin typeface="+mj-lt"/>
-                </a:endParaRPr>
-              </a:p>
-            </p:txBody>
-          </p:sp>
-          <p:sp>
-            <p:nvSpPr>
-              <p:cNvPr id="12" name="ZoneTexte 11">
-                <a:extLst>
-                  <a:ext uri="{FF2B5EF4-FFF2-40B4-BE49-F238E27FC236}">
-                    <a16:creationId xmlns:a16="http://schemas.microsoft.com/office/drawing/2014/main" id="{B6E3F6AE-A1F7-4E4A-9005-FFBC9B3D5875}"/>
-                  </a:ext>
-                </a:extLst>
-              </p:cNvPr>
-              <p:cNvSpPr txBox="1"/>
-              <p:nvPr/>
-            </p:nvSpPr>
-            <p:spPr>
-              <a:xfrm>
-                <a:off x="11040724" y="6538771"/>
-                <a:ext cx="909223" cy="276999"/>
-              </a:xfrm>
-              <a:prstGeom prst="rect">
-                <a:avLst/>
-              </a:prstGeom>
-              <a:noFill/>
-            </p:spPr>
-            <p:txBody>
-              <a:bodyPr wrap="none" rtlCol="0" anchor="ctr">
-                <a:spAutoFit/>
-              </a:bodyPr>
-              <a:lstStyle/>
-              <a:p>
-                <a:pPr algn="ctr"/>
-                <a:fld id="{ACE4C2B0-06E8-4808-B875-82D4A0595E05}" type="datetime1">
-                  <a:rPr lang="fr-FR" sz="1200" b="1" smtClean="0">
-                    <a:latin typeface="+mj-lt"/>
-                  </a:rPr>
-                  <a:t>01/02/2022</a:t>
-                </a:fld>
-                <a:endParaRPr lang="en-GB" sz="1400" b="1" cap="small" dirty="0">
-                  <a:latin typeface="+mj-lt"/>
-                </a:endParaRPr>
-              </a:p>
-            </p:txBody>
-          </p:sp>
-        </p:grpSp>
-      </p:grpSp>
-      <p:sp>
-        <p:nvSpPr>
-          <p:cNvPr id="13" name="ZoneTexte 12">
-            <a:extLst>
-              <a:ext uri="{FF2B5EF4-FFF2-40B4-BE49-F238E27FC236}">
-                <a16:creationId xmlns:a16="http://schemas.microsoft.com/office/drawing/2014/main" id="{5C28FE57-A815-4462-A5B9-8C3944D7129B}"/>
-              </a:ext>
-            </a:extLst>
-          </p:cNvPr>
-          <p:cNvSpPr txBox="1"/>
-          <p:nvPr/>
-        </p:nvSpPr>
-        <p:spPr>
-          <a:xfrm>
-            <a:off x="858624" y="1380778"/>
-            <a:ext cx="4991751" cy="3788858"/>
-          </a:xfrm>
-          <a:prstGeom prst="rect">
-            <a:avLst/>
-          </a:prstGeom>
-          <a:noFill/>
-        </p:spPr>
-        <p:txBody>
-          <a:bodyPr wrap="none" rtlCol="0">
-            <a:spAutoFit/>
-          </a:bodyPr>
-          <a:lstStyle/>
-          <a:p>
-            <a:pPr marL="285750" indent="-285750">
-              <a:lnSpc>
-                <a:spcPct val="150000"/>
-              </a:lnSpc>
-              <a:buFont typeface="Arial" panose="020B0604020202020204" pitchFamily="34" charset="0"/>
-              <a:buChar char="•"/>
-            </a:pPr>
-            <a:r>
-              <a:rPr lang="fr-FR" dirty="0"/>
-              <a:t>Introduction au concept de préférence d’habitat</a:t>
-            </a:r>
-          </a:p>
-          <a:p>
-            <a:pPr marL="285750" indent="-285750">
-              <a:lnSpc>
-                <a:spcPct val="150000"/>
-              </a:lnSpc>
-              <a:buFont typeface="Arial" panose="020B0604020202020204" pitchFamily="34" charset="0"/>
-              <a:buChar char="•"/>
-            </a:pPr>
-            <a:endParaRPr lang="fr-FR" dirty="0"/>
-          </a:p>
-          <a:p>
-            <a:pPr marL="285750" indent="-285750">
-              <a:lnSpc>
-                <a:spcPct val="150000"/>
-              </a:lnSpc>
-              <a:buFont typeface="Arial" panose="020B0604020202020204" pitchFamily="34" charset="0"/>
-              <a:buChar char="•"/>
-            </a:pPr>
-            <a:r>
-              <a:rPr lang="fr-FR" dirty="0"/>
-              <a:t>Données de mouvement et de paysage</a:t>
-            </a:r>
-          </a:p>
-          <a:p>
-            <a:pPr marL="285750" indent="-285750">
-              <a:lnSpc>
-                <a:spcPct val="150000"/>
-              </a:lnSpc>
-              <a:buFont typeface="Arial" panose="020B0604020202020204" pitchFamily="34" charset="0"/>
-              <a:buChar char="•"/>
-            </a:pPr>
-            <a:endParaRPr lang="fr-FR" dirty="0"/>
-          </a:p>
-          <a:p>
-            <a:pPr marL="285750" indent="-285750">
-              <a:lnSpc>
-                <a:spcPct val="150000"/>
-              </a:lnSpc>
-              <a:buFont typeface="Arial" panose="020B0604020202020204" pitchFamily="34" charset="0"/>
-              <a:buChar char="•"/>
-            </a:pPr>
-            <a:r>
-              <a:rPr lang="fr-FR" dirty="0"/>
-              <a:t>Analyse par </a:t>
-            </a:r>
-            <a:r>
-              <a:rPr lang="fr-FR" i="1" dirty="0" err="1"/>
-              <a:t>integrated</a:t>
-            </a:r>
-            <a:r>
-              <a:rPr lang="fr-FR" i="1" dirty="0"/>
-              <a:t> </a:t>
-            </a:r>
-            <a:r>
-              <a:rPr lang="fr-FR" i="1" dirty="0" err="1"/>
-              <a:t>step</a:t>
-            </a:r>
-            <a:r>
-              <a:rPr lang="fr-FR" i="1" dirty="0"/>
-              <a:t> </a:t>
-            </a:r>
-            <a:r>
-              <a:rPr lang="fr-FR" i="1" dirty="0" err="1"/>
-              <a:t>selection</a:t>
-            </a:r>
-            <a:endParaRPr lang="fr-FR" dirty="0"/>
-          </a:p>
-          <a:p>
-            <a:pPr marL="285750" indent="-285750">
-              <a:lnSpc>
-                <a:spcPct val="150000"/>
-              </a:lnSpc>
-              <a:buFont typeface="Arial" panose="020B0604020202020204" pitchFamily="34" charset="0"/>
-              <a:buChar char="•"/>
-            </a:pPr>
-            <a:endParaRPr lang="fr-FR" dirty="0"/>
-          </a:p>
-          <a:p>
-            <a:pPr marL="285750" indent="-285750">
-              <a:lnSpc>
-                <a:spcPct val="150000"/>
-              </a:lnSpc>
-              <a:buFont typeface="Arial" panose="020B0604020202020204" pitchFamily="34" charset="0"/>
-              <a:buChar char="•"/>
-            </a:pPr>
-            <a:r>
-              <a:rPr lang="fr-FR" dirty="0"/>
-              <a:t>Habitats préférés des Puffins</a:t>
-            </a:r>
-          </a:p>
-          <a:p>
-            <a:pPr marL="285750" indent="-285750">
-              <a:lnSpc>
-                <a:spcPct val="150000"/>
-              </a:lnSpc>
-              <a:buFont typeface="Arial" panose="020B0604020202020204" pitchFamily="34" charset="0"/>
-              <a:buChar char="•"/>
-            </a:pPr>
-            <a:endParaRPr lang="fr-FR" dirty="0"/>
-          </a:p>
-          <a:p>
-            <a:pPr marL="285750" indent="-285750">
-              <a:lnSpc>
-                <a:spcPct val="150000"/>
-              </a:lnSpc>
-              <a:buFont typeface="Arial" panose="020B0604020202020204" pitchFamily="34" charset="0"/>
-              <a:buChar char="•"/>
-            </a:pPr>
-            <a:r>
-              <a:rPr lang="fr-FR" dirty="0"/>
-              <a:t>Limites et recommandations</a:t>
-            </a:r>
-          </a:p>
-        </p:txBody>
-      </p:sp>
-    </p:spTree>
-    <p:extLst>
-      <p:ext uri="{BB962C8B-B14F-4D97-AF65-F5344CB8AC3E}">
-        <p14:creationId xmlns:p14="http://schemas.microsoft.com/office/powerpoint/2010/main" val="2720154590"/>
       </p:ext>
     </p:extLst>
   </p:cSld>

--- a/pres_soutenance_v4.pptx
+++ b/pres_soutenance_v4.pptx
@@ -229,7 +229,7 @@
           <a:p>
             <a:fld id="{8D80F073-C889-4F11-9408-744CDA7946D2}" type="datetimeFigureOut">
               <a:rPr lang="en-GB" smtClean="0"/>
-              <a:t>01/02/2022</a:t>
+              <a:t>02/02/2022</a:t>
             </a:fld>
             <a:endParaRPr lang="en-GB"/>
           </a:p>
@@ -2338,7 +2338,7 @@
           <a:p>
             <a:fld id="{48D70FE8-65FD-4950-BD19-4EE3A454551B}" type="datetimeFigureOut">
               <a:rPr lang="en-GB" smtClean="0"/>
-              <a:t>01/02/2022</a:t>
+              <a:t>02/02/2022</a:t>
             </a:fld>
             <a:endParaRPr lang="en-GB"/>
           </a:p>
@@ -2538,7 +2538,7 @@
           <a:p>
             <a:fld id="{48D70FE8-65FD-4950-BD19-4EE3A454551B}" type="datetimeFigureOut">
               <a:rPr lang="en-GB" smtClean="0"/>
-              <a:t>01/02/2022</a:t>
+              <a:t>02/02/2022</a:t>
             </a:fld>
             <a:endParaRPr lang="en-GB"/>
           </a:p>
@@ -2748,7 +2748,7 @@
           <a:p>
             <a:fld id="{48D70FE8-65FD-4950-BD19-4EE3A454551B}" type="datetimeFigureOut">
               <a:rPr lang="en-GB" smtClean="0"/>
-              <a:t>01/02/2022</a:t>
+              <a:t>02/02/2022</a:t>
             </a:fld>
             <a:endParaRPr lang="en-GB"/>
           </a:p>
@@ -2948,7 +2948,7 @@
           <a:p>
             <a:fld id="{48D70FE8-65FD-4950-BD19-4EE3A454551B}" type="datetimeFigureOut">
               <a:rPr lang="en-GB" smtClean="0"/>
-              <a:t>01/02/2022</a:t>
+              <a:t>02/02/2022</a:t>
             </a:fld>
             <a:endParaRPr lang="en-GB"/>
           </a:p>
@@ -3224,7 +3224,7 @@
           <a:p>
             <a:fld id="{48D70FE8-65FD-4950-BD19-4EE3A454551B}" type="datetimeFigureOut">
               <a:rPr lang="en-GB" smtClean="0"/>
-              <a:t>01/02/2022</a:t>
+              <a:t>02/02/2022</a:t>
             </a:fld>
             <a:endParaRPr lang="en-GB"/>
           </a:p>
@@ -3492,7 +3492,7 @@
           <a:p>
             <a:fld id="{48D70FE8-65FD-4950-BD19-4EE3A454551B}" type="datetimeFigureOut">
               <a:rPr lang="en-GB" smtClean="0"/>
-              <a:t>01/02/2022</a:t>
+              <a:t>02/02/2022</a:t>
             </a:fld>
             <a:endParaRPr lang="en-GB"/>
           </a:p>
@@ -3907,7 +3907,7 @@
           <a:p>
             <a:fld id="{48D70FE8-65FD-4950-BD19-4EE3A454551B}" type="datetimeFigureOut">
               <a:rPr lang="en-GB" smtClean="0"/>
-              <a:t>01/02/2022</a:t>
+              <a:t>02/02/2022</a:t>
             </a:fld>
             <a:endParaRPr lang="en-GB"/>
           </a:p>
@@ -4049,7 +4049,7 @@
           <a:p>
             <a:fld id="{48D70FE8-65FD-4950-BD19-4EE3A454551B}" type="datetimeFigureOut">
               <a:rPr lang="en-GB" smtClean="0"/>
-              <a:t>01/02/2022</a:t>
+              <a:t>02/02/2022</a:t>
             </a:fld>
             <a:endParaRPr lang="en-GB"/>
           </a:p>
@@ -4162,7 +4162,7 @@
           <a:p>
             <a:fld id="{48D70FE8-65FD-4950-BD19-4EE3A454551B}" type="datetimeFigureOut">
               <a:rPr lang="en-GB" smtClean="0"/>
-              <a:t>01/02/2022</a:t>
+              <a:t>02/02/2022</a:t>
             </a:fld>
             <a:endParaRPr lang="en-GB"/>
           </a:p>
@@ -4475,7 +4475,7 @@
           <a:p>
             <a:fld id="{48D70FE8-65FD-4950-BD19-4EE3A454551B}" type="datetimeFigureOut">
               <a:rPr lang="en-GB" smtClean="0"/>
-              <a:t>01/02/2022</a:t>
+              <a:t>02/02/2022</a:t>
             </a:fld>
             <a:endParaRPr lang="en-GB"/>
           </a:p>
@@ -4764,7 +4764,7 @@
           <a:p>
             <a:fld id="{48D70FE8-65FD-4950-BD19-4EE3A454551B}" type="datetimeFigureOut">
               <a:rPr lang="en-GB" smtClean="0"/>
-              <a:t>01/02/2022</a:t>
+              <a:t>02/02/2022</a:t>
             </a:fld>
             <a:endParaRPr lang="en-GB"/>
           </a:p>
@@ -5007,7 +5007,7 @@
           <a:p>
             <a:fld id="{48D70FE8-65FD-4950-BD19-4EE3A454551B}" type="datetimeFigureOut">
               <a:rPr lang="en-GB" smtClean="0"/>
-              <a:t>01/02/2022</a:t>
+              <a:t>02/02/2022</a:t>
             </a:fld>
             <a:endParaRPr lang="en-GB"/>
           </a:p>
@@ -5589,7 +5589,7 @@
               <a:rPr lang="fr-FR" sz="2000" b="1" smtClean="0">
                 <a:latin typeface="+mj-lt"/>
               </a:rPr>
-              <a:t>1er février 2022</a:t>
+              <a:t>2 février 2022</a:t>
             </a:fld>
             <a:endParaRPr lang="en-GB" sz="2000" b="1" dirty="0">
               <a:latin typeface="+mj-lt"/>
@@ -5678,15 +5678,20 @@
           <p:nvPr/>
         </p:nvPicPr>
         <p:blipFill>
-          <a:blip r:embed="rId3"/>
-          <a:stretch>
-            <a:fillRect/>
-          </a:stretch>
+          <a:blip r:embed="rId3">
+            <a:extLst>
+              <a:ext uri="{28A0092B-C50C-407E-A947-70E740481C1C}">
+                <a14:useLocalDpi xmlns:a14="http://schemas.microsoft.com/office/drawing/2010/main" val="0"/>
+              </a:ext>
+            </a:extLst>
+          </a:blip>
+          <a:srcRect/>
+          <a:stretch/>
         </p:blipFill>
         <p:spPr>
           <a:xfrm>
-            <a:off x="5861844" y="3873481"/>
-            <a:ext cx="5799930" cy="2127151"/>
+            <a:off x="5861844" y="3886344"/>
+            <a:ext cx="5799930" cy="2101424"/>
           </a:xfrm>
           <a:prstGeom prst="rect">
             <a:avLst/>
@@ -5867,7 +5872,7 @@
                   <a:rPr lang="fr-FR" sz="1200" b="1" smtClean="0">
                     <a:latin typeface="+mj-lt"/>
                   </a:rPr>
-                  <a:t>01/02/2022</a:t>
+                  <a:t>02/02/2022</a:t>
                 </a:fld>
                 <a:endParaRPr lang="en-GB" sz="1400" b="1" cap="small" dirty="0">
                   <a:latin typeface="+mj-lt"/>
@@ -6342,7 +6347,7 @@
               <a:rPr lang="fr-FR" dirty="0">
                 <a:solidFill>
                   <a:schemeClr val="accent6">
-                    <a:lumMod val="50000"/>
+                    <a:lumMod val="75000"/>
                   </a:schemeClr>
                 </a:solidFill>
               </a:rPr>
@@ -6540,11 +6545,21 @@
               <a:rPr lang="fr-FR" dirty="0">
                 <a:solidFill>
                   <a:schemeClr val="accent6">
+                    <a:lumMod val="75000"/>
+                  </a:schemeClr>
+                </a:solidFill>
+              </a:rPr>
+              <a:t>hebdomadaire</a:t>
+            </a:r>
+            <a:r>
+              <a:rPr lang="fr-FR" dirty="0">
+                <a:solidFill>
+                  <a:schemeClr val="accent6">
                     <a:lumMod val="50000"/>
                   </a:schemeClr>
                 </a:solidFill>
               </a:rPr>
-              <a:t>hebdomadaire </a:t>
+              <a:t> </a:t>
             </a:r>
           </a:p>
           <a:p>
@@ -6771,7 +6786,7 @@
                   <a:rPr lang="fr-FR" sz="1200" b="1" smtClean="0">
                     <a:latin typeface="+mj-lt"/>
                   </a:rPr>
-                  <a:t>01/02/2022</a:t>
+                  <a:t>02/02/2022</a:t>
                 </a:fld>
                 <a:endParaRPr lang="en-GB" sz="1400" b="1" cap="small" dirty="0">
                   <a:latin typeface="+mj-lt"/>
@@ -7793,7 +7808,7 @@
                   <a:rPr lang="fr-FR" sz="1200" b="1" smtClean="0">
                     <a:latin typeface="+mj-lt"/>
                   </a:rPr>
-                  <a:t>01/02/2022</a:t>
+                  <a:t>02/02/2022</a:t>
                 </a:fld>
                 <a:endParaRPr lang="en-GB" sz="1400" b="1" cap="small" dirty="0">
                   <a:latin typeface="+mj-lt"/>
@@ -11519,7 +11534,7 @@
                   <a:rPr lang="fr-FR" sz="1200" b="1" smtClean="0">
                     <a:latin typeface="+mj-lt"/>
                   </a:rPr>
-                  <a:t>01/02/2022</a:t>
+                  <a:t>02/02/2022</a:t>
                 </a:fld>
                 <a:endParaRPr lang="en-GB" sz="1400" b="1" cap="small" dirty="0">
                   <a:latin typeface="+mj-lt"/>
@@ -12620,7 +12635,7 @@
         <p:spPr>
           <a:xfrm>
             <a:off x="858624" y="1380778"/>
-            <a:ext cx="5724580" cy="2126864"/>
+            <a:ext cx="9693231" cy="3373359"/>
           </a:xfrm>
           <a:prstGeom prst="rect">
             <a:avLst/>
@@ -12651,6 +12666,111 @@
               <a:defRPr/>
             </a:pPr>
             <a:r>
+              <a:rPr lang="fr-FR" dirty="0">
+                <a:solidFill>
+                  <a:prstClr val="black"/>
+                </a:solidFill>
+                <a:latin typeface="Calibri" panose="020F0502020204030204"/>
+              </a:rPr>
+              <a:t>Modélisation plus proche des trajectoires réelles des Puffins de Scopoli</a:t>
+            </a:r>
+          </a:p>
+          <a:p>
+            <a:pPr marL="742950" lvl="1" indent="-285750">
+              <a:lnSpc>
+                <a:spcPct val="150000"/>
+              </a:lnSpc>
+              <a:buFont typeface="Calibri" panose="020F0502020204030204" pitchFamily="34" charset="0"/>
+              <a:buChar char="-"/>
+              <a:defRPr/>
+            </a:pPr>
+            <a:r>
+              <a:rPr kumimoji="0" lang="fr-FR" b="0" i="0" u="none" strike="noStrike" kern="1200" cap="none" spc="0" normalizeH="0" baseline="0" noProof="0" dirty="0">
+                <a:ln>
+                  <a:noFill/>
+                </a:ln>
+                <a:solidFill>
+                  <a:prstClr val="black"/>
+                </a:solidFill>
+                <a:effectLst/>
+                <a:uLnTx/>
+                <a:uFillTx/>
+                <a:latin typeface="Calibri" panose="020F0502020204030204"/>
+                <a:ea typeface="+mn-ea"/>
+                <a:cs typeface="+mn-cs"/>
+              </a:rPr>
+              <a:t>prise en compte des </a:t>
+            </a:r>
+            <a:r>
+              <a:rPr lang="fr-FR" dirty="0">
+                <a:solidFill>
+                  <a:prstClr val="black"/>
+                </a:solidFill>
+                <a:latin typeface="Calibri" panose="020F0502020204030204"/>
+              </a:rPr>
+              <a:t>caractéristiques de pas à conditionnellement à chaque position courante</a:t>
+            </a:r>
+          </a:p>
+          <a:p>
+            <a:pPr marL="742950" lvl="1" indent="-285750">
+              <a:lnSpc>
+                <a:spcPct val="150000"/>
+              </a:lnSpc>
+              <a:buFont typeface="Calibri" panose="020F0502020204030204" pitchFamily="34" charset="0"/>
+              <a:buChar char="-"/>
+              <a:defRPr/>
+            </a:pPr>
+            <a:endParaRPr lang="fr-FR" dirty="0">
+              <a:solidFill>
+                <a:prstClr val="black"/>
+              </a:solidFill>
+              <a:latin typeface="Calibri" panose="020F0502020204030204"/>
+            </a:endParaRPr>
+          </a:p>
+          <a:p>
+            <a:pPr marL="285750" marR="0" lvl="0" indent="-285750" algn="l" defTabSz="914400" rtl="0" eaLnBrk="1" fontAlgn="auto" latinLnBrk="0" hangingPunct="1">
+              <a:lnSpc>
+                <a:spcPct val="150000"/>
+              </a:lnSpc>
+              <a:spcBef>
+                <a:spcPts val="0"/>
+              </a:spcBef>
+              <a:spcAft>
+                <a:spcPts val="0"/>
+              </a:spcAft>
+              <a:buClrTx/>
+              <a:buSzTx/>
+              <a:buFont typeface="Arial" panose="020B0604020202020204" pitchFamily="34" charset="0"/>
+              <a:buChar char="•"/>
+              <a:tabLst/>
+              <a:defRPr/>
+            </a:pPr>
+            <a:endParaRPr lang="fr-FR" dirty="0">
+              <a:solidFill>
+                <a:prstClr val="black"/>
+              </a:solidFill>
+              <a:latin typeface="Calibri" panose="020F0502020204030204"/>
+            </a:endParaRPr>
+          </a:p>
+          <a:p>
+            <a:pPr marL="285750" marR="0" lvl="0" indent="-285750" algn="l" defTabSz="914400" rtl="0" eaLnBrk="1" fontAlgn="auto" latinLnBrk="0" hangingPunct="1">
+              <a:lnSpc>
+                <a:spcPct val="150000"/>
+              </a:lnSpc>
+              <a:spcBef>
+                <a:spcPts val="0"/>
+              </a:spcBef>
+              <a:spcAft>
+                <a:spcPts val="0"/>
+              </a:spcAft>
+              <a:buClrTx/>
+              <a:buSzTx/>
+              <a:buFont typeface="Arial" panose="020B0604020202020204" pitchFamily="34" charset="0"/>
+              <a:buChar char="•"/>
+              <a:tabLst/>
+              <a:defRPr/>
+            </a:pPr>
+            <a:r>
               <a:rPr kumimoji="0" lang="fr-FR" sz="1800" b="0" i="0" u="none" strike="noStrike" kern="1200" cap="none" spc="0" normalizeH="0" baseline="0" noProof="0" dirty="0">
                 <a:ln>
                   <a:noFill/>
@@ -12665,7 +12785,7 @@
                 <a:ea typeface="+mn-ea"/>
                 <a:cs typeface="+mn-cs"/>
               </a:rPr>
-              <a:t>Instabilité des résultats selon les colonies :</a:t>
+              <a:t>Instabilité des résultats entre les colonies :</a:t>
             </a:r>
           </a:p>
           <a:p>
@@ -12728,16 +12848,7 @@
                 <a:ea typeface="+mn-ea"/>
                 <a:cs typeface="+mn-cs"/>
               </a:rPr>
-              <a:t>comp</a:t>
-            </a:r>
-            <a:r>
-              <a:rPr lang="fr-FR" dirty="0" err="1">
-                <a:solidFill>
-                  <a:prstClr val="black"/>
-                </a:solidFill>
-                <a:latin typeface="Calibri" panose="020F0502020204030204"/>
-              </a:rPr>
-              <a:t>ortements</a:t>
+              <a:t>comportement</a:t>
             </a:r>
             <a:r>
               <a:rPr lang="fr-FR" dirty="0">
@@ -12746,7 +12857,7 @@
                 </a:solidFill>
                 <a:latin typeface="Calibri" panose="020F0502020204030204"/>
               </a:rPr>
-              <a:t> de déplacement</a:t>
+              <a:t>s de déplacement</a:t>
             </a:r>
           </a:p>
           <a:p>
@@ -12772,42 +12883,6 @@
               <a:ea typeface="+mn-ea"/>
               <a:cs typeface="+mn-cs"/>
             </a:endParaRPr>
-          </a:p>
-          <a:p>
-            <a:pPr marL="285750" marR="0" lvl="0" indent="-285750" algn="l" defTabSz="914400" rtl="0" eaLnBrk="1" fontAlgn="auto" latinLnBrk="0" hangingPunct="1">
-              <a:lnSpc>
-                <a:spcPct val="150000"/>
-              </a:lnSpc>
-              <a:spcBef>
-                <a:spcPts val="0"/>
-              </a:spcBef>
-              <a:spcAft>
-                <a:spcPts val="0"/>
-              </a:spcAft>
-              <a:buClrTx/>
-              <a:buSzTx/>
-              <a:buFont typeface="Arial" panose="020B0604020202020204" pitchFamily="34" charset="0"/>
-              <a:buChar char="•"/>
-              <a:tabLst/>
-              <a:defRPr/>
-            </a:pPr>
-            <a:r>
-              <a:rPr kumimoji="0" lang="fr-FR" sz="1800" b="0" i="0" u="none" strike="noStrike" kern="1200" cap="none" spc="0" normalizeH="0" baseline="0" noProof="0" dirty="0">
-                <a:ln>
-                  <a:noFill/>
-                </a:ln>
-                <a:solidFill>
-                  <a:prstClr val="black"/>
-                </a:solidFill>
-                <a:effectLst/>
-                <a:uLnTx/>
-                <a:uFillTx/>
-                <a:latin typeface="Calibri" panose="020F0502020204030204"/>
-                <a:ea typeface="+mn-ea"/>
-                <a:cs typeface="+mn-cs"/>
-              </a:rPr>
-              <a:t>[faire le lien avec les résultats de Clara P. et Matthieu A.]</a:t>
-            </a:r>
           </a:p>
         </p:txBody>
       </p:sp>
@@ -13464,7 +13539,7 @@
                 </a:solidFill>
                 <a:latin typeface="Calibri" panose="020F0502020204030204"/>
               </a:rPr>
-              <a:t>?</a:t>
+              <a:t>…</a:t>
             </a:r>
             <a:r>
               <a:rPr lang="fr-FR" dirty="0">
@@ -13725,7 +13800,7 @@
         <p:spPr>
           <a:xfrm>
             <a:off x="331514" y="368212"/>
-            <a:ext cx="1519968" cy="523220"/>
+            <a:ext cx="2547492" cy="523220"/>
           </a:xfrm>
           <a:prstGeom prst="rect">
             <a:avLst/>
@@ -13742,7 +13817,7 @@
               <a:rPr lang="fr-FR" sz="2800" b="1" cap="small" dirty="0">
                 <a:latin typeface="+mj-lt"/>
               </a:rPr>
-              <a:t>Sommaire</a:t>
+              <a:t>Le déroulement…</a:t>
             </a:r>
             <a:endParaRPr lang="en-GB" sz="2800" b="1" cap="small" dirty="0">
               <a:latin typeface="+mj-lt"/>
@@ -13924,7 +13999,7 @@
                   <a:rPr lang="fr-FR" sz="1200" b="1" smtClean="0">
                     <a:latin typeface="+mj-lt"/>
                   </a:rPr>
-                  <a:t>01/02/2022</a:t>
+                  <a:t>02/02/2022</a:t>
                 </a:fld>
                 <a:endParaRPr lang="en-GB" sz="1400" b="1" cap="small" dirty="0">
                   <a:latin typeface="+mj-lt"/>
@@ -14293,7 +14368,7 @@
                   <a:rPr lang="fr-FR" sz="1200" b="1" smtClean="0">
                     <a:latin typeface="+mj-lt"/>
                   </a:rPr>
-                  <a:t>01/02/2022</a:t>
+                  <a:t>02/02/2022</a:t>
                 </a:fld>
                 <a:endParaRPr lang="en-GB" sz="1400" b="1" cap="small" dirty="0">
                   <a:latin typeface="+mj-lt"/>
@@ -15201,7 +15276,7 @@
               <a:rPr lang="fr-FR" sz="2000" b="1" smtClean="0">
                 <a:latin typeface="+mj-lt"/>
               </a:rPr>
-              <a:t>1er février 2022</a:t>
+              <a:t>2 février 2022</a:t>
             </a:fld>
             <a:endParaRPr lang="en-GB" sz="2000" b="1" dirty="0">
               <a:latin typeface="+mj-lt"/>
@@ -16177,7 +16252,7 @@
                   <a:rPr lang="fr-FR" sz="1200" b="1" smtClean="0">
                     <a:latin typeface="+mj-lt"/>
                   </a:rPr>
-                  <a:t>01/02/2022</a:t>
+                  <a:t>02/02/2022</a:t>
                 </a:fld>
                 <a:endParaRPr lang="en-GB" sz="1400" b="1" cap="small" dirty="0">
                   <a:latin typeface="+mj-lt"/>
@@ -16599,7 +16674,7 @@
                   <a:rPr lang="fr-FR" sz="1200" b="1" smtClean="0">
                     <a:latin typeface="+mj-lt"/>
                   </a:rPr>
-                  <a:t>01/02/2022</a:t>
+                  <a:t>02/02/2022</a:t>
                 </a:fld>
                 <a:endParaRPr lang="en-GB" sz="1400" b="1" cap="small" dirty="0">
                   <a:latin typeface="+mj-lt"/>
@@ -17387,7 +17462,7 @@
                   <a:rPr lang="fr-FR" sz="1200" b="1" smtClean="0">
                     <a:latin typeface="+mj-lt"/>
                   </a:rPr>
-                  <a:t>01/02/2022</a:t>
+                  <a:t>02/02/2022</a:t>
                 </a:fld>
                 <a:endParaRPr lang="en-GB" sz="1400" b="1" cap="small" dirty="0">
                   <a:latin typeface="+mj-lt"/>
@@ -18192,7 +18267,7 @@
                   <a:rPr lang="fr-FR" sz="1200" b="1" smtClean="0">
                     <a:latin typeface="+mj-lt"/>
                   </a:rPr>
-                  <a:t>01/02/2022</a:t>
+                  <a:t>02/02/2022</a:t>
                 </a:fld>
                 <a:endParaRPr lang="en-GB" sz="1400" b="1" cap="small" dirty="0">
                   <a:latin typeface="+mj-lt"/>
@@ -19026,7 +19101,7 @@
                   <a:rPr lang="fr-FR" sz="1200" b="1" smtClean="0">
                     <a:latin typeface="+mj-lt"/>
                   </a:rPr>
-                  <a:t>01/02/2022</a:t>
+                  <a:t>02/02/2022</a:t>
                 </a:fld>
                 <a:endParaRPr lang="en-GB" sz="1400" b="1" cap="small" dirty="0">
                   <a:latin typeface="+mj-lt"/>
@@ -19753,7 +19828,7 @@
                   <a:rPr lang="fr-FR" sz="1200" b="1" smtClean="0">
                     <a:latin typeface="+mj-lt"/>
                   </a:rPr>
-                  <a:t>01/02/2022</a:t>
+                  <a:t>02/02/2022</a:t>
                 </a:fld>
                 <a:endParaRPr lang="en-GB" sz="1400" b="1" cap="small" dirty="0">
                   <a:latin typeface="+mj-lt"/>
@@ -20552,7 +20627,7 @@
                   <a:rPr lang="fr-FR" sz="1200" b="1" smtClean="0">
                     <a:latin typeface="+mj-lt"/>
                   </a:rPr>
-                  <a:t>01/02/2022</a:t>
+                  <a:t>02/02/2022</a:t>
                 </a:fld>
                 <a:endParaRPr lang="en-GB" sz="1400" b="1" cap="small" dirty="0">
                   <a:latin typeface="+mj-lt"/>
